--- a/slides/Figures.pptx
+++ b/slides/Figures.pptx
@@ -7,6 +7,7 @@
   <p:sldIdLst>
     <p:sldId id="256" r:id="rId2"/>
     <p:sldId id="257" r:id="rId3"/>
+    <p:sldId id="258" r:id="rId4"/>
   </p:sldIdLst>
   <p:sldSz cx="12192000" cy="6858000"/>
   <p:notesSz cx="6858000" cy="9144000"/>
@@ -260,7 +261,7 @@
           <a:p>
             <a:fld id="{80F69AB6-3231-0B4B-92B3-5CB6F8134EAC}" type="datetimeFigureOut">
               <a:rPr lang="en-US" smtClean="0"/>
-              <a:t>11/27/23</a:t>
+              <a:t>11/30/23</a:t>
             </a:fld>
             <a:endParaRPr lang="en-US"/>
           </a:p>
@@ -458,7 +459,7 @@
           <a:p>
             <a:fld id="{80F69AB6-3231-0B4B-92B3-5CB6F8134EAC}" type="datetimeFigureOut">
               <a:rPr lang="en-US" smtClean="0"/>
-              <a:t>11/27/23</a:t>
+              <a:t>11/30/23</a:t>
             </a:fld>
             <a:endParaRPr lang="en-US"/>
           </a:p>
@@ -666,7 +667,7 @@
           <a:p>
             <a:fld id="{80F69AB6-3231-0B4B-92B3-5CB6F8134EAC}" type="datetimeFigureOut">
               <a:rPr lang="en-US" smtClean="0"/>
-              <a:t>11/27/23</a:t>
+              <a:t>11/30/23</a:t>
             </a:fld>
             <a:endParaRPr lang="en-US"/>
           </a:p>
@@ -864,7 +865,7 @@
           <a:p>
             <a:fld id="{80F69AB6-3231-0B4B-92B3-5CB6F8134EAC}" type="datetimeFigureOut">
               <a:rPr lang="en-US" smtClean="0"/>
-              <a:t>11/27/23</a:t>
+              <a:t>11/30/23</a:t>
             </a:fld>
             <a:endParaRPr lang="en-US"/>
           </a:p>
@@ -1139,7 +1140,7 @@
           <a:p>
             <a:fld id="{80F69AB6-3231-0B4B-92B3-5CB6F8134EAC}" type="datetimeFigureOut">
               <a:rPr lang="en-US" smtClean="0"/>
-              <a:t>11/27/23</a:t>
+              <a:t>11/30/23</a:t>
             </a:fld>
             <a:endParaRPr lang="en-US"/>
           </a:p>
@@ -1404,7 +1405,7 @@
           <a:p>
             <a:fld id="{80F69AB6-3231-0B4B-92B3-5CB6F8134EAC}" type="datetimeFigureOut">
               <a:rPr lang="en-US" smtClean="0"/>
-              <a:t>11/27/23</a:t>
+              <a:t>11/30/23</a:t>
             </a:fld>
             <a:endParaRPr lang="en-US"/>
           </a:p>
@@ -1816,7 +1817,7 @@
           <a:p>
             <a:fld id="{80F69AB6-3231-0B4B-92B3-5CB6F8134EAC}" type="datetimeFigureOut">
               <a:rPr lang="en-US" smtClean="0"/>
-              <a:t>11/27/23</a:t>
+              <a:t>11/30/23</a:t>
             </a:fld>
             <a:endParaRPr lang="en-US"/>
           </a:p>
@@ -1957,7 +1958,7 @@
           <a:p>
             <a:fld id="{80F69AB6-3231-0B4B-92B3-5CB6F8134EAC}" type="datetimeFigureOut">
               <a:rPr lang="en-US" smtClean="0"/>
-              <a:t>11/27/23</a:t>
+              <a:t>11/30/23</a:t>
             </a:fld>
             <a:endParaRPr lang="en-US"/>
           </a:p>
@@ -2070,7 +2071,7 @@
           <a:p>
             <a:fld id="{80F69AB6-3231-0B4B-92B3-5CB6F8134EAC}" type="datetimeFigureOut">
               <a:rPr lang="en-US" smtClean="0"/>
-              <a:t>11/27/23</a:t>
+              <a:t>11/30/23</a:t>
             </a:fld>
             <a:endParaRPr lang="en-US"/>
           </a:p>
@@ -2381,7 +2382,7 @@
           <a:p>
             <a:fld id="{80F69AB6-3231-0B4B-92B3-5CB6F8134EAC}" type="datetimeFigureOut">
               <a:rPr lang="en-US" smtClean="0"/>
-              <a:t>11/27/23</a:t>
+              <a:t>11/30/23</a:t>
             </a:fld>
             <a:endParaRPr lang="en-US"/>
           </a:p>
@@ -2669,7 +2670,7 @@
           <a:p>
             <a:fld id="{80F69AB6-3231-0B4B-92B3-5CB6F8134EAC}" type="datetimeFigureOut">
               <a:rPr lang="en-US" smtClean="0"/>
-              <a:t>11/27/23</a:t>
+              <a:t>11/30/23</a:t>
             </a:fld>
             <a:endParaRPr lang="en-US"/>
           </a:p>
@@ -2910,7 +2911,7 @@
           <a:p>
             <a:fld id="{80F69AB6-3231-0B4B-92B3-5CB6F8134EAC}" type="datetimeFigureOut">
               <a:rPr lang="en-US" smtClean="0"/>
-              <a:t>11/27/23</a:t>
+              <a:t>11/30/23</a:t>
             </a:fld>
             <a:endParaRPr lang="en-US"/>
           </a:p>
@@ -3348,7 +3349,10 @@
           <a:bodyPr/>
           <a:lstStyle/>
           <a:p>
-            <a:endParaRPr lang="en-US"/>
+            <a:r>
+              <a:rPr lang="en-US" dirty="0"/>
+              <a:t>MicroSim Figures</a:t>
+            </a:r>
           </a:p>
         </p:txBody>
       </p:sp>
@@ -3373,7 +3377,7 @@
           <a:bodyPr/>
           <a:lstStyle/>
           <a:p>
-            <a:endParaRPr lang="en-US"/>
+            <a:endParaRPr lang="en-US" dirty="0"/>
           </a:p>
         </p:txBody>
       </p:sp>
@@ -3814,6 +3818,189 @@
     <p:extLst>
       <p:ext uri="{BB962C8B-B14F-4D97-AF65-F5344CB8AC3E}">
         <p14:creationId xmlns:p14="http://schemas.microsoft.com/office/powerpoint/2010/main" val="3387071352"/>
+      </p:ext>
+    </p:extLst>
+  </p:cSld>
+  <p:clrMapOvr>
+    <a:masterClrMapping/>
+  </p:clrMapOvr>
+</p:sld>
+</file>
+
+<file path=ppt/slides/slide3.xml><?xml version="1.0" encoding="utf-8"?>
+<p:sld xmlns:a="http://schemas.openxmlformats.org/drawingml/2006/main" xmlns:r="http://schemas.openxmlformats.org/officeDocument/2006/relationships" xmlns:p="http://schemas.openxmlformats.org/presentationml/2006/main">
+  <p:cSld>
+    <p:spTree>
+      <p:nvGrpSpPr>
+        <p:cNvPr id="1" name=""/>
+        <p:cNvGrpSpPr/>
+        <p:nvPr/>
+      </p:nvGrpSpPr>
+      <p:grpSpPr>
+        <a:xfrm>
+          <a:off x="0" y="0"/>
+          <a:ext cx="0" cy="0"/>
+          <a:chOff x="0" y="0"/>
+          <a:chExt cx="0" cy="0"/>
+        </a:xfrm>
+      </p:grpSpPr>
+      <p:sp>
+        <p:nvSpPr>
+          <p:cNvPr id="2" name="Title 1">
+            <a:extLst>
+              <a:ext uri="{FF2B5EF4-FFF2-40B4-BE49-F238E27FC236}">
+                <a16:creationId xmlns:a16="http://schemas.microsoft.com/office/drawing/2014/main" id="{8C3F91B6-B82F-F8AC-F0AA-D4B3971C2602}"/>
+              </a:ext>
+            </a:extLst>
+          </p:cNvPr>
+          <p:cNvSpPr>
+            <a:spLocks noGrp="1"/>
+          </p:cNvSpPr>
+          <p:nvPr>
+            <p:ph type="title"/>
+          </p:nvPr>
+        </p:nvSpPr>
+        <p:spPr/>
+        <p:txBody>
+          <a:bodyPr/>
+          <a:lstStyle/>
+          <a:p>
+            <a:r>
+              <a:rPr lang="en-US" dirty="0"/>
+              <a:t>Favicon</a:t>
+            </a:r>
+          </a:p>
+        </p:txBody>
+      </p:sp>
+      <p:sp>
+        <p:nvSpPr>
+          <p:cNvPr id="3" name="Content Placeholder 2">
+            <a:extLst>
+              <a:ext uri="{FF2B5EF4-FFF2-40B4-BE49-F238E27FC236}">
+                <a16:creationId xmlns:a16="http://schemas.microsoft.com/office/drawing/2014/main" id="{894E8F98-89CA-3AF5-C678-0A8D66374CFC}"/>
+              </a:ext>
+            </a:extLst>
+          </p:cNvPr>
+          <p:cNvSpPr>
+            <a:spLocks noGrp="1"/>
+          </p:cNvSpPr>
+          <p:nvPr>
+            <p:ph idx="1"/>
+          </p:nvPr>
+        </p:nvSpPr>
+        <p:spPr>
+          <a:xfrm>
+            <a:off x="838200" y="4976633"/>
+            <a:ext cx="10515600" cy="1200329"/>
+          </a:xfrm>
+        </p:spPr>
+        <p:txBody>
+          <a:bodyPr/>
+          <a:lstStyle/>
+          <a:p>
+            <a:endParaRPr lang="en-US" dirty="0"/>
+          </a:p>
+        </p:txBody>
+      </p:sp>
+      <p:sp>
+        <p:nvSpPr>
+          <p:cNvPr id="4" name="TextBox 3">
+            <a:extLst>
+              <a:ext uri="{FF2B5EF4-FFF2-40B4-BE49-F238E27FC236}">
+                <a16:creationId xmlns:a16="http://schemas.microsoft.com/office/drawing/2014/main" id="{99BB7EA9-F5C2-F4F6-618E-1C6884C2542A}"/>
+              </a:ext>
+            </a:extLst>
+          </p:cNvPr>
+          <p:cNvSpPr txBox="1"/>
+          <p:nvPr/>
+        </p:nvSpPr>
+        <p:spPr>
+          <a:xfrm>
+            <a:off x="3413382" y="2330067"/>
+            <a:ext cx="4447308" cy="1200329"/>
+          </a:xfrm>
+          <a:prstGeom prst="rect">
+            <a:avLst/>
+          </a:prstGeom>
+          <a:noFill/>
+          <a:ln>
+            <a:noFill/>
+          </a:ln>
+        </p:spPr>
+        <p:txBody>
+          <a:bodyPr wrap="square" rtlCol="0">
+            <a:spAutoFit/>
+          </a:bodyPr>
+          <a:lstStyle/>
+          <a:p>
+            <a:r>
+              <a:rPr lang="en-US" sz="7200" b="1" dirty="0">
+                <a:gradFill flip="none" rotWithShape="1">
+                  <a:gsLst>
+                    <a:gs pos="0">
+                      <a:srgbClr val="FF0000"/>
+                    </a:gs>
+                    <a:gs pos="79000">
+                      <a:srgbClr val="0070C0"/>
+                    </a:gs>
+                    <a:gs pos="61000">
+                      <a:srgbClr val="00B050"/>
+                    </a:gs>
+                    <a:gs pos="40000">
+                      <a:srgbClr val="E7E700"/>
+                    </a:gs>
+                    <a:gs pos="20000">
+                      <a:srgbClr val="FFC000"/>
+                    </a:gs>
+                    <a:gs pos="100000">
+                      <a:srgbClr val="7030A0"/>
+                    </a:gs>
+                  </a:gsLst>
+                  <a:lin ang="0" scaled="1"/>
+                  <a:tileRect/>
+                </a:gradFill>
+                <a:latin typeface="Arial Narrow" panose="020B0604020202020204" pitchFamily="34" charset="0"/>
+                <a:cs typeface="Arial Narrow" panose="020B0604020202020204" pitchFamily="34" charset="0"/>
+              </a:rPr>
+              <a:t>MicroSim</a:t>
+            </a:r>
+          </a:p>
+        </p:txBody>
+      </p:sp>
+      <p:pic>
+        <p:nvPicPr>
+          <p:cNvPr id="5" name="Picture 4">
+            <a:extLst>
+              <a:ext uri="{FF2B5EF4-FFF2-40B4-BE49-F238E27FC236}">
+                <a16:creationId xmlns:a16="http://schemas.microsoft.com/office/drawing/2014/main" id="{696CFE15-F876-CD97-1B3C-A3E97053D8ED}"/>
+              </a:ext>
+            </a:extLst>
+          </p:cNvPr>
+          <p:cNvPicPr>
+            <a:picLocks noChangeAspect="1"/>
+          </p:cNvPicPr>
+          <p:nvPr/>
+        </p:nvPicPr>
+        <p:blipFill>
+          <a:blip r:embed="rId2"/>
+          <a:stretch>
+            <a:fillRect/>
+          </a:stretch>
+        </p:blipFill>
+        <p:spPr>
+          <a:xfrm>
+            <a:off x="8055809" y="1822067"/>
+            <a:ext cx="1018918" cy="1016000"/>
+          </a:xfrm>
+          <a:prstGeom prst="rect">
+            <a:avLst/>
+          </a:prstGeom>
+        </p:spPr>
+      </p:pic>
+    </p:spTree>
+    <p:extLst>
+      <p:ext uri="{BB962C8B-B14F-4D97-AF65-F5344CB8AC3E}">
+        <p14:creationId xmlns:p14="http://schemas.microsoft.com/office/powerpoint/2010/main" val="987240398"/>
       </p:ext>
     </p:extLst>
   </p:cSld>

--- a/slides/Figures.pptx
+++ b/slides/Figures.pptx
@@ -8,6 +8,14 @@
     <p:sldId id="256" r:id="rId2"/>
     <p:sldId id="257" r:id="rId3"/>
     <p:sldId id="258" r:id="rId4"/>
+    <p:sldId id="263" r:id="rId5"/>
+    <p:sldId id="259" r:id="rId6"/>
+    <p:sldId id="260" r:id="rId7"/>
+    <p:sldId id="261" r:id="rId8"/>
+    <p:sldId id="262" r:id="rId9"/>
+    <p:sldId id="264" r:id="rId10"/>
+    <p:sldId id="265" r:id="rId11"/>
+    <p:sldId id="266" r:id="rId12"/>
   </p:sldIdLst>
   <p:sldSz cx="12192000" cy="6858000"/>
   <p:notesSz cx="6858000" cy="9144000"/>
@@ -261,7 +269,7 @@
           <a:p>
             <a:fld id="{80F69AB6-3231-0B4B-92B3-5CB6F8134EAC}" type="datetimeFigureOut">
               <a:rPr lang="en-US" smtClean="0"/>
-              <a:t>11/30/23</a:t>
+              <a:t>12/5/23</a:t>
             </a:fld>
             <a:endParaRPr lang="en-US"/>
           </a:p>
@@ -459,7 +467,7 @@
           <a:p>
             <a:fld id="{80F69AB6-3231-0B4B-92B3-5CB6F8134EAC}" type="datetimeFigureOut">
               <a:rPr lang="en-US" smtClean="0"/>
-              <a:t>11/30/23</a:t>
+              <a:t>12/5/23</a:t>
             </a:fld>
             <a:endParaRPr lang="en-US"/>
           </a:p>
@@ -667,7 +675,7 @@
           <a:p>
             <a:fld id="{80F69AB6-3231-0B4B-92B3-5CB6F8134EAC}" type="datetimeFigureOut">
               <a:rPr lang="en-US" smtClean="0"/>
-              <a:t>11/30/23</a:t>
+              <a:t>12/5/23</a:t>
             </a:fld>
             <a:endParaRPr lang="en-US"/>
           </a:p>
@@ -865,7 +873,7 @@
           <a:p>
             <a:fld id="{80F69AB6-3231-0B4B-92B3-5CB6F8134EAC}" type="datetimeFigureOut">
               <a:rPr lang="en-US" smtClean="0"/>
-              <a:t>11/30/23</a:t>
+              <a:t>12/5/23</a:t>
             </a:fld>
             <a:endParaRPr lang="en-US"/>
           </a:p>
@@ -1140,7 +1148,7 @@
           <a:p>
             <a:fld id="{80F69AB6-3231-0B4B-92B3-5CB6F8134EAC}" type="datetimeFigureOut">
               <a:rPr lang="en-US" smtClean="0"/>
-              <a:t>11/30/23</a:t>
+              <a:t>12/5/23</a:t>
             </a:fld>
             <a:endParaRPr lang="en-US"/>
           </a:p>
@@ -1405,7 +1413,7 @@
           <a:p>
             <a:fld id="{80F69AB6-3231-0B4B-92B3-5CB6F8134EAC}" type="datetimeFigureOut">
               <a:rPr lang="en-US" smtClean="0"/>
-              <a:t>11/30/23</a:t>
+              <a:t>12/5/23</a:t>
             </a:fld>
             <a:endParaRPr lang="en-US"/>
           </a:p>
@@ -1817,7 +1825,7 @@
           <a:p>
             <a:fld id="{80F69AB6-3231-0B4B-92B3-5CB6F8134EAC}" type="datetimeFigureOut">
               <a:rPr lang="en-US" smtClean="0"/>
-              <a:t>11/30/23</a:t>
+              <a:t>12/5/23</a:t>
             </a:fld>
             <a:endParaRPr lang="en-US"/>
           </a:p>
@@ -1958,7 +1966,7 @@
           <a:p>
             <a:fld id="{80F69AB6-3231-0B4B-92B3-5CB6F8134EAC}" type="datetimeFigureOut">
               <a:rPr lang="en-US" smtClean="0"/>
-              <a:t>11/30/23</a:t>
+              <a:t>12/5/23</a:t>
             </a:fld>
             <a:endParaRPr lang="en-US"/>
           </a:p>
@@ -2071,7 +2079,7 @@
           <a:p>
             <a:fld id="{80F69AB6-3231-0B4B-92B3-5CB6F8134EAC}" type="datetimeFigureOut">
               <a:rPr lang="en-US" smtClean="0"/>
-              <a:t>11/30/23</a:t>
+              <a:t>12/5/23</a:t>
             </a:fld>
             <a:endParaRPr lang="en-US"/>
           </a:p>
@@ -2382,7 +2390,7 @@
           <a:p>
             <a:fld id="{80F69AB6-3231-0B4B-92B3-5CB6F8134EAC}" type="datetimeFigureOut">
               <a:rPr lang="en-US" smtClean="0"/>
-              <a:t>11/30/23</a:t>
+              <a:t>12/5/23</a:t>
             </a:fld>
             <a:endParaRPr lang="en-US"/>
           </a:p>
@@ -2670,7 +2678,7 @@
           <a:p>
             <a:fld id="{80F69AB6-3231-0B4B-92B3-5CB6F8134EAC}" type="datetimeFigureOut">
               <a:rPr lang="en-US" smtClean="0"/>
-              <a:t>11/30/23</a:t>
+              <a:t>12/5/23</a:t>
             </a:fld>
             <a:endParaRPr lang="en-US"/>
           </a:p>
@@ -2911,7 +2919,7 @@
           <a:p>
             <a:fld id="{80F69AB6-3231-0B4B-92B3-5CB6F8134EAC}" type="datetimeFigureOut">
               <a:rPr lang="en-US" smtClean="0"/>
-              <a:t>11/30/23</a:t>
+              <a:t>12/5/23</a:t>
             </a:fld>
             <a:endParaRPr lang="en-US"/>
           </a:p>
@@ -3394,6 +3402,394 @@
 </p:sld>
 </file>
 
+<file path=ppt/slides/slide10.xml><?xml version="1.0" encoding="utf-8"?>
+<p:sld xmlns:a="http://schemas.openxmlformats.org/drawingml/2006/main" xmlns:r="http://schemas.openxmlformats.org/officeDocument/2006/relationships" xmlns:p="http://schemas.openxmlformats.org/presentationml/2006/main">
+  <p:cSld>
+    <p:spTree>
+      <p:nvGrpSpPr>
+        <p:cNvPr id="1" name=""/>
+        <p:cNvGrpSpPr/>
+        <p:nvPr/>
+      </p:nvGrpSpPr>
+      <p:grpSpPr>
+        <a:xfrm>
+          <a:off x="0" y="0"/>
+          <a:ext cx="0" cy="0"/>
+          <a:chOff x="0" y="0"/>
+          <a:chExt cx="0" cy="0"/>
+        </a:xfrm>
+      </p:grpSpPr>
+      <p:pic>
+        <p:nvPicPr>
+          <p:cNvPr id="6" name="Picture 5">
+            <a:extLst>
+              <a:ext uri="{FF2B5EF4-FFF2-40B4-BE49-F238E27FC236}">
+                <a16:creationId xmlns:a16="http://schemas.microsoft.com/office/drawing/2014/main" id="{15D44D32-41ED-D5A6-BFF7-CB2EB4ED97EC}"/>
+              </a:ext>
+            </a:extLst>
+          </p:cNvPr>
+          <p:cNvPicPr>
+            <a:picLocks noChangeAspect="1"/>
+          </p:cNvPicPr>
+          <p:nvPr/>
+        </p:nvPicPr>
+        <p:blipFill>
+          <a:blip r:embed="rId2"/>
+          <a:stretch>
+            <a:fillRect/>
+          </a:stretch>
+        </p:blipFill>
+        <p:spPr>
+          <a:xfrm>
+            <a:off x="6732603" y="2413856"/>
+            <a:ext cx="3314700" cy="2235200"/>
+          </a:xfrm>
+          <a:prstGeom prst="rect">
+            <a:avLst/>
+          </a:prstGeom>
+        </p:spPr>
+      </p:pic>
+      <p:sp>
+        <p:nvSpPr>
+          <p:cNvPr id="2" name="Title 1">
+            <a:extLst>
+              <a:ext uri="{FF2B5EF4-FFF2-40B4-BE49-F238E27FC236}">
+                <a16:creationId xmlns:a16="http://schemas.microsoft.com/office/drawing/2014/main" id="{6514CB1D-1BB3-4C11-E813-2EB3DFD5D6E4}"/>
+              </a:ext>
+            </a:extLst>
+          </p:cNvPr>
+          <p:cNvSpPr>
+            <a:spLocks noGrp="1"/>
+          </p:cNvSpPr>
+          <p:nvPr>
+            <p:ph type="title"/>
+          </p:nvPr>
+        </p:nvSpPr>
+        <p:spPr/>
+        <p:txBody>
+          <a:bodyPr/>
+          <a:lstStyle/>
+          <a:p>
+            <a:endParaRPr lang="en-US"/>
+          </a:p>
+        </p:txBody>
+      </p:sp>
+      <p:sp>
+        <p:nvSpPr>
+          <p:cNvPr id="3" name="Content Placeholder 2">
+            <a:extLst>
+              <a:ext uri="{FF2B5EF4-FFF2-40B4-BE49-F238E27FC236}">
+                <a16:creationId xmlns:a16="http://schemas.microsoft.com/office/drawing/2014/main" id="{BED2887D-294C-4EC9-B76D-8D39F57ACE6C}"/>
+              </a:ext>
+            </a:extLst>
+          </p:cNvPr>
+          <p:cNvSpPr>
+            <a:spLocks noGrp="1"/>
+          </p:cNvSpPr>
+          <p:nvPr>
+            <p:ph idx="1"/>
+          </p:nvPr>
+        </p:nvSpPr>
+        <p:spPr>
+          <a:xfrm>
+            <a:off x="838200" y="5205045"/>
+            <a:ext cx="10515600" cy="971917"/>
+          </a:xfrm>
+        </p:spPr>
+        <p:txBody>
+          <a:bodyPr/>
+          <a:lstStyle/>
+          <a:p>
+            <a:endParaRPr lang="en-US" dirty="0"/>
+          </a:p>
+        </p:txBody>
+      </p:sp>
+      <p:pic>
+        <p:nvPicPr>
+          <p:cNvPr id="4" name="Picture 3">
+            <a:extLst>
+              <a:ext uri="{FF2B5EF4-FFF2-40B4-BE49-F238E27FC236}">
+                <a16:creationId xmlns:a16="http://schemas.microsoft.com/office/drawing/2014/main" id="{A24BA305-F1A6-EDE2-4C60-0B774F97C300}"/>
+              </a:ext>
+            </a:extLst>
+          </p:cNvPr>
+          <p:cNvPicPr>
+            <a:picLocks noChangeAspect="1"/>
+          </p:cNvPicPr>
+          <p:nvPr/>
+        </p:nvPicPr>
+        <p:blipFill>
+          <a:blip r:embed="rId2"/>
+          <a:stretch>
+            <a:fillRect/>
+          </a:stretch>
+        </p:blipFill>
+        <p:spPr>
+          <a:xfrm>
+            <a:off x="2315934" y="2413856"/>
+            <a:ext cx="3314700" cy="2235200"/>
+          </a:xfrm>
+          <a:prstGeom prst="rect">
+            <a:avLst/>
+          </a:prstGeom>
+        </p:spPr>
+      </p:pic>
+      <p:pic>
+        <p:nvPicPr>
+          <p:cNvPr id="5" name="Picture 4">
+            <a:extLst>
+              <a:ext uri="{FF2B5EF4-FFF2-40B4-BE49-F238E27FC236}">
+                <a16:creationId xmlns:a16="http://schemas.microsoft.com/office/drawing/2014/main" id="{BF224E1F-F17E-7B6F-6A65-365AD5E442E5}"/>
+              </a:ext>
+            </a:extLst>
+          </p:cNvPr>
+          <p:cNvPicPr>
+            <a:picLocks noChangeAspect="1"/>
+          </p:cNvPicPr>
+          <p:nvPr/>
+        </p:nvPicPr>
+        <p:blipFill>
+          <a:blip r:embed="rId3"/>
+          <a:stretch>
+            <a:fillRect/>
+          </a:stretch>
+        </p:blipFill>
+        <p:spPr>
+          <a:xfrm>
+            <a:off x="6732604" y="2413856"/>
+            <a:ext cx="3314700" cy="1744612"/>
+          </a:xfrm>
+          <a:prstGeom prst="rect">
+            <a:avLst/>
+          </a:prstGeom>
+        </p:spPr>
+      </p:pic>
+    </p:spTree>
+    <p:extLst>
+      <p:ext uri="{BB962C8B-B14F-4D97-AF65-F5344CB8AC3E}">
+        <p14:creationId xmlns:p14="http://schemas.microsoft.com/office/powerpoint/2010/main" val="1367150857"/>
+      </p:ext>
+    </p:extLst>
+  </p:cSld>
+  <p:clrMapOvr>
+    <a:masterClrMapping/>
+  </p:clrMapOvr>
+</p:sld>
+</file>
+
+<file path=ppt/slides/slide11.xml><?xml version="1.0" encoding="utf-8"?>
+<p:sld xmlns:a="http://schemas.openxmlformats.org/drawingml/2006/main" xmlns:r="http://schemas.openxmlformats.org/officeDocument/2006/relationships" xmlns:p="http://schemas.openxmlformats.org/presentationml/2006/main">
+  <p:cSld>
+    <p:spTree>
+      <p:nvGrpSpPr>
+        <p:cNvPr id="1" name=""/>
+        <p:cNvGrpSpPr/>
+        <p:nvPr/>
+      </p:nvGrpSpPr>
+      <p:grpSpPr>
+        <a:xfrm>
+          <a:off x="0" y="0"/>
+          <a:ext cx="0" cy="0"/>
+          <a:chOff x="0" y="0"/>
+          <a:chExt cx="0" cy="0"/>
+        </a:xfrm>
+      </p:grpSpPr>
+      <p:pic>
+        <p:nvPicPr>
+          <p:cNvPr id="7" name="Picture 6">
+            <a:extLst>
+              <a:ext uri="{FF2B5EF4-FFF2-40B4-BE49-F238E27FC236}">
+                <a16:creationId xmlns:a16="http://schemas.microsoft.com/office/drawing/2014/main" id="{E28C7462-320E-71BB-D52B-E12934729102}"/>
+              </a:ext>
+            </a:extLst>
+          </p:cNvPr>
+          <p:cNvPicPr>
+            <a:picLocks noChangeAspect="1"/>
+          </p:cNvPicPr>
+          <p:nvPr/>
+        </p:nvPicPr>
+        <p:blipFill>
+          <a:blip r:embed="rId2"/>
+          <a:stretch>
+            <a:fillRect/>
+          </a:stretch>
+        </p:blipFill>
+        <p:spPr>
+          <a:xfrm>
+            <a:off x="6176479" y="2103436"/>
+            <a:ext cx="3289300" cy="2095500"/>
+          </a:xfrm>
+          <a:prstGeom prst="rect">
+            <a:avLst/>
+          </a:prstGeom>
+        </p:spPr>
+      </p:pic>
+      <p:sp>
+        <p:nvSpPr>
+          <p:cNvPr id="2" name="Title 1">
+            <a:extLst>
+              <a:ext uri="{FF2B5EF4-FFF2-40B4-BE49-F238E27FC236}">
+                <a16:creationId xmlns:a16="http://schemas.microsoft.com/office/drawing/2014/main" id="{CF77441E-3554-B4A1-56E7-8D926B71AD92}"/>
+              </a:ext>
+            </a:extLst>
+          </p:cNvPr>
+          <p:cNvSpPr>
+            <a:spLocks noGrp="1"/>
+          </p:cNvSpPr>
+          <p:nvPr>
+            <p:ph type="title"/>
+          </p:nvPr>
+        </p:nvSpPr>
+        <p:spPr/>
+        <p:txBody>
+          <a:bodyPr/>
+          <a:lstStyle/>
+          <a:p>
+            <a:endParaRPr lang="en-US"/>
+          </a:p>
+        </p:txBody>
+      </p:sp>
+      <p:sp>
+        <p:nvSpPr>
+          <p:cNvPr id="3" name="Content Placeholder 2">
+            <a:extLst>
+              <a:ext uri="{FF2B5EF4-FFF2-40B4-BE49-F238E27FC236}">
+                <a16:creationId xmlns:a16="http://schemas.microsoft.com/office/drawing/2014/main" id="{32669B35-D470-561F-3039-FD8A1E20EFB5}"/>
+              </a:ext>
+            </a:extLst>
+          </p:cNvPr>
+          <p:cNvSpPr>
+            <a:spLocks noGrp="1"/>
+          </p:cNvSpPr>
+          <p:nvPr>
+            <p:ph idx="1"/>
+          </p:nvPr>
+        </p:nvSpPr>
+        <p:spPr>
+          <a:xfrm>
+            <a:off x="838200" y="4851399"/>
+            <a:ext cx="10515600" cy="1325564"/>
+          </a:xfrm>
+        </p:spPr>
+        <p:txBody>
+          <a:bodyPr/>
+          <a:lstStyle/>
+          <a:p>
+            <a:endParaRPr lang="en-US" dirty="0"/>
+          </a:p>
+        </p:txBody>
+      </p:sp>
+      <p:pic>
+        <p:nvPicPr>
+          <p:cNvPr id="5" name="Picture 4">
+            <a:extLst>
+              <a:ext uri="{FF2B5EF4-FFF2-40B4-BE49-F238E27FC236}">
+                <a16:creationId xmlns:a16="http://schemas.microsoft.com/office/drawing/2014/main" id="{DB348C92-9784-A8AB-5563-FE5D6E40FD21}"/>
+              </a:ext>
+            </a:extLst>
+          </p:cNvPr>
+          <p:cNvPicPr>
+            <a:picLocks noChangeAspect="1"/>
+          </p:cNvPicPr>
+          <p:nvPr/>
+        </p:nvPicPr>
+        <p:blipFill rotWithShape="1">
+          <a:blip r:embed="rId3"/>
+          <a:srcRect l="543" r="-1" b="3087"/>
+          <a:stretch/>
+        </p:blipFill>
+        <p:spPr>
+          <a:xfrm>
+            <a:off x="6379029" y="2423331"/>
+            <a:ext cx="2661045" cy="974625"/>
+          </a:xfrm>
+          <a:prstGeom prst="rect">
+            <a:avLst/>
+          </a:prstGeom>
+        </p:spPr>
+      </p:pic>
+      <p:pic>
+        <p:nvPicPr>
+          <p:cNvPr id="6" name="Picture 5">
+            <a:extLst>
+              <a:ext uri="{FF2B5EF4-FFF2-40B4-BE49-F238E27FC236}">
+                <a16:creationId xmlns:a16="http://schemas.microsoft.com/office/drawing/2014/main" id="{310378E2-665D-9452-5C88-548753AB8B90}"/>
+              </a:ext>
+            </a:extLst>
+          </p:cNvPr>
+          <p:cNvPicPr>
+            <a:picLocks noChangeAspect="1"/>
+          </p:cNvPicPr>
+          <p:nvPr/>
+        </p:nvPicPr>
+        <p:blipFill>
+          <a:blip r:embed="rId2"/>
+          <a:stretch>
+            <a:fillRect/>
+          </a:stretch>
+        </p:blipFill>
+        <p:spPr>
+          <a:xfrm>
+            <a:off x="2709127" y="2103436"/>
+            <a:ext cx="3289300" cy="2095500"/>
+          </a:xfrm>
+          <a:prstGeom prst="rect">
+            <a:avLst/>
+          </a:prstGeom>
+        </p:spPr>
+      </p:pic>
+      <p:sp>
+        <p:nvSpPr>
+          <p:cNvPr id="8" name="TextBox 7">
+            <a:extLst>
+              <a:ext uri="{FF2B5EF4-FFF2-40B4-BE49-F238E27FC236}">
+                <a16:creationId xmlns:a16="http://schemas.microsoft.com/office/drawing/2014/main" id="{F677B9F4-4E29-D7E4-731C-677399513080}"/>
+              </a:ext>
+            </a:extLst>
+          </p:cNvPr>
+          <p:cNvSpPr txBox="1"/>
+          <p:nvPr/>
+        </p:nvSpPr>
+        <p:spPr>
+          <a:xfrm>
+            <a:off x="6735134" y="2430840"/>
+            <a:ext cx="1962332" cy="307777"/>
+          </a:xfrm>
+          <a:prstGeom prst="rect">
+            <a:avLst/>
+          </a:prstGeom>
+          <a:noFill/>
+        </p:spPr>
+        <p:txBody>
+          <a:bodyPr wrap="none" rtlCol="0">
+            <a:spAutoFit/>
+          </a:bodyPr>
+          <a:lstStyle/>
+          <a:p>
+            <a:r>
+              <a:rPr lang="en-US" sz="1400" dirty="0">
+                <a:solidFill>
+                  <a:schemeClr val="bg1"/>
+                </a:solidFill>
+              </a:rPr>
+              <a:t>Pulse Width Modulation</a:t>
+            </a:r>
+          </a:p>
+        </p:txBody>
+      </p:sp>
+    </p:spTree>
+    <p:extLst>
+      <p:ext uri="{BB962C8B-B14F-4D97-AF65-F5344CB8AC3E}">
+        <p14:creationId xmlns:p14="http://schemas.microsoft.com/office/powerpoint/2010/main" val="3898059093"/>
+      </p:ext>
+    </p:extLst>
+  </p:cSld>
+  <p:clrMapOvr>
+    <a:masterClrMapping/>
+  </p:clrMapOvr>
+</p:sld>
+</file>
+
 <file path=ppt/slides/slide2.xml><?xml version="1.0" encoding="utf-8"?>
 <p:sld xmlns:a="http://schemas.openxmlformats.org/drawingml/2006/main" xmlns:r="http://schemas.openxmlformats.org/officeDocument/2006/relationships" xmlns:p="http://schemas.openxmlformats.org/presentationml/2006/main">
   <p:cSld>
@@ -4001,6 +4397,1662 @@
     <p:extLst>
       <p:ext uri="{BB962C8B-B14F-4D97-AF65-F5344CB8AC3E}">
         <p14:creationId xmlns:p14="http://schemas.microsoft.com/office/powerpoint/2010/main" val="987240398"/>
+      </p:ext>
+    </p:extLst>
+  </p:cSld>
+  <p:clrMapOvr>
+    <a:masterClrMapping/>
+  </p:clrMapOvr>
+</p:sld>
+</file>
+
+<file path=ppt/slides/slide4.xml><?xml version="1.0" encoding="utf-8"?>
+<p:sld xmlns:a="http://schemas.openxmlformats.org/drawingml/2006/main" xmlns:r="http://schemas.openxmlformats.org/officeDocument/2006/relationships" xmlns:p="http://schemas.openxmlformats.org/presentationml/2006/main">
+  <p:cSld>
+    <p:spTree>
+      <p:nvGrpSpPr>
+        <p:cNvPr id="1" name=""/>
+        <p:cNvGrpSpPr/>
+        <p:nvPr/>
+      </p:nvGrpSpPr>
+      <p:grpSpPr>
+        <a:xfrm>
+          <a:off x="0" y="0"/>
+          <a:ext cx="0" cy="0"/>
+          <a:chOff x="0" y="0"/>
+          <a:chExt cx="0" cy="0"/>
+        </a:xfrm>
+      </p:grpSpPr>
+      <p:sp>
+        <p:nvSpPr>
+          <p:cNvPr id="2" name="Title 1">
+            <a:extLst>
+              <a:ext uri="{FF2B5EF4-FFF2-40B4-BE49-F238E27FC236}">
+                <a16:creationId xmlns:a16="http://schemas.microsoft.com/office/drawing/2014/main" id="{D39C779A-8FA3-C234-953B-DF8BFB654ED8}"/>
+              </a:ext>
+            </a:extLst>
+          </p:cNvPr>
+          <p:cNvSpPr>
+            <a:spLocks noGrp="1"/>
+          </p:cNvSpPr>
+          <p:nvPr>
+            <p:ph type="title"/>
+          </p:nvPr>
+        </p:nvSpPr>
+        <p:spPr/>
+        <p:txBody>
+          <a:bodyPr/>
+          <a:lstStyle/>
+          <a:p>
+            <a:endParaRPr lang="en-US"/>
+          </a:p>
+        </p:txBody>
+      </p:sp>
+      <p:pic>
+        <p:nvPicPr>
+          <p:cNvPr id="4" name="Picture 3">
+            <a:extLst>
+              <a:ext uri="{FF2B5EF4-FFF2-40B4-BE49-F238E27FC236}">
+                <a16:creationId xmlns:a16="http://schemas.microsoft.com/office/drawing/2014/main" id="{8951E10B-1AD0-1BED-349B-1FB6EB9D3E68}"/>
+              </a:ext>
+            </a:extLst>
+          </p:cNvPr>
+          <p:cNvPicPr>
+            <a:picLocks noChangeAspect="1"/>
+          </p:cNvPicPr>
+          <p:nvPr/>
+        </p:nvPicPr>
+        <p:blipFill>
+          <a:blip r:embed="rId2"/>
+          <a:stretch>
+            <a:fillRect/>
+          </a:stretch>
+        </p:blipFill>
+        <p:spPr>
+          <a:xfrm>
+            <a:off x="2071914" y="1776186"/>
+            <a:ext cx="7772400" cy="3886200"/>
+          </a:xfrm>
+          <a:prstGeom prst="rect">
+            <a:avLst/>
+          </a:prstGeom>
+        </p:spPr>
+      </p:pic>
+      <p:sp>
+        <p:nvSpPr>
+          <p:cNvPr id="5" name="Rectangle 4">
+            <a:extLst>
+              <a:ext uri="{FF2B5EF4-FFF2-40B4-BE49-F238E27FC236}">
+                <a16:creationId xmlns:a16="http://schemas.microsoft.com/office/drawing/2014/main" id="{8344DA73-5CB2-27D6-5EB2-4FCE674BFE40}"/>
+              </a:ext>
+            </a:extLst>
+          </p:cNvPr>
+          <p:cNvSpPr/>
+          <p:nvPr/>
+        </p:nvSpPr>
+        <p:spPr>
+          <a:xfrm>
+            <a:off x="2815771" y="2264229"/>
+            <a:ext cx="6175829" cy="2024742"/>
+          </a:xfrm>
+          <a:prstGeom prst="rect">
+            <a:avLst/>
+          </a:prstGeom>
+          <a:solidFill>
+            <a:schemeClr val="bg1"/>
+          </a:solidFill>
+          <a:ln>
+            <a:noFill/>
+          </a:ln>
+        </p:spPr>
+        <p:style>
+          <a:lnRef idx="2">
+            <a:schemeClr val="accent1">
+              <a:shade val="15000"/>
+            </a:schemeClr>
+          </a:lnRef>
+          <a:fillRef idx="1">
+            <a:schemeClr val="accent1"/>
+          </a:fillRef>
+          <a:effectRef idx="0">
+            <a:schemeClr val="accent1"/>
+          </a:effectRef>
+          <a:fontRef idx="minor">
+            <a:schemeClr val="lt1"/>
+          </a:fontRef>
+        </p:style>
+        <p:txBody>
+          <a:bodyPr rtlCol="0" anchor="ctr"/>
+          <a:lstStyle/>
+          <a:p>
+            <a:pPr algn="ctr"/>
+            <a:r>
+              <a:rPr lang="en-US" sz="2400" dirty="0">
+                <a:solidFill>
+                  <a:schemeClr val="tx1"/>
+                </a:solidFill>
+                <a:latin typeface="Arial" panose="020B0604020202020204" pitchFamily="34" charset="0"/>
+                <a:cs typeface="Arial" panose="020B0604020202020204" pitchFamily="34" charset="0"/>
+              </a:rPr>
+              <a:t>MicroSim Social Media Card Template</a:t>
+            </a:r>
+          </a:p>
+          <a:p>
+            <a:pPr algn="ctr"/>
+            <a:r>
+              <a:rPr lang="en-US" sz="2400" dirty="0">
+                <a:solidFill>
+                  <a:schemeClr val="tx1"/>
+                </a:solidFill>
+                <a:latin typeface="Arial" panose="020B0604020202020204" pitchFamily="34" charset="0"/>
+                <a:cs typeface="Arial" panose="020B0604020202020204" pitchFamily="34" charset="0"/>
+              </a:rPr>
+              <a:t>Recommended Resolution: 1200x637</a:t>
+            </a:r>
+            <a:endParaRPr lang="en-US" sz="2800" dirty="0">
+              <a:solidFill>
+                <a:schemeClr val="tx1"/>
+              </a:solidFill>
+              <a:latin typeface="Arial" panose="020B0604020202020204" pitchFamily="34" charset="0"/>
+              <a:cs typeface="Arial" panose="020B0604020202020204" pitchFamily="34" charset="0"/>
+            </a:endParaRPr>
+          </a:p>
+        </p:txBody>
+      </p:sp>
+    </p:spTree>
+    <p:extLst>
+      <p:ext uri="{BB962C8B-B14F-4D97-AF65-F5344CB8AC3E}">
+        <p14:creationId xmlns:p14="http://schemas.microsoft.com/office/powerpoint/2010/main" val="2079105603"/>
+      </p:ext>
+    </p:extLst>
+  </p:cSld>
+  <p:clrMapOvr>
+    <a:masterClrMapping/>
+  </p:clrMapOvr>
+</p:sld>
+</file>
+
+<file path=ppt/slides/slide5.xml><?xml version="1.0" encoding="utf-8"?>
+<p:sld xmlns:a="http://schemas.openxmlformats.org/drawingml/2006/main" xmlns:r="http://schemas.openxmlformats.org/officeDocument/2006/relationships" xmlns:p="http://schemas.openxmlformats.org/presentationml/2006/main">
+  <p:cSld>
+    <p:spTree>
+      <p:nvGrpSpPr>
+        <p:cNvPr id="1" name=""/>
+        <p:cNvGrpSpPr/>
+        <p:nvPr/>
+      </p:nvGrpSpPr>
+      <p:grpSpPr>
+        <a:xfrm>
+          <a:off x="0" y="0"/>
+          <a:ext cx="0" cy="0"/>
+          <a:chOff x="0" y="0"/>
+          <a:chExt cx="0" cy="0"/>
+        </a:xfrm>
+      </p:grpSpPr>
+      <p:sp>
+        <p:nvSpPr>
+          <p:cNvPr id="2" name="Title 1">
+            <a:extLst>
+              <a:ext uri="{FF2B5EF4-FFF2-40B4-BE49-F238E27FC236}">
+                <a16:creationId xmlns:a16="http://schemas.microsoft.com/office/drawing/2014/main" id="{C52839F5-2D92-81F3-16EA-71436404FD1D}"/>
+              </a:ext>
+            </a:extLst>
+          </p:cNvPr>
+          <p:cNvSpPr>
+            <a:spLocks noGrp="1"/>
+          </p:cNvSpPr>
+          <p:nvPr>
+            <p:ph type="title"/>
+          </p:nvPr>
+        </p:nvSpPr>
+        <p:spPr>
+          <a:xfrm>
+            <a:off x="838200" y="365126"/>
+            <a:ext cx="10515600" cy="555432"/>
+          </a:xfrm>
+        </p:spPr>
+        <p:txBody>
+          <a:bodyPr>
+            <a:normAutofit fontScale="90000"/>
+          </a:bodyPr>
+          <a:lstStyle/>
+          <a:p>
+            <a:r>
+              <a:rPr lang="en-US" dirty="0"/>
+              <a:t>Social Media Image</a:t>
+            </a:r>
+          </a:p>
+        </p:txBody>
+      </p:sp>
+      <p:sp>
+        <p:nvSpPr>
+          <p:cNvPr id="3" name="Content Placeholder 2">
+            <a:extLst>
+              <a:ext uri="{FF2B5EF4-FFF2-40B4-BE49-F238E27FC236}">
+                <a16:creationId xmlns:a16="http://schemas.microsoft.com/office/drawing/2014/main" id="{56528B54-55EE-651F-7636-28C2855FC9C7}"/>
+              </a:ext>
+            </a:extLst>
+          </p:cNvPr>
+          <p:cNvSpPr>
+            <a:spLocks noGrp="1"/>
+          </p:cNvSpPr>
+          <p:nvPr>
+            <p:ph idx="1"/>
+          </p:nvPr>
+        </p:nvSpPr>
+        <p:spPr>
+          <a:xfrm>
+            <a:off x="838200" y="5706737"/>
+            <a:ext cx="10515600" cy="470226"/>
+          </a:xfrm>
+        </p:spPr>
+        <p:txBody>
+          <a:bodyPr>
+            <a:normAutofit lnSpcReduction="10000"/>
+          </a:bodyPr>
+          <a:lstStyle/>
+          <a:p>
+            <a:endParaRPr lang="en-US" dirty="0"/>
+          </a:p>
+        </p:txBody>
+      </p:sp>
+      <p:pic>
+        <p:nvPicPr>
+          <p:cNvPr id="4" name="Picture 2">
+            <a:extLst>
+              <a:ext uri="{FF2B5EF4-FFF2-40B4-BE49-F238E27FC236}">
+                <a16:creationId xmlns:a16="http://schemas.microsoft.com/office/drawing/2014/main" id="{0BF59702-0B3E-0654-AD67-F2C225B4B14D}"/>
+              </a:ext>
+            </a:extLst>
+          </p:cNvPr>
+          <p:cNvPicPr>
+            <a:picLocks noChangeAspect="1" noChangeArrowheads="1"/>
+          </p:cNvPicPr>
+          <p:nvPr/>
+        </p:nvPicPr>
+        <p:blipFill>
+          <a:blip r:embed="rId2">
+            <a:extLst>
+              <a:ext uri="{28A0092B-C50C-407E-A947-70E740481C1C}">
+                <a14:useLocalDpi xmlns:a14="http://schemas.microsoft.com/office/drawing/2010/main" val="0"/>
+              </a:ext>
+            </a:extLst>
+          </a:blip>
+          <a:srcRect/>
+          <a:stretch>
+            <a:fillRect/>
+          </a:stretch>
+        </p:blipFill>
+        <p:spPr bwMode="auto">
+          <a:xfrm>
+            <a:off x="3019025" y="2452859"/>
+            <a:ext cx="2248271" cy="1556246"/>
+          </a:xfrm>
+          <a:prstGeom prst="rect">
+            <a:avLst/>
+          </a:prstGeom>
+          <a:noFill/>
+          <a:extLst>
+            <a:ext uri="{909E8E84-426E-40DD-AFC4-6F175D3DCCD1}">
+              <a14:hiddenFill xmlns:a14="http://schemas.microsoft.com/office/drawing/2010/main">
+                <a:solidFill>
+                  <a:srgbClr val="FFFFFF"/>
+                </a:solidFill>
+              </a14:hiddenFill>
+            </a:ext>
+          </a:extLst>
+        </p:spPr>
+      </p:pic>
+      <p:pic>
+        <p:nvPicPr>
+          <p:cNvPr id="5" name="Picture 6">
+            <a:extLst>
+              <a:ext uri="{FF2B5EF4-FFF2-40B4-BE49-F238E27FC236}">
+                <a16:creationId xmlns:a16="http://schemas.microsoft.com/office/drawing/2014/main" id="{DBFB92F0-3441-61B8-D1DA-89469DECB2CF}"/>
+              </a:ext>
+            </a:extLst>
+          </p:cNvPr>
+          <p:cNvPicPr>
+            <a:picLocks noChangeAspect="1" noChangeArrowheads="1"/>
+          </p:cNvPicPr>
+          <p:nvPr/>
+        </p:nvPicPr>
+        <p:blipFill>
+          <a:blip r:embed="rId3">
+            <a:extLst>
+              <a:ext uri="{28A0092B-C50C-407E-A947-70E740481C1C}">
+                <a14:useLocalDpi xmlns:a14="http://schemas.microsoft.com/office/drawing/2010/main" val="0"/>
+              </a:ext>
+            </a:extLst>
+          </a:blip>
+          <a:srcRect/>
+          <a:stretch>
+            <a:fillRect/>
+          </a:stretch>
+        </p:blipFill>
+        <p:spPr bwMode="auto">
+          <a:xfrm>
+            <a:off x="6564435" y="2845408"/>
+            <a:ext cx="1888851" cy="861788"/>
+          </a:xfrm>
+          <a:prstGeom prst="rect">
+            <a:avLst/>
+          </a:prstGeom>
+          <a:noFill/>
+          <a:extLst>
+            <a:ext uri="{909E8E84-426E-40DD-AFC4-6F175D3DCCD1}">
+              <a14:hiddenFill xmlns:a14="http://schemas.microsoft.com/office/drawing/2010/main">
+                <a:solidFill>
+                  <a:srgbClr val="FFFFFF"/>
+                </a:solidFill>
+              </a14:hiddenFill>
+            </a:ext>
+          </a:extLst>
+        </p:spPr>
+      </p:pic>
+      <p:sp>
+        <p:nvSpPr>
+          <p:cNvPr id="6" name="Cross 5">
+            <a:extLst>
+              <a:ext uri="{FF2B5EF4-FFF2-40B4-BE49-F238E27FC236}">
+                <a16:creationId xmlns:a16="http://schemas.microsoft.com/office/drawing/2014/main" id="{1B25BBDF-0704-B48F-8CAB-8BD43264977F}"/>
+              </a:ext>
+            </a:extLst>
+          </p:cNvPr>
+          <p:cNvSpPr/>
+          <p:nvPr/>
+        </p:nvSpPr>
+        <p:spPr>
+          <a:xfrm>
+            <a:off x="5634606" y="3036201"/>
+            <a:ext cx="555755" cy="555431"/>
+          </a:xfrm>
+          <a:prstGeom prst="plus">
+            <a:avLst>
+              <a:gd name="adj" fmla="val 36433"/>
+            </a:avLst>
+          </a:prstGeom>
+          <a:solidFill>
+            <a:schemeClr val="tx1"/>
+          </a:solidFill>
+          <a:ln>
+            <a:noFill/>
+          </a:ln>
+        </p:spPr>
+        <p:style>
+          <a:lnRef idx="2">
+            <a:schemeClr val="accent1">
+              <a:shade val="15000"/>
+            </a:schemeClr>
+          </a:lnRef>
+          <a:fillRef idx="1">
+            <a:schemeClr val="accent1"/>
+          </a:fillRef>
+          <a:effectRef idx="0">
+            <a:schemeClr val="accent1"/>
+          </a:effectRef>
+          <a:fontRef idx="minor">
+            <a:schemeClr val="lt1"/>
+          </a:fontRef>
+        </p:style>
+        <p:txBody>
+          <a:bodyPr rtlCol="0" anchor="ctr"/>
+          <a:lstStyle/>
+          <a:p>
+            <a:pPr algn="ctr"/>
+            <a:endParaRPr lang="en-US"/>
+          </a:p>
+        </p:txBody>
+      </p:sp>
+      <p:sp>
+        <p:nvSpPr>
+          <p:cNvPr id="11" name="TextBox 10">
+            <a:extLst>
+              <a:ext uri="{FF2B5EF4-FFF2-40B4-BE49-F238E27FC236}">
+                <a16:creationId xmlns:a16="http://schemas.microsoft.com/office/drawing/2014/main" id="{A800B20F-E75A-B314-3C98-318E2FA8A6D3}"/>
+              </a:ext>
+            </a:extLst>
+          </p:cNvPr>
+          <p:cNvSpPr txBox="1"/>
+          <p:nvPr/>
+        </p:nvSpPr>
+        <p:spPr>
+          <a:xfrm>
+            <a:off x="552525" y="1201785"/>
+            <a:ext cx="11343819" cy="1200329"/>
+          </a:xfrm>
+          <a:prstGeom prst="rect">
+            <a:avLst/>
+          </a:prstGeom>
+          <a:noFill/>
+          <a:ln>
+            <a:noFill/>
+          </a:ln>
+        </p:spPr>
+        <p:txBody>
+          <a:bodyPr wrap="square" rtlCol="0">
+            <a:spAutoFit/>
+          </a:bodyPr>
+          <a:lstStyle/>
+          <a:p>
+            <a:r>
+              <a:rPr lang="en-US" sz="7200" b="1" dirty="0">
+                <a:gradFill flip="none" rotWithShape="1">
+                  <a:gsLst>
+                    <a:gs pos="0">
+                      <a:srgbClr val="FF0000"/>
+                    </a:gs>
+                    <a:gs pos="79000">
+                      <a:srgbClr val="0070C0"/>
+                    </a:gs>
+                    <a:gs pos="61000">
+                      <a:srgbClr val="00B050"/>
+                    </a:gs>
+                    <a:gs pos="40000">
+                      <a:srgbClr val="E7E700"/>
+                    </a:gs>
+                    <a:gs pos="20000">
+                      <a:srgbClr val="FFC000"/>
+                    </a:gs>
+                    <a:gs pos="100000">
+                      <a:srgbClr val="7030A0"/>
+                    </a:gs>
+                  </a:gsLst>
+                  <a:lin ang="0" scaled="1"/>
+                  <a:tileRect/>
+                </a:gradFill>
+                <a:latin typeface="Arial" panose="020B0604020202020204" pitchFamily="34" charset="0"/>
+                <a:cs typeface="Arial" panose="020B0604020202020204" pitchFamily="34" charset="0"/>
+              </a:rPr>
+              <a:t>MicroSims for Education</a:t>
+            </a:r>
+          </a:p>
+        </p:txBody>
+      </p:sp>
+    </p:spTree>
+    <p:extLst>
+      <p:ext uri="{BB962C8B-B14F-4D97-AF65-F5344CB8AC3E}">
+        <p14:creationId xmlns:p14="http://schemas.microsoft.com/office/powerpoint/2010/main" val="1456908210"/>
+      </p:ext>
+    </p:extLst>
+  </p:cSld>
+  <p:clrMapOvr>
+    <a:masterClrMapping/>
+  </p:clrMapOvr>
+</p:sld>
+</file>
+
+<file path=ppt/slides/slide6.xml><?xml version="1.0" encoding="utf-8"?>
+<p:sld xmlns:a="http://schemas.openxmlformats.org/drawingml/2006/main" xmlns:r="http://schemas.openxmlformats.org/officeDocument/2006/relationships" xmlns:p="http://schemas.openxmlformats.org/presentationml/2006/main">
+  <p:cSld>
+    <p:spTree>
+      <p:nvGrpSpPr>
+        <p:cNvPr id="1" name=""/>
+        <p:cNvGrpSpPr/>
+        <p:nvPr/>
+      </p:nvGrpSpPr>
+      <p:grpSpPr>
+        <a:xfrm>
+          <a:off x="0" y="0"/>
+          <a:ext cx="0" cy="0"/>
+          <a:chOff x="0" y="0"/>
+          <a:chExt cx="0" cy="0"/>
+        </a:xfrm>
+      </p:grpSpPr>
+      <p:sp>
+        <p:nvSpPr>
+          <p:cNvPr id="2" name="Title 1">
+            <a:extLst>
+              <a:ext uri="{FF2B5EF4-FFF2-40B4-BE49-F238E27FC236}">
+                <a16:creationId xmlns:a16="http://schemas.microsoft.com/office/drawing/2014/main" id="{6A943D57-38CD-5E88-8034-6E70F63E07DC}"/>
+              </a:ext>
+            </a:extLst>
+          </p:cNvPr>
+          <p:cNvSpPr>
+            <a:spLocks noGrp="1"/>
+          </p:cNvSpPr>
+          <p:nvPr>
+            <p:ph type="title"/>
+          </p:nvPr>
+        </p:nvSpPr>
+        <p:spPr/>
+        <p:txBody>
+          <a:bodyPr/>
+          <a:lstStyle/>
+          <a:p>
+            <a:endParaRPr lang="en-US"/>
+          </a:p>
+        </p:txBody>
+      </p:sp>
+      <p:sp>
+        <p:nvSpPr>
+          <p:cNvPr id="3" name="Content Placeholder 2">
+            <a:extLst>
+              <a:ext uri="{FF2B5EF4-FFF2-40B4-BE49-F238E27FC236}">
+                <a16:creationId xmlns:a16="http://schemas.microsoft.com/office/drawing/2014/main" id="{D6E1A68C-8E24-4ABB-681B-7B8BEAFFCAB4}"/>
+              </a:ext>
+            </a:extLst>
+          </p:cNvPr>
+          <p:cNvSpPr>
+            <a:spLocks noGrp="1"/>
+          </p:cNvSpPr>
+          <p:nvPr>
+            <p:ph idx="1"/>
+          </p:nvPr>
+        </p:nvSpPr>
+        <p:spPr>
+          <a:xfrm>
+            <a:off x="838200" y="4673599"/>
+            <a:ext cx="10515600" cy="1503363"/>
+          </a:xfrm>
+        </p:spPr>
+        <p:txBody>
+          <a:bodyPr/>
+          <a:lstStyle/>
+          <a:p>
+            <a:endParaRPr lang="en-US" dirty="0"/>
+          </a:p>
+        </p:txBody>
+      </p:sp>
+      <p:pic>
+        <p:nvPicPr>
+          <p:cNvPr id="4" name="Picture 3">
+            <a:extLst>
+              <a:ext uri="{FF2B5EF4-FFF2-40B4-BE49-F238E27FC236}">
+                <a16:creationId xmlns:a16="http://schemas.microsoft.com/office/drawing/2014/main" id="{DF6BEAAA-7C9A-84DE-6265-34BC4239CA7A}"/>
+              </a:ext>
+            </a:extLst>
+          </p:cNvPr>
+          <p:cNvPicPr>
+            <a:picLocks noChangeAspect="1"/>
+          </p:cNvPicPr>
+          <p:nvPr/>
+        </p:nvPicPr>
+        <p:blipFill>
+          <a:blip r:embed="rId2"/>
+          <a:stretch>
+            <a:fillRect/>
+          </a:stretch>
+        </p:blipFill>
+        <p:spPr>
+          <a:xfrm>
+            <a:off x="4152900" y="2103437"/>
+            <a:ext cx="3276600" cy="1701800"/>
+          </a:xfrm>
+          <a:prstGeom prst="rect">
+            <a:avLst/>
+          </a:prstGeom>
+        </p:spPr>
+      </p:pic>
+    </p:spTree>
+    <p:extLst>
+      <p:ext uri="{BB962C8B-B14F-4D97-AF65-F5344CB8AC3E}">
+        <p14:creationId xmlns:p14="http://schemas.microsoft.com/office/powerpoint/2010/main" val="3831524169"/>
+      </p:ext>
+    </p:extLst>
+  </p:cSld>
+  <p:clrMapOvr>
+    <a:masterClrMapping/>
+  </p:clrMapOvr>
+</p:sld>
+</file>
+
+<file path=ppt/slides/slide7.xml><?xml version="1.0" encoding="utf-8"?>
+<p:sld xmlns:a="http://schemas.openxmlformats.org/drawingml/2006/main" xmlns:r="http://schemas.openxmlformats.org/officeDocument/2006/relationships" xmlns:p="http://schemas.openxmlformats.org/presentationml/2006/main">
+  <p:cSld>
+    <p:spTree>
+      <p:nvGrpSpPr>
+        <p:cNvPr id="1" name=""/>
+        <p:cNvGrpSpPr/>
+        <p:nvPr/>
+      </p:nvGrpSpPr>
+      <p:grpSpPr>
+        <a:xfrm>
+          <a:off x="0" y="0"/>
+          <a:ext cx="0" cy="0"/>
+          <a:chOff x="0" y="0"/>
+          <a:chExt cx="0" cy="0"/>
+        </a:xfrm>
+      </p:grpSpPr>
+      <p:sp>
+        <p:nvSpPr>
+          <p:cNvPr id="2" name="Title 1">
+            <a:extLst>
+              <a:ext uri="{FF2B5EF4-FFF2-40B4-BE49-F238E27FC236}">
+                <a16:creationId xmlns:a16="http://schemas.microsoft.com/office/drawing/2014/main" id="{C52839F5-2D92-81F3-16EA-71436404FD1D}"/>
+              </a:ext>
+            </a:extLst>
+          </p:cNvPr>
+          <p:cNvSpPr>
+            <a:spLocks noGrp="1"/>
+          </p:cNvSpPr>
+          <p:nvPr>
+            <p:ph type="title"/>
+          </p:nvPr>
+        </p:nvSpPr>
+        <p:spPr>
+          <a:xfrm>
+            <a:off x="838200" y="365126"/>
+            <a:ext cx="10515600" cy="555432"/>
+          </a:xfrm>
+        </p:spPr>
+        <p:txBody>
+          <a:bodyPr>
+            <a:normAutofit fontScale="90000"/>
+          </a:bodyPr>
+          <a:lstStyle/>
+          <a:p>
+            <a:r>
+              <a:rPr lang="en-US" dirty="0"/>
+              <a:t>Social Media Image</a:t>
+            </a:r>
+          </a:p>
+        </p:txBody>
+      </p:sp>
+      <p:sp>
+        <p:nvSpPr>
+          <p:cNvPr id="3" name="Content Placeholder 2">
+            <a:extLst>
+              <a:ext uri="{FF2B5EF4-FFF2-40B4-BE49-F238E27FC236}">
+                <a16:creationId xmlns:a16="http://schemas.microsoft.com/office/drawing/2014/main" id="{56528B54-55EE-651F-7636-28C2855FC9C7}"/>
+              </a:ext>
+            </a:extLst>
+          </p:cNvPr>
+          <p:cNvSpPr>
+            <a:spLocks noGrp="1"/>
+          </p:cNvSpPr>
+          <p:nvPr>
+            <p:ph idx="1"/>
+          </p:nvPr>
+        </p:nvSpPr>
+        <p:spPr>
+          <a:xfrm>
+            <a:off x="838200" y="5706737"/>
+            <a:ext cx="10515600" cy="470226"/>
+          </a:xfrm>
+        </p:spPr>
+        <p:txBody>
+          <a:bodyPr>
+            <a:normAutofit lnSpcReduction="10000"/>
+          </a:bodyPr>
+          <a:lstStyle/>
+          <a:p>
+            <a:endParaRPr lang="en-US" dirty="0"/>
+          </a:p>
+        </p:txBody>
+      </p:sp>
+      <p:pic>
+        <p:nvPicPr>
+          <p:cNvPr id="4" name="Picture 2">
+            <a:extLst>
+              <a:ext uri="{FF2B5EF4-FFF2-40B4-BE49-F238E27FC236}">
+                <a16:creationId xmlns:a16="http://schemas.microsoft.com/office/drawing/2014/main" id="{0BF59702-0B3E-0654-AD67-F2C225B4B14D}"/>
+              </a:ext>
+            </a:extLst>
+          </p:cNvPr>
+          <p:cNvPicPr>
+            <a:picLocks noChangeAspect="1" noChangeArrowheads="1"/>
+          </p:cNvPicPr>
+          <p:nvPr/>
+        </p:nvPicPr>
+        <p:blipFill rotWithShape="1">
+          <a:blip r:embed="rId2">
+            <a:extLst>
+              <a:ext uri="{28A0092B-C50C-407E-A947-70E740481C1C}">
+                <a14:useLocalDpi xmlns:a14="http://schemas.microsoft.com/office/drawing/2010/main" val="0"/>
+              </a:ext>
+            </a:extLst>
+          </a:blip>
+          <a:srcRect t="59456"/>
+          <a:stretch/>
+        </p:blipFill>
+        <p:spPr bwMode="auto">
+          <a:xfrm>
+            <a:off x="3410911" y="4173132"/>
+            <a:ext cx="2248271" cy="630960"/>
+          </a:xfrm>
+          <a:prstGeom prst="rect">
+            <a:avLst/>
+          </a:prstGeom>
+          <a:noFill/>
+          <a:extLst>
+            <a:ext uri="{909E8E84-426E-40DD-AFC4-6F175D3DCCD1}">
+              <a14:hiddenFill xmlns:a14="http://schemas.microsoft.com/office/drawing/2010/main">
+                <a:solidFill>
+                  <a:srgbClr val="FFFFFF"/>
+                </a:solidFill>
+              </a14:hiddenFill>
+            </a:ext>
+          </a:extLst>
+        </p:spPr>
+      </p:pic>
+      <p:pic>
+        <p:nvPicPr>
+          <p:cNvPr id="5" name="Picture 6">
+            <a:extLst>
+              <a:ext uri="{FF2B5EF4-FFF2-40B4-BE49-F238E27FC236}">
+                <a16:creationId xmlns:a16="http://schemas.microsoft.com/office/drawing/2014/main" id="{DBFB92F0-3441-61B8-D1DA-89469DECB2CF}"/>
+              </a:ext>
+            </a:extLst>
+          </p:cNvPr>
+          <p:cNvPicPr>
+            <a:picLocks noChangeAspect="1" noChangeArrowheads="1"/>
+          </p:cNvPicPr>
+          <p:nvPr/>
+        </p:nvPicPr>
+        <p:blipFill>
+          <a:blip r:embed="rId3">
+            <a:extLst>
+              <a:ext uri="{28A0092B-C50C-407E-A947-70E740481C1C}">
+                <a14:useLocalDpi xmlns:a14="http://schemas.microsoft.com/office/drawing/2010/main" val="0"/>
+              </a:ext>
+            </a:extLst>
+          </a:blip>
+          <a:srcRect/>
+          <a:stretch>
+            <a:fillRect/>
+          </a:stretch>
+        </p:blipFill>
+        <p:spPr bwMode="auto">
+          <a:xfrm>
+            <a:off x="6956321" y="3821549"/>
+            <a:ext cx="1888851" cy="861788"/>
+          </a:xfrm>
+          <a:prstGeom prst="rect">
+            <a:avLst/>
+          </a:prstGeom>
+          <a:noFill/>
+          <a:extLst>
+            <a:ext uri="{909E8E84-426E-40DD-AFC4-6F175D3DCCD1}">
+              <a14:hiddenFill xmlns:a14="http://schemas.microsoft.com/office/drawing/2010/main">
+                <a:solidFill>
+                  <a:srgbClr val="FFFFFF"/>
+                </a:solidFill>
+              </a14:hiddenFill>
+            </a:ext>
+          </a:extLst>
+        </p:spPr>
+      </p:pic>
+      <p:sp>
+        <p:nvSpPr>
+          <p:cNvPr id="6" name="Cross 5">
+            <a:extLst>
+              <a:ext uri="{FF2B5EF4-FFF2-40B4-BE49-F238E27FC236}">
+                <a16:creationId xmlns:a16="http://schemas.microsoft.com/office/drawing/2014/main" id="{1B25BBDF-0704-B48F-8CAB-8BD43264977F}"/>
+              </a:ext>
+            </a:extLst>
+          </p:cNvPr>
+          <p:cNvSpPr/>
+          <p:nvPr/>
+        </p:nvSpPr>
+        <p:spPr>
+          <a:xfrm>
+            <a:off x="6026492" y="4012342"/>
+            <a:ext cx="555755" cy="555431"/>
+          </a:xfrm>
+          <a:prstGeom prst="plus">
+            <a:avLst>
+              <a:gd name="adj" fmla="val 36433"/>
+            </a:avLst>
+          </a:prstGeom>
+          <a:solidFill>
+            <a:schemeClr val="tx1"/>
+          </a:solidFill>
+          <a:ln>
+            <a:noFill/>
+          </a:ln>
+        </p:spPr>
+        <p:style>
+          <a:lnRef idx="2">
+            <a:schemeClr val="accent1">
+              <a:shade val="15000"/>
+            </a:schemeClr>
+          </a:lnRef>
+          <a:fillRef idx="1">
+            <a:schemeClr val="accent1"/>
+          </a:fillRef>
+          <a:effectRef idx="0">
+            <a:schemeClr val="accent1"/>
+          </a:effectRef>
+          <a:fontRef idx="minor">
+            <a:schemeClr val="lt1"/>
+          </a:fontRef>
+        </p:style>
+        <p:txBody>
+          <a:bodyPr rtlCol="0" anchor="ctr"/>
+          <a:lstStyle/>
+          <a:p>
+            <a:pPr algn="ctr"/>
+            <a:endParaRPr lang="en-US"/>
+          </a:p>
+        </p:txBody>
+      </p:sp>
+      <p:sp>
+        <p:nvSpPr>
+          <p:cNvPr id="11" name="TextBox 10">
+            <a:extLst>
+              <a:ext uri="{FF2B5EF4-FFF2-40B4-BE49-F238E27FC236}">
+                <a16:creationId xmlns:a16="http://schemas.microsoft.com/office/drawing/2014/main" id="{A800B20F-E75A-B314-3C98-318E2FA8A6D3}"/>
+              </a:ext>
+            </a:extLst>
+          </p:cNvPr>
+          <p:cNvSpPr txBox="1"/>
+          <p:nvPr/>
+        </p:nvSpPr>
+        <p:spPr>
+          <a:xfrm>
+            <a:off x="2481943" y="1201785"/>
+            <a:ext cx="7438571" cy="2308324"/>
+          </a:xfrm>
+          <a:prstGeom prst="rect">
+            <a:avLst/>
+          </a:prstGeom>
+          <a:noFill/>
+          <a:ln>
+            <a:noFill/>
+          </a:ln>
+        </p:spPr>
+        <p:txBody>
+          <a:bodyPr wrap="square" rtlCol="0">
+            <a:spAutoFit/>
+          </a:bodyPr>
+          <a:lstStyle/>
+          <a:p>
+            <a:pPr algn="ctr"/>
+            <a:r>
+              <a:rPr lang="en-US" sz="7200" b="1" dirty="0">
+                <a:gradFill flip="none" rotWithShape="1">
+                  <a:gsLst>
+                    <a:gs pos="0">
+                      <a:srgbClr val="FF0000"/>
+                    </a:gs>
+                    <a:gs pos="79000">
+                      <a:srgbClr val="0070C0"/>
+                    </a:gs>
+                    <a:gs pos="61000">
+                      <a:srgbClr val="00B050"/>
+                    </a:gs>
+                    <a:gs pos="40000">
+                      <a:srgbClr val="E7E700"/>
+                    </a:gs>
+                    <a:gs pos="20000">
+                      <a:srgbClr val="FFC000"/>
+                    </a:gs>
+                    <a:gs pos="100000">
+                      <a:srgbClr val="7030A0"/>
+                    </a:gs>
+                  </a:gsLst>
+                  <a:lin ang="0" scaled="1"/>
+                  <a:tileRect/>
+                </a:gradFill>
+                <a:latin typeface="Arial" panose="020B0604020202020204" pitchFamily="34" charset="0"/>
+                <a:cs typeface="Arial" panose="020B0604020202020204" pitchFamily="34" charset="0"/>
+              </a:rPr>
+              <a:t>MicroSims for</a:t>
+            </a:r>
+          </a:p>
+          <a:p>
+            <a:pPr algn="ctr"/>
+            <a:r>
+              <a:rPr lang="en-US" sz="7200" b="1" dirty="0">
+                <a:gradFill flip="none" rotWithShape="1">
+                  <a:gsLst>
+                    <a:gs pos="0">
+                      <a:srgbClr val="FF0000"/>
+                    </a:gs>
+                    <a:gs pos="79000">
+                      <a:srgbClr val="0070C0"/>
+                    </a:gs>
+                    <a:gs pos="61000">
+                      <a:srgbClr val="00B050"/>
+                    </a:gs>
+                    <a:gs pos="40000">
+                      <a:srgbClr val="E7E700"/>
+                    </a:gs>
+                    <a:gs pos="20000">
+                      <a:srgbClr val="FFC000"/>
+                    </a:gs>
+                    <a:gs pos="100000">
+                      <a:srgbClr val="7030A0"/>
+                    </a:gs>
+                  </a:gsLst>
+                  <a:lin ang="0" scaled="1"/>
+                  <a:tileRect/>
+                </a:gradFill>
+                <a:latin typeface="Arial" panose="020B0604020202020204" pitchFamily="34" charset="0"/>
+                <a:cs typeface="Arial" panose="020B0604020202020204" pitchFamily="34" charset="0"/>
+              </a:rPr>
+              <a:t>Education</a:t>
+            </a:r>
+          </a:p>
+        </p:txBody>
+      </p:sp>
+      <p:sp>
+        <p:nvSpPr>
+          <p:cNvPr id="8" name="Rectangle 7">
+            <a:extLst>
+              <a:ext uri="{FF2B5EF4-FFF2-40B4-BE49-F238E27FC236}">
+                <a16:creationId xmlns:a16="http://schemas.microsoft.com/office/drawing/2014/main" id="{74594C62-6DD5-E0C0-41C2-0817D8D9535A}"/>
+              </a:ext>
+            </a:extLst>
+          </p:cNvPr>
+          <p:cNvSpPr/>
+          <p:nvPr/>
+        </p:nvSpPr>
+        <p:spPr>
+          <a:xfrm>
+            <a:off x="2481943" y="1201785"/>
+            <a:ext cx="7438571" cy="3849186"/>
+          </a:xfrm>
+          <a:prstGeom prst="rect">
+            <a:avLst/>
+          </a:prstGeom>
+          <a:noFill/>
+          <a:ln>
+            <a:solidFill>
+              <a:schemeClr val="tx1"/>
+            </a:solidFill>
+          </a:ln>
+        </p:spPr>
+        <p:style>
+          <a:lnRef idx="2">
+            <a:schemeClr val="accent1">
+              <a:shade val="15000"/>
+            </a:schemeClr>
+          </a:lnRef>
+          <a:fillRef idx="1">
+            <a:schemeClr val="accent1"/>
+          </a:fillRef>
+          <a:effectRef idx="0">
+            <a:schemeClr val="accent1"/>
+          </a:effectRef>
+          <a:fontRef idx="minor">
+            <a:schemeClr val="lt1"/>
+          </a:fontRef>
+        </p:style>
+        <p:txBody>
+          <a:bodyPr rtlCol="0" anchor="ctr"/>
+          <a:lstStyle/>
+          <a:p>
+            <a:pPr algn="ctr"/>
+            <a:endParaRPr lang="en-US"/>
+          </a:p>
+        </p:txBody>
+      </p:sp>
+      <p:pic>
+        <p:nvPicPr>
+          <p:cNvPr id="9" name="Picture 2">
+            <a:extLst>
+              <a:ext uri="{FF2B5EF4-FFF2-40B4-BE49-F238E27FC236}">
+                <a16:creationId xmlns:a16="http://schemas.microsoft.com/office/drawing/2014/main" id="{3DD5D0A0-A3C9-777E-A9F9-0135A3892531}"/>
+              </a:ext>
+            </a:extLst>
+          </p:cNvPr>
+          <p:cNvPicPr>
+            <a:picLocks noChangeAspect="1" noChangeArrowheads="1"/>
+          </p:cNvPicPr>
+          <p:nvPr/>
+        </p:nvPicPr>
+        <p:blipFill rotWithShape="1">
+          <a:blip r:embed="rId2">
+            <a:extLst>
+              <a:ext uri="{28A0092B-C50C-407E-A947-70E740481C1C}">
+                <a14:useLocalDpi xmlns:a14="http://schemas.microsoft.com/office/drawing/2010/main" val="0"/>
+              </a:ext>
+            </a:extLst>
+          </a:blip>
+          <a:srcRect b="46805"/>
+          <a:stretch/>
+        </p:blipFill>
+        <p:spPr bwMode="auto">
+          <a:xfrm>
+            <a:off x="3410911" y="3480814"/>
+            <a:ext cx="2248271" cy="827848"/>
+          </a:xfrm>
+          <a:prstGeom prst="rect">
+            <a:avLst/>
+          </a:prstGeom>
+          <a:noFill/>
+          <a:extLst>
+            <a:ext uri="{909E8E84-426E-40DD-AFC4-6F175D3DCCD1}">
+              <a14:hiddenFill xmlns:a14="http://schemas.microsoft.com/office/drawing/2010/main">
+                <a:solidFill>
+                  <a:srgbClr val="FFFFFF"/>
+                </a:solidFill>
+              </a14:hiddenFill>
+            </a:ext>
+          </a:extLst>
+        </p:spPr>
+      </p:pic>
+    </p:spTree>
+    <p:extLst>
+      <p:ext uri="{BB962C8B-B14F-4D97-AF65-F5344CB8AC3E}">
+        <p14:creationId xmlns:p14="http://schemas.microsoft.com/office/powerpoint/2010/main" val="380098271"/>
+      </p:ext>
+    </p:extLst>
+  </p:cSld>
+  <p:clrMapOvr>
+    <a:masterClrMapping/>
+  </p:clrMapOvr>
+</p:sld>
+</file>
+
+<file path=ppt/slides/slide8.xml><?xml version="1.0" encoding="utf-8"?>
+<p:sld xmlns:a="http://schemas.openxmlformats.org/drawingml/2006/main" xmlns:r="http://schemas.openxmlformats.org/officeDocument/2006/relationships" xmlns:p="http://schemas.openxmlformats.org/presentationml/2006/main">
+  <p:cSld>
+    <p:spTree>
+      <p:nvGrpSpPr>
+        <p:cNvPr id="1" name=""/>
+        <p:cNvGrpSpPr/>
+        <p:nvPr/>
+      </p:nvGrpSpPr>
+      <p:grpSpPr>
+        <a:xfrm>
+          <a:off x="0" y="0"/>
+          <a:ext cx="0" cy="0"/>
+          <a:chOff x="0" y="0"/>
+          <a:chExt cx="0" cy="0"/>
+        </a:xfrm>
+      </p:grpSpPr>
+      <p:sp>
+        <p:nvSpPr>
+          <p:cNvPr id="2" name="Title 1">
+            <a:extLst>
+              <a:ext uri="{FF2B5EF4-FFF2-40B4-BE49-F238E27FC236}">
+                <a16:creationId xmlns:a16="http://schemas.microsoft.com/office/drawing/2014/main" id="{C52839F5-2D92-81F3-16EA-71436404FD1D}"/>
+              </a:ext>
+            </a:extLst>
+          </p:cNvPr>
+          <p:cNvSpPr>
+            <a:spLocks noGrp="1"/>
+          </p:cNvSpPr>
+          <p:nvPr>
+            <p:ph type="title"/>
+          </p:nvPr>
+        </p:nvSpPr>
+        <p:spPr>
+          <a:xfrm>
+            <a:off x="838200" y="365126"/>
+            <a:ext cx="10515600" cy="555432"/>
+          </a:xfrm>
+        </p:spPr>
+        <p:txBody>
+          <a:bodyPr>
+            <a:normAutofit fontScale="90000"/>
+          </a:bodyPr>
+          <a:lstStyle/>
+          <a:p>
+            <a:r>
+              <a:rPr lang="en-US" dirty="0"/>
+              <a:t>Social Media Image</a:t>
+            </a:r>
+          </a:p>
+        </p:txBody>
+      </p:sp>
+      <p:sp>
+        <p:nvSpPr>
+          <p:cNvPr id="3" name="Content Placeholder 2">
+            <a:extLst>
+              <a:ext uri="{FF2B5EF4-FFF2-40B4-BE49-F238E27FC236}">
+                <a16:creationId xmlns:a16="http://schemas.microsoft.com/office/drawing/2014/main" id="{56528B54-55EE-651F-7636-28C2855FC9C7}"/>
+              </a:ext>
+            </a:extLst>
+          </p:cNvPr>
+          <p:cNvSpPr>
+            <a:spLocks noGrp="1"/>
+          </p:cNvSpPr>
+          <p:nvPr>
+            <p:ph idx="1"/>
+          </p:nvPr>
+        </p:nvSpPr>
+        <p:spPr>
+          <a:xfrm>
+            <a:off x="838200" y="5706737"/>
+            <a:ext cx="10515600" cy="470226"/>
+          </a:xfrm>
+        </p:spPr>
+        <p:txBody>
+          <a:bodyPr>
+            <a:normAutofit lnSpcReduction="10000"/>
+          </a:bodyPr>
+          <a:lstStyle/>
+          <a:p>
+            <a:endParaRPr lang="en-US" dirty="0"/>
+          </a:p>
+        </p:txBody>
+      </p:sp>
+      <p:pic>
+        <p:nvPicPr>
+          <p:cNvPr id="4" name="Picture 2">
+            <a:extLst>
+              <a:ext uri="{FF2B5EF4-FFF2-40B4-BE49-F238E27FC236}">
+                <a16:creationId xmlns:a16="http://schemas.microsoft.com/office/drawing/2014/main" id="{0BF59702-0B3E-0654-AD67-F2C225B4B14D}"/>
+              </a:ext>
+            </a:extLst>
+          </p:cNvPr>
+          <p:cNvPicPr>
+            <a:picLocks noChangeAspect="1" noChangeArrowheads="1"/>
+          </p:cNvPicPr>
+          <p:nvPr/>
+        </p:nvPicPr>
+        <p:blipFill rotWithShape="1">
+          <a:blip r:embed="rId2">
+            <a:extLst>
+              <a:ext uri="{28A0092B-C50C-407E-A947-70E740481C1C}">
+                <a14:useLocalDpi xmlns:a14="http://schemas.microsoft.com/office/drawing/2010/main" val="0"/>
+              </a:ext>
+            </a:extLst>
+          </a:blip>
+          <a:srcRect t="59456"/>
+          <a:stretch/>
+        </p:blipFill>
+        <p:spPr bwMode="auto">
+          <a:xfrm>
+            <a:off x="3410911" y="4173132"/>
+            <a:ext cx="2248271" cy="630960"/>
+          </a:xfrm>
+          <a:prstGeom prst="rect">
+            <a:avLst/>
+          </a:prstGeom>
+          <a:noFill/>
+          <a:extLst>
+            <a:ext uri="{909E8E84-426E-40DD-AFC4-6F175D3DCCD1}">
+              <a14:hiddenFill xmlns:a14="http://schemas.microsoft.com/office/drawing/2010/main">
+                <a:solidFill>
+                  <a:srgbClr val="FFFFFF"/>
+                </a:solidFill>
+              </a14:hiddenFill>
+            </a:ext>
+          </a:extLst>
+        </p:spPr>
+      </p:pic>
+      <p:pic>
+        <p:nvPicPr>
+          <p:cNvPr id="5" name="Picture 6">
+            <a:extLst>
+              <a:ext uri="{FF2B5EF4-FFF2-40B4-BE49-F238E27FC236}">
+                <a16:creationId xmlns:a16="http://schemas.microsoft.com/office/drawing/2014/main" id="{DBFB92F0-3441-61B8-D1DA-89469DECB2CF}"/>
+              </a:ext>
+            </a:extLst>
+          </p:cNvPr>
+          <p:cNvPicPr>
+            <a:picLocks noChangeAspect="1" noChangeArrowheads="1"/>
+          </p:cNvPicPr>
+          <p:nvPr/>
+        </p:nvPicPr>
+        <p:blipFill>
+          <a:blip r:embed="rId3">
+            <a:extLst>
+              <a:ext uri="{28A0092B-C50C-407E-A947-70E740481C1C}">
+                <a14:useLocalDpi xmlns:a14="http://schemas.microsoft.com/office/drawing/2010/main" val="0"/>
+              </a:ext>
+            </a:extLst>
+          </a:blip>
+          <a:srcRect/>
+          <a:stretch>
+            <a:fillRect/>
+          </a:stretch>
+        </p:blipFill>
+        <p:spPr bwMode="auto">
+          <a:xfrm>
+            <a:off x="6956321" y="3821549"/>
+            <a:ext cx="1888851" cy="861788"/>
+          </a:xfrm>
+          <a:prstGeom prst="rect">
+            <a:avLst/>
+          </a:prstGeom>
+          <a:noFill/>
+          <a:extLst>
+            <a:ext uri="{909E8E84-426E-40DD-AFC4-6F175D3DCCD1}">
+              <a14:hiddenFill xmlns:a14="http://schemas.microsoft.com/office/drawing/2010/main">
+                <a:solidFill>
+                  <a:srgbClr val="FFFFFF"/>
+                </a:solidFill>
+              </a14:hiddenFill>
+            </a:ext>
+          </a:extLst>
+        </p:spPr>
+      </p:pic>
+      <p:sp>
+        <p:nvSpPr>
+          <p:cNvPr id="6" name="Cross 5">
+            <a:extLst>
+              <a:ext uri="{FF2B5EF4-FFF2-40B4-BE49-F238E27FC236}">
+                <a16:creationId xmlns:a16="http://schemas.microsoft.com/office/drawing/2014/main" id="{1B25BBDF-0704-B48F-8CAB-8BD43264977F}"/>
+              </a:ext>
+            </a:extLst>
+          </p:cNvPr>
+          <p:cNvSpPr/>
+          <p:nvPr/>
+        </p:nvSpPr>
+        <p:spPr>
+          <a:xfrm>
+            <a:off x="6026492" y="4012342"/>
+            <a:ext cx="555755" cy="555431"/>
+          </a:xfrm>
+          <a:prstGeom prst="plus">
+            <a:avLst>
+              <a:gd name="adj" fmla="val 36433"/>
+            </a:avLst>
+          </a:prstGeom>
+          <a:solidFill>
+            <a:schemeClr val="tx1"/>
+          </a:solidFill>
+          <a:ln>
+            <a:noFill/>
+          </a:ln>
+        </p:spPr>
+        <p:style>
+          <a:lnRef idx="2">
+            <a:schemeClr val="accent1">
+              <a:shade val="15000"/>
+            </a:schemeClr>
+          </a:lnRef>
+          <a:fillRef idx="1">
+            <a:schemeClr val="accent1"/>
+          </a:fillRef>
+          <a:effectRef idx="0">
+            <a:schemeClr val="accent1"/>
+          </a:effectRef>
+          <a:fontRef idx="minor">
+            <a:schemeClr val="lt1"/>
+          </a:fontRef>
+        </p:style>
+        <p:txBody>
+          <a:bodyPr rtlCol="0" anchor="ctr"/>
+          <a:lstStyle/>
+          <a:p>
+            <a:pPr algn="ctr"/>
+            <a:endParaRPr lang="en-US"/>
+          </a:p>
+        </p:txBody>
+      </p:sp>
+      <p:sp>
+        <p:nvSpPr>
+          <p:cNvPr id="11" name="TextBox 10">
+            <a:extLst>
+              <a:ext uri="{FF2B5EF4-FFF2-40B4-BE49-F238E27FC236}">
+                <a16:creationId xmlns:a16="http://schemas.microsoft.com/office/drawing/2014/main" id="{A800B20F-E75A-B314-3C98-318E2FA8A6D3}"/>
+              </a:ext>
+            </a:extLst>
+          </p:cNvPr>
+          <p:cNvSpPr txBox="1"/>
+          <p:nvPr/>
+        </p:nvSpPr>
+        <p:spPr>
+          <a:xfrm>
+            <a:off x="2481943" y="1201785"/>
+            <a:ext cx="7438571" cy="2308324"/>
+          </a:xfrm>
+          <a:prstGeom prst="rect">
+            <a:avLst/>
+          </a:prstGeom>
+          <a:noFill/>
+          <a:ln>
+            <a:noFill/>
+          </a:ln>
+        </p:spPr>
+        <p:txBody>
+          <a:bodyPr wrap="square" rtlCol="0">
+            <a:spAutoFit/>
+          </a:bodyPr>
+          <a:lstStyle/>
+          <a:p>
+            <a:pPr algn="ctr"/>
+            <a:r>
+              <a:rPr lang="en-US" sz="7200" b="1" dirty="0">
+                <a:gradFill flip="none" rotWithShape="1">
+                  <a:gsLst>
+                    <a:gs pos="0">
+                      <a:srgbClr val="FF0000"/>
+                    </a:gs>
+                    <a:gs pos="79000">
+                      <a:srgbClr val="0070C0"/>
+                    </a:gs>
+                    <a:gs pos="61000">
+                      <a:srgbClr val="00B050"/>
+                    </a:gs>
+                    <a:gs pos="40000">
+                      <a:srgbClr val="E7E700"/>
+                    </a:gs>
+                    <a:gs pos="20000">
+                      <a:srgbClr val="FFC000"/>
+                    </a:gs>
+                    <a:gs pos="100000">
+                      <a:srgbClr val="7030A0"/>
+                    </a:gs>
+                  </a:gsLst>
+                  <a:lin ang="0" scaled="1"/>
+                  <a:tileRect/>
+                </a:gradFill>
+                <a:latin typeface="Arial" panose="020B0604020202020204" pitchFamily="34" charset="0"/>
+                <a:cs typeface="Arial" panose="020B0604020202020204" pitchFamily="34" charset="0"/>
+              </a:rPr>
+              <a:t>MicroSims for</a:t>
+            </a:r>
+          </a:p>
+          <a:p>
+            <a:pPr algn="ctr"/>
+            <a:r>
+              <a:rPr lang="en-US" sz="7200" b="1" dirty="0">
+                <a:gradFill flip="none" rotWithShape="1">
+                  <a:gsLst>
+                    <a:gs pos="0">
+                      <a:srgbClr val="FF0000"/>
+                    </a:gs>
+                    <a:gs pos="79000">
+                      <a:srgbClr val="0070C0"/>
+                    </a:gs>
+                    <a:gs pos="61000">
+                      <a:srgbClr val="00B050"/>
+                    </a:gs>
+                    <a:gs pos="40000">
+                      <a:srgbClr val="E7E700"/>
+                    </a:gs>
+                    <a:gs pos="20000">
+                      <a:srgbClr val="FFC000"/>
+                    </a:gs>
+                    <a:gs pos="100000">
+                      <a:srgbClr val="7030A0"/>
+                    </a:gs>
+                  </a:gsLst>
+                  <a:lin ang="0" scaled="1"/>
+                  <a:tileRect/>
+                </a:gradFill>
+                <a:latin typeface="Arial" panose="020B0604020202020204" pitchFamily="34" charset="0"/>
+                <a:cs typeface="Arial" panose="020B0604020202020204" pitchFamily="34" charset="0"/>
+              </a:rPr>
+              <a:t>Education</a:t>
+            </a:r>
+          </a:p>
+        </p:txBody>
+      </p:sp>
+      <p:sp>
+        <p:nvSpPr>
+          <p:cNvPr id="8" name="Rectangle 7">
+            <a:extLst>
+              <a:ext uri="{FF2B5EF4-FFF2-40B4-BE49-F238E27FC236}">
+                <a16:creationId xmlns:a16="http://schemas.microsoft.com/office/drawing/2014/main" id="{74594C62-6DD5-E0C0-41C2-0817D8D9535A}"/>
+              </a:ext>
+            </a:extLst>
+          </p:cNvPr>
+          <p:cNvSpPr/>
+          <p:nvPr/>
+        </p:nvSpPr>
+        <p:spPr>
+          <a:xfrm>
+            <a:off x="2481943" y="1201785"/>
+            <a:ext cx="7438571" cy="3849186"/>
+          </a:xfrm>
+          <a:prstGeom prst="rect">
+            <a:avLst/>
+          </a:prstGeom>
+          <a:noFill/>
+          <a:ln>
+            <a:solidFill>
+              <a:schemeClr val="tx1"/>
+            </a:solidFill>
+          </a:ln>
+        </p:spPr>
+        <p:style>
+          <a:lnRef idx="2">
+            <a:schemeClr val="accent1">
+              <a:shade val="15000"/>
+            </a:schemeClr>
+          </a:lnRef>
+          <a:fillRef idx="1">
+            <a:schemeClr val="accent1"/>
+          </a:fillRef>
+          <a:effectRef idx="0">
+            <a:schemeClr val="accent1"/>
+          </a:effectRef>
+          <a:fontRef idx="minor">
+            <a:schemeClr val="lt1"/>
+          </a:fontRef>
+        </p:style>
+        <p:txBody>
+          <a:bodyPr rtlCol="0" anchor="ctr"/>
+          <a:lstStyle/>
+          <a:p>
+            <a:pPr algn="ctr"/>
+            <a:endParaRPr lang="en-US"/>
+          </a:p>
+        </p:txBody>
+      </p:sp>
+      <p:pic>
+        <p:nvPicPr>
+          <p:cNvPr id="9" name="Picture 2">
+            <a:extLst>
+              <a:ext uri="{FF2B5EF4-FFF2-40B4-BE49-F238E27FC236}">
+                <a16:creationId xmlns:a16="http://schemas.microsoft.com/office/drawing/2014/main" id="{3DD5D0A0-A3C9-777E-A9F9-0135A3892531}"/>
+              </a:ext>
+            </a:extLst>
+          </p:cNvPr>
+          <p:cNvPicPr>
+            <a:picLocks noChangeAspect="1" noChangeArrowheads="1"/>
+          </p:cNvPicPr>
+          <p:nvPr/>
+        </p:nvPicPr>
+        <p:blipFill rotWithShape="1">
+          <a:blip r:embed="rId2">
+            <a:extLst>
+              <a:ext uri="{28A0092B-C50C-407E-A947-70E740481C1C}">
+                <a14:useLocalDpi xmlns:a14="http://schemas.microsoft.com/office/drawing/2010/main" val="0"/>
+              </a:ext>
+            </a:extLst>
+          </a:blip>
+          <a:srcRect b="46805"/>
+          <a:stretch/>
+        </p:blipFill>
+        <p:spPr bwMode="auto">
+          <a:xfrm>
+            <a:off x="3410911" y="3480814"/>
+            <a:ext cx="2248271" cy="827848"/>
+          </a:xfrm>
+          <a:prstGeom prst="rect">
+            <a:avLst/>
+          </a:prstGeom>
+          <a:noFill/>
+          <a:extLst>
+            <a:ext uri="{909E8E84-426E-40DD-AFC4-6F175D3DCCD1}">
+              <a14:hiddenFill xmlns:a14="http://schemas.microsoft.com/office/drawing/2010/main">
+                <a:solidFill>
+                  <a:srgbClr val="FFFFFF"/>
+                </a:solidFill>
+              </a14:hiddenFill>
+            </a:ext>
+          </a:extLst>
+        </p:spPr>
+      </p:pic>
+    </p:spTree>
+    <p:extLst>
+      <p:ext uri="{BB962C8B-B14F-4D97-AF65-F5344CB8AC3E}">
+        <p14:creationId xmlns:p14="http://schemas.microsoft.com/office/powerpoint/2010/main" val="3308929149"/>
+      </p:ext>
+    </p:extLst>
+  </p:cSld>
+  <p:clrMapOvr>
+    <a:masterClrMapping/>
+  </p:clrMapOvr>
+</p:sld>
+</file>
+
+<file path=ppt/slides/slide9.xml><?xml version="1.0" encoding="utf-8"?>
+<p:sld xmlns:a="http://schemas.openxmlformats.org/drawingml/2006/main" xmlns:r="http://schemas.openxmlformats.org/officeDocument/2006/relationships" xmlns:p="http://schemas.openxmlformats.org/presentationml/2006/main">
+  <p:cSld>
+    <p:spTree>
+      <p:nvGrpSpPr>
+        <p:cNvPr id="1" name=""/>
+        <p:cNvGrpSpPr/>
+        <p:nvPr/>
+      </p:nvGrpSpPr>
+      <p:grpSpPr>
+        <a:xfrm>
+          <a:off x="0" y="0"/>
+          <a:ext cx="0" cy="0"/>
+          <a:chOff x="0" y="0"/>
+          <a:chExt cx="0" cy="0"/>
+        </a:xfrm>
+      </p:grpSpPr>
+      <p:sp>
+        <p:nvSpPr>
+          <p:cNvPr id="2" name="Title 1">
+            <a:extLst>
+              <a:ext uri="{FF2B5EF4-FFF2-40B4-BE49-F238E27FC236}">
+                <a16:creationId xmlns:a16="http://schemas.microsoft.com/office/drawing/2014/main" id="{6E9EBE89-B871-BACC-8FA4-A51B5C4A7241}"/>
+              </a:ext>
+            </a:extLst>
+          </p:cNvPr>
+          <p:cNvSpPr>
+            <a:spLocks noGrp="1"/>
+          </p:cNvSpPr>
+          <p:nvPr>
+            <p:ph type="title"/>
+          </p:nvPr>
+        </p:nvSpPr>
+        <p:spPr/>
+        <p:txBody>
+          <a:bodyPr/>
+          <a:lstStyle/>
+          <a:p>
+            <a:endParaRPr lang="en-US"/>
+          </a:p>
+        </p:txBody>
+      </p:sp>
+      <p:sp>
+        <p:nvSpPr>
+          <p:cNvPr id="3" name="Content Placeholder 2">
+            <a:extLst>
+              <a:ext uri="{FF2B5EF4-FFF2-40B4-BE49-F238E27FC236}">
+                <a16:creationId xmlns:a16="http://schemas.microsoft.com/office/drawing/2014/main" id="{BB19AA04-9D7B-6DDB-035B-FED4CE446C74}"/>
+              </a:ext>
+            </a:extLst>
+          </p:cNvPr>
+          <p:cNvSpPr>
+            <a:spLocks noGrp="1"/>
+          </p:cNvSpPr>
+          <p:nvPr>
+            <p:ph idx="1"/>
+          </p:nvPr>
+        </p:nvSpPr>
+        <p:spPr>
+          <a:xfrm>
+            <a:off x="838200" y="4317999"/>
+            <a:ext cx="10515600" cy="1858963"/>
+          </a:xfrm>
+        </p:spPr>
+        <p:txBody>
+          <a:bodyPr/>
+          <a:lstStyle/>
+          <a:p>
+            <a:endParaRPr lang="en-US" dirty="0"/>
+          </a:p>
+        </p:txBody>
+      </p:sp>
+      <p:sp>
+        <p:nvSpPr>
+          <p:cNvPr id="4" name="TextBox 3">
+            <a:extLst>
+              <a:ext uri="{FF2B5EF4-FFF2-40B4-BE49-F238E27FC236}">
+                <a16:creationId xmlns:a16="http://schemas.microsoft.com/office/drawing/2014/main" id="{47099D2C-7EAF-BABF-7340-ADD7C26F291F}"/>
+              </a:ext>
+            </a:extLst>
+          </p:cNvPr>
+          <p:cNvSpPr txBox="1"/>
+          <p:nvPr/>
+        </p:nvSpPr>
+        <p:spPr>
+          <a:xfrm>
+            <a:off x="1857828" y="2044005"/>
+            <a:ext cx="3258457" cy="369332"/>
+          </a:xfrm>
+          <a:prstGeom prst="rect">
+            <a:avLst/>
+          </a:prstGeom>
+          <a:noFill/>
+        </p:spPr>
+        <p:txBody>
+          <a:bodyPr wrap="square" rtlCol="0">
+            <a:spAutoFit/>
+          </a:bodyPr>
+          <a:lstStyle/>
+          <a:p>
+            <a:r>
+              <a:rPr lang="en-US" dirty="0"/>
+              <a:t>I am a local image.</a:t>
+            </a:r>
+          </a:p>
+        </p:txBody>
+      </p:sp>
+      <p:sp>
+        <p:nvSpPr>
+          <p:cNvPr id="5" name="TextBox 4">
+            <a:extLst>
+              <a:ext uri="{FF2B5EF4-FFF2-40B4-BE49-F238E27FC236}">
+                <a16:creationId xmlns:a16="http://schemas.microsoft.com/office/drawing/2014/main" id="{D117464D-7ED0-A730-B0EE-F4C7107BF15A}"/>
+              </a:ext>
+            </a:extLst>
+          </p:cNvPr>
+          <p:cNvSpPr txBox="1"/>
+          <p:nvPr/>
+        </p:nvSpPr>
+        <p:spPr>
+          <a:xfrm>
+            <a:off x="3115839" y="2413337"/>
+            <a:ext cx="4823475" cy="1200329"/>
+          </a:xfrm>
+          <a:prstGeom prst="rect">
+            <a:avLst/>
+          </a:prstGeom>
+          <a:noFill/>
+          <a:ln>
+            <a:noFill/>
+          </a:ln>
+        </p:spPr>
+        <p:txBody>
+          <a:bodyPr wrap="square" rtlCol="0">
+            <a:spAutoFit/>
+          </a:bodyPr>
+          <a:lstStyle/>
+          <a:p>
+            <a:r>
+              <a:rPr lang="en-US" sz="7200" b="1" dirty="0">
+                <a:gradFill flip="none" rotWithShape="1">
+                  <a:gsLst>
+                    <a:gs pos="0">
+                      <a:srgbClr val="FF0000"/>
+                    </a:gs>
+                    <a:gs pos="79000">
+                      <a:srgbClr val="0070C0"/>
+                    </a:gs>
+                    <a:gs pos="61000">
+                      <a:srgbClr val="00B050"/>
+                    </a:gs>
+                    <a:gs pos="40000">
+                      <a:srgbClr val="E7E700"/>
+                    </a:gs>
+                    <a:gs pos="20000">
+                      <a:srgbClr val="FFC000"/>
+                    </a:gs>
+                    <a:gs pos="100000">
+                      <a:srgbClr val="7030A0"/>
+                    </a:gs>
+                  </a:gsLst>
+                  <a:lin ang="0" scaled="1"/>
+                  <a:tileRect/>
+                </a:gradFill>
+                <a:latin typeface="Arial Narrow" panose="020B0604020202020204" pitchFamily="34" charset="0"/>
+                <a:cs typeface="Arial Narrow" panose="020B0604020202020204" pitchFamily="34" charset="0"/>
+              </a:rPr>
+              <a:t>Local Image</a:t>
+            </a:r>
+          </a:p>
+        </p:txBody>
+      </p:sp>
+    </p:spTree>
+    <p:extLst>
+      <p:ext uri="{BB962C8B-B14F-4D97-AF65-F5344CB8AC3E}">
+        <p14:creationId xmlns:p14="http://schemas.microsoft.com/office/powerpoint/2010/main" val="2242450243"/>
       </p:ext>
     </p:extLst>
   </p:cSld>

--- a/slides/Figures.pptx
+++ b/slides/Figures.pptx
@@ -6,16 +6,17 @@
   </p:sldMasterIdLst>
   <p:sldIdLst>
     <p:sldId id="256" r:id="rId2"/>
-    <p:sldId id="257" r:id="rId3"/>
-    <p:sldId id="258" r:id="rId4"/>
-    <p:sldId id="263" r:id="rId5"/>
-    <p:sldId id="259" r:id="rId6"/>
-    <p:sldId id="260" r:id="rId7"/>
-    <p:sldId id="261" r:id="rId8"/>
-    <p:sldId id="262" r:id="rId9"/>
-    <p:sldId id="264" r:id="rId10"/>
-    <p:sldId id="265" r:id="rId11"/>
-    <p:sldId id="266" r:id="rId12"/>
+    <p:sldId id="267" r:id="rId3"/>
+    <p:sldId id="257" r:id="rId4"/>
+    <p:sldId id="258" r:id="rId5"/>
+    <p:sldId id="263" r:id="rId6"/>
+    <p:sldId id="259" r:id="rId7"/>
+    <p:sldId id="260" r:id="rId8"/>
+    <p:sldId id="261" r:id="rId9"/>
+    <p:sldId id="262" r:id="rId10"/>
+    <p:sldId id="264" r:id="rId11"/>
+    <p:sldId id="265" r:id="rId12"/>
+    <p:sldId id="266" r:id="rId13"/>
   </p:sldIdLst>
   <p:sldSz cx="12192000" cy="6858000"/>
   <p:notesSz cx="6858000" cy="9144000"/>
@@ -269,7 +270,7 @@
           <a:p>
             <a:fld id="{80F69AB6-3231-0B4B-92B3-5CB6F8134EAC}" type="datetimeFigureOut">
               <a:rPr lang="en-US" smtClean="0"/>
-              <a:t>12/5/23</a:t>
+              <a:t>2/27/25</a:t>
             </a:fld>
             <a:endParaRPr lang="en-US"/>
           </a:p>
@@ -467,7 +468,7 @@
           <a:p>
             <a:fld id="{80F69AB6-3231-0B4B-92B3-5CB6F8134EAC}" type="datetimeFigureOut">
               <a:rPr lang="en-US" smtClean="0"/>
-              <a:t>12/5/23</a:t>
+              <a:t>2/27/25</a:t>
             </a:fld>
             <a:endParaRPr lang="en-US"/>
           </a:p>
@@ -675,7 +676,7 @@
           <a:p>
             <a:fld id="{80F69AB6-3231-0B4B-92B3-5CB6F8134EAC}" type="datetimeFigureOut">
               <a:rPr lang="en-US" smtClean="0"/>
-              <a:t>12/5/23</a:t>
+              <a:t>2/27/25</a:t>
             </a:fld>
             <a:endParaRPr lang="en-US"/>
           </a:p>
@@ -873,7 +874,7 @@
           <a:p>
             <a:fld id="{80F69AB6-3231-0B4B-92B3-5CB6F8134EAC}" type="datetimeFigureOut">
               <a:rPr lang="en-US" smtClean="0"/>
-              <a:t>12/5/23</a:t>
+              <a:t>2/27/25</a:t>
             </a:fld>
             <a:endParaRPr lang="en-US"/>
           </a:p>
@@ -1148,7 +1149,7 @@
           <a:p>
             <a:fld id="{80F69AB6-3231-0B4B-92B3-5CB6F8134EAC}" type="datetimeFigureOut">
               <a:rPr lang="en-US" smtClean="0"/>
-              <a:t>12/5/23</a:t>
+              <a:t>2/27/25</a:t>
             </a:fld>
             <a:endParaRPr lang="en-US"/>
           </a:p>
@@ -1413,7 +1414,7 @@
           <a:p>
             <a:fld id="{80F69AB6-3231-0B4B-92B3-5CB6F8134EAC}" type="datetimeFigureOut">
               <a:rPr lang="en-US" smtClean="0"/>
-              <a:t>12/5/23</a:t>
+              <a:t>2/27/25</a:t>
             </a:fld>
             <a:endParaRPr lang="en-US"/>
           </a:p>
@@ -1825,7 +1826,7 @@
           <a:p>
             <a:fld id="{80F69AB6-3231-0B4B-92B3-5CB6F8134EAC}" type="datetimeFigureOut">
               <a:rPr lang="en-US" smtClean="0"/>
-              <a:t>12/5/23</a:t>
+              <a:t>2/27/25</a:t>
             </a:fld>
             <a:endParaRPr lang="en-US"/>
           </a:p>
@@ -1966,7 +1967,7 @@
           <a:p>
             <a:fld id="{80F69AB6-3231-0B4B-92B3-5CB6F8134EAC}" type="datetimeFigureOut">
               <a:rPr lang="en-US" smtClean="0"/>
-              <a:t>12/5/23</a:t>
+              <a:t>2/27/25</a:t>
             </a:fld>
             <a:endParaRPr lang="en-US"/>
           </a:p>
@@ -2079,7 +2080,7 @@
           <a:p>
             <a:fld id="{80F69AB6-3231-0B4B-92B3-5CB6F8134EAC}" type="datetimeFigureOut">
               <a:rPr lang="en-US" smtClean="0"/>
-              <a:t>12/5/23</a:t>
+              <a:t>2/27/25</a:t>
             </a:fld>
             <a:endParaRPr lang="en-US"/>
           </a:p>
@@ -2390,7 +2391,7 @@
           <a:p>
             <a:fld id="{80F69AB6-3231-0B4B-92B3-5CB6F8134EAC}" type="datetimeFigureOut">
               <a:rPr lang="en-US" smtClean="0"/>
-              <a:t>12/5/23</a:t>
+              <a:t>2/27/25</a:t>
             </a:fld>
             <a:endParaRPr lang="en-US"/>
           </a:p>
@@ -2678,7 +2679,7 @@
           <a:p>
             <a:fld id="{80F69AB6-3231-0B4B-92B3-5CB6F8134EAC}" type="datetimeFigureOut">
               <a:rPr lang="en-US" smtClean="0"/>
-              <a:t>12/5/23</a:t>
+              <a:t>2/27/25</a:t>
             </a:fld>
             <a:endParaRPr lang="en-US"/>
           </a:p>
@@ -2919,7 +2920,7 @@
           <a:p>
             <a:fld id="{80F69AB6-3231-0B4B-92B3-5CB6F8134EAC}" type="datetimeFigureOut">
               <a:rPr lang="en-US" smtClean="0"/>
-              <a:t>12/5/23</a:t>
+              <a:t>2/27/25</a:t>
             </a:fld>
             <a:endParaRPr lang="en-US"/>
           </a:p>
@@ -3419,155 +3420,165 @@
           <a:chExt cx="0" cy="0"/>
         </a:xfrm>
       </p:grpSpPr>
-      <p:pic>
-        <p:nvPicPr>
-          <p:cNvPr id="6" name="Picture 5">
-            <a:extLst>
-              <a:ext uri="{FF2B5EF4-FFF2-40B4-BE49-F238E27FC236}">
-                <a16:creationId xmlns:a16="http://schemas.microsoft.com/office/drawing/2014/main" id="{15D44D32-41ED-D5A6-BFF7-CB2EB4ED97EC}"/>
-              </a:ext>
-            </a:extLst>
-          </p:cNvPr>
-          <p:cNvPicPr>
-            <a:picLocks noChangeAspect="1"/>
-          </p:cNvPicPr>
+      <p:sp>
+        <p:nvSpPr>
+          <p:cNvPr id="2" name="Title 1">
+            <a:extLst>
+              <a:ext uri="{FF2B5EF4-FFF2-40B4-BE49-F238E27FC236}">
+                <a16:creationId xmlns:a16="http://schemas.microsoft.com/office/drawing/2014/main" id="{6E9EBE89-B871-BACC-8FA4-A51B5C4A7241}"/>
+              </a:ext>
+            </a:extLst>
+          </p:cNvPr>
+          <p:cNvSpPr>
+            <a:spLocks noGrp="1"/>
+          </p:cNvSpPr>
+          <p:nvPr>
+            <p:ph type="title"/>
+          </p:nvPr>
+        </p:nvSpPr>
+        <p:spPr/>
+        <p:txBody>
+          <a:bodyPr/>
+          <a:lstStyle/>
+          <a:p>
+            <a:endParaRPr lang="en-US"/>
+          </a:p>
+        </p:txBody>
+      </p:sp>
+      <p:sp>
+        <p:nvSpPr>
+          <p:cNvPr id="3" name="Content Placeholder 2">
+            <a:extLst>
+              <a:ext uri="{FF2B5EF4-FFF2-40B4-BE49-F238E27FC236}">
+                <a16:creationId xmlns:a16="http://schemas.microsoft.com/office/drawing/2014/main" id="{BB19AA04-9D7B-6DDB-035B-FED4CE446C74}"/>
+              </a:ext>
+            </a:extLst>
+          </p:cNvPr>
+          <p:cNvSpPr>
+            <a:spLocks noGrp="1"/>
+          </p:cNvSpPr>
+          <p:nvPr>
+            <p:ph idx="1"/>
+          </p:nvPr>
+        </p:nvSpPr>
+        <p:spPr>
+          <a:xfrm>
+            <a:off x="838200" y="4317999"/>
+            <a:ext cx="10515600" cy="1858963"/>
+          </a:xfrm>
+        </p:spPr>
+        <p:txBody>
+          <a:bodyPr/>
+          <a:lstStyle/>
+          <a:p>
+            <a:endParaRPr lang="en-US" dirty="0"/>
+          </a:p>
+        </p:txBody>
+      </p:sp>
+      <p:sp>
+        <p:nvSpPr>
+          <p:cNvPr id="4" name="TextBox 3">
+            <a:extLst>
+              <a:ext uri="{FF2B5EF4-FFF2-40B4-BE49-F238E27FC236}">
+                <a16:creationId xmlns:a16="http://schemas.microsoft.com/office/drawing/2014/main" id="{47099D2C-7EAF-BABF-7340-ADD7C26F291F}"/>
+              </a:ext>
+            </a:extLst>
+          </p:cNvPr>
+          <p:cNvSpPr txBox="1"/>
           <p:nvPr/>
-        </p:nvPicPr>
-        <p:blipFill>
-          <a:blip r:embed="rId2"/>
-          <a:stretch>
-            <a:fillRect/>
-          </a:stretch>
-        </p:blipFill>
+        </p:nvSpPr>
         <p:spPr>
           <a:xfrm>
-            <a:off x="6732603" y="2413856"/>
-            <a:ext cx="3314700" cy="2235200"/>
+            <a:off x="1857828" y="2044005"/>
+            <a:ext cx="3258457" cy="369332"/>
           </a:xfrm>
           <a:prstGeom prst="rect">
             <a:avLst/>
           </a:prstGeom>
-        </p:spPr>
-      </p:pic>
-      <p:sp>
-        <p:nvSpPr>
-          <p:cNvPr id="2" name="Title 1">
-            <a:extLst>
-              <a:ext uri="{FF2B5EF4-FFF2-40B4-BE49-F238E27FC236}">
-                <a16:creationId xmlns:a16="http://schemas.microsoft.com/office/drawing/2014/main" id="{6514CB1D-1BB3-4C11-E813-2EB3DFD5D6E4}"/>
-              </a:ext>
-            </a:extLst>
-          </p:cNvPr>
-          <p:cNvSpPr>
-            <a:spLocks noGrp="1"/>
-          </p:cNvSpPr>
-          <p:nvPr>
-            <p:ph type="title"/>
-          </p:nvPr>
-        </p:nvSpPr>
-        <p:spPr/>
-        <p:txBody>
-          <a:bodyPr/>
-          <a:lstStyle/>
-          <a:p>
-            <a:endParaRPr lang="en-US"/>
-          </a:p>
-        </p:txBody>
-      </p:sp>
-      <p:sp>
-        <p:nvSpPr>
-          <p:cNvPr id="3" name="Content Placeholder 2">
-            <a:extLst>
-              <a:ext uri="{FF2B5EF4-FFF2-40B4-BE49-F238E27FC236}">
-                <a16:creationId xmlns:a16="http://schemas.microsoft.com/office/drawing/2014/main" id="{BED2887D-294C-4EC9-B76D-8D39F57ACE6C}"/>
-              </a:ext>
-            </a:extLst>
-          </p:cNvPr>
-          <p:cNvSpPr>
-            <a:spLocks noGrp="1"/>
-          </p:cNvSpPr>
-          <p:nvPr>
-            <p:ph idx="1"/>
-          </p:nvPr>
+          <a:noFill/>
+        </p:spPr>
+        <p:txBody>
+          <a:bodyPr wrap="square" rtlCol="0">
+            <a:spAutoFit/>
+          </a:bodyPr>
+          <a:lstStyle/>
+          <a:p>
+            <a:r>
+              <a:rPr lang="en-US" dirty="0"/>
+              <a:t>I am a local image.</a:t>
+            </a:r>
+          </a:p>
+        </p:txBody>
+      </p:sp>
+      <p:sp>
+        <p:nvSpPr>
+          <p:cNvPr id="5" name="TextBox 4">
+            <a:extLst>
+              <a:ext uri="{FF2B5EF4-FFF2-40B4-BE49-F238E27FC236}">
+                <a16:creationId xmlns:a16="http://schemas.microsoft.com/office/drawing/2014/main" id="{D117464D-7ED0-A730-B0EE-F4C7107BF15A}"/>
+              </a:ext>
+            </a:extLst>
+          </p:cNvPr>
+          <p:cNvSpPr txBox="1"/>
+          <p:nvPr/>
         </p:nvSpPr>
         <p:spPr>
           <a:xfrm>
-            <a:off x="838200" y="5205045"/>
-            <a:ext cx="10515600" cy="971917"/>
-          </a:xfrm>
-        </p:spPr>
-        <p:txBody>
-          <a:bodyPr/>
-          <a:lstStyle/>
-          <a:p>
-            <a:endParaRPr lang="en-US" dirty="0"/>
-          </a:p>
-        </p:txBody>
-      </p:sp>
-      <p:pic>
-        <p:nvPicPr>
-          <p:cNvPr id="4" name="Picture 3">
-            <a:extLst>
-              <a:ext uri="{FF2B5EF4-FFF2-40B4-BE49-F238E27FC236}">
-                <a16:creationId xmlns:a16="http://schemas.microsoft.com/office/drawing/2014/main" id="{A24BA305-F1A6-EDE2-4C60-0B774F97C300}"/>
-              </a:ext>
-            </a:extLst>
-          </p:cNvPr>
-          <p:cNvPicPr>
-            <a:picLocks noChangeAspect="1"/>
-          </p:cNvPicPr>
-          <p:nvPr/>
-        </p:nvPicPr>
-        <p:blipFill>
-          <a:blip r:embed="rId2"/>
-          <a:stretch>
-            <a:fillRect/>
-          </a:stretch>
-        </p:blipFill>
-        <p:spPr>
-          <a:xfrm>
-            <a:off x="2315934" y="2413856"/>
-            <a:ext cx="3314700" cy="2235200"/>
+            <a:off x="3115839" y="2413337"/>
+            <a:ext cx="4823475" cy="1200329"/>
           </a:xfrm>
           <a:prstGeom prst="rect">
             <a:avLst/>
           </a:prstGeom>
-        </p:spPr>
-      </p:pic>
-      <p:pic>
-        <p:nvPicPr>
-          <p:cNvPr id="5" name="Picture 4">
-            <a:extLst>
-              <a:ext uri="{FF2B5EF4-FFF2-40B4-BE49-F238E27FC236}">
-                <a16:creationId xmlns:a16="http://schemas.microsoft.com/office/drawing/2014/main" id="{BF224E1F-F17E-7B6F-6A65-365AD5E442E5}"/>
-              </a:ext>
-            </a:extLst>
-          </p:cNvPr>
-          <p:cNvPicPr>
-            <a:picLocks noChangeAspect="1"/>
-          </p:cNvPicPr>
-          <p:nvPr/>
-        </p:nvPicPr>
-        <p:blipFill>
-          <a:blip r:embed="rId3"/>
-          <a:stretch>
-            <a:fillRect/>
-          </a:stretch>
-        </p:blipFill>
-        <p:spPr>
-          <a:xfrm>
-            <a:off x="6732604" y="2413856"/>
-            <a:ext cx="3314700" cy="1744612"/>
-          </a:xfrm>
-          <a:prstGeom prst="rect">
-            <a:avLst/>
-          </a:prstGeom>
-        </p:spPr>
-      </p:pic>
+          <a:noFill/>
+          <a:ln>
+            <a:noFill/>
+          </a:ln>
+        </p:spPr>
+        <p:txBody>
+          <a:bodyPr wrap="square" rtlCol="0">
+            <a:spAutoFit/>
+          </a:bodyPr>
+          <a:lstStyle/>
+          <a:p>
+            <a:r>
+              <a:rPr lang="en-US" sz="7200" b="1" dirty="0">
+                <a:gradFill flip="none" rotWithShape="1">
+                  <a:gsLst>
+                    <a:gs pos="0">
+                      <a:srgbClr val="FF0000"/>
+                    </a:gs>
+                    <a:gs pos="79000">
+                      <a:srgbClr val="0070C0"/>
+                    </a:gs>
+                    <a:gs pos="61000">
+                      <a:srgbClr val="00B050"/>
+                    </a:gs>
+                    <a:gs pos="40000">
+                      <a:srgbClr val="E7E700"/>
+                    </a:gs>
+                    <a:gs pos="20000">
+                      <a:srgbClr val="FFC000"/>
+                    </a:gs>
+                    <a:gs pos="100000">
+                      <a:srgbClr val="7030A0"/>
+                    </a:gs>
+                  </a:gsLst>
+                  <a:lin ang="0" scaled="1"/>
+                  <a:tileRect/>
+                </a:gradFill>
+                <a:latin typeface="Arial Narrow" panose="020B0604020202020204" pitchFamily="34" charset="0"/>
+                <a:cs typeface="Arial Narrow" panose="020B0604020202020204" pitchFamily="34" charset="0"/>
+              </a:rPr>
+              <a:t>Local Image</a:t>
+            </a:r>
+          </a:p>
+        </p:txBody>
+      </p:sp>
     </p:spTree>
     <p:extLst>
       <p:ext uri="{BB962C8B-B14F-4D97-AF65-F5344CB8AC3E}">
-        <p14:creationId xmlns:p14="http://schemas.microsoft.com/office/powerpoint/2010/main" val="1367150857"/>
+        <p14:creationId xmlns:p14="http://schemas.microsoft.com/office/powerpoint/2010/main" val="2242450243"/>
       </p:ext>
     </p:extLst>
   </p:cSld>
@@ -3596,6 +3607,181 @@
       </p:grpSpPr>
       <p:pic>
         <p:nvPicPr>
+          <p:cNvPr id="6" name="Picture 5">
+            <a:extLst>
+              <a:ext uri="{FF2B5EF4-FFF2-40B4-BE49-F238E27FC236}">
+                <a16:creationId xmlns:a16="http://schemas.microsoft.com/office/drawing/2014/main" id="{15D44D32-41ED-D5A6-BFF7-CB2EB4ED97EC}"/>
+              </a:ext>
+            </a:extLst>
+          </p:cNvPr>
+          <p:cNvPicPr>
+            <a:picLocks noChangeAspect="1"/>
+          </p:cNvPicPr>
+          <p:nvPr/>
+        </p:nvPicPr>
+        <p:blipFill>
+          <a:blip r:embed="rId2"/>
+          <a:stretch>
+            <a:fillRect/>
+          </a:stretch>
+        </p:blipFill>
+        <p:spPr>
+          <a:xfrm>
+            <a:off x="6732603" y="2413856"/>
+            <a:ext cx="3314700" cy="2235200"/>
+          </a:xfrm>
+          <a:prstGeom prst="rect">
+            <a:avLst/>
+          </a:prstGeom>
+        </p:spPr>
+      </p:pic>
+      <p:sp>
+        <p:nvSpPr>
+          <p:cNvPr id="2" name="Title 1">
+            <a:extLst>
+              <a:ext uri="{FF2B5EF4-FFF2-40B4-BE49-F238E27FC236}">
+                <a16:creationId xmlns:a16="http://schemas.microsoft.com/office/drawing/2014/main" id="{6514CB1D-1BB3-4C11-E813-2EB3DFD5D6E4}"/>
+              </a:ext>
+            </a:extLst>
+          </p:cNvPr>
+          <p:cNvSpPr>
+            <a:spLocks noGrp="1"/>
+          </p:cNvSpPr>
+          <p:nvPr>
+            <p:ph type="title"/>
+          </p:nvPr>
+        </p:nvSpPr>
+        <p:spPr/>
+        <p:txBody>
+          <a:bodyPr/>
+          <a:lstStyle/>
+          <a:p>
+            <a:endParaRPr lang="en-US"/>
+          </a:p>
+        </p:txBody>
+      </p:sp>
+      <p:sp>
+        <p:nvSpPr>
+          <p:cNvPr id="3" name="Content Placeholder 2">
+            <a:extLst>
+              <a:ext uri="{FF2B5EF4-FFF2-40B4-BE49-F238E27FC236}">
+                <a16:creationId xmlns:a16="http://schemas.microsoft.com/office/drawing/2014/main" id="{BED2887D-294C-4EC9-B76D-8D39F57ACE6C}"/>
+              </a:ext>
+            </a:extLst>
+          </p:cNvPr>
+          <p:cNvSpPr>
+            <a:spLocks noGrp="1"/>
+          </p:cNvSpPr>
+          <p:nvPr>
+            <p:ph idx="1"/>
+          </p:nvPr>
+        </p:nvSpPr>
+        <p:spPr>
+          <a:xfrm>
+            <a:off x="838200" y="5205045"/>
+            <a:ext cx="10515600" cy="971917"/>
+          </a:xfrm>
+        </p:spPr>
+        <p:txBody>
+          <a:bodyPr/>
+          <a:lstStyle/>
+          <a:p>
+            <a:endParaRPr lang="en-US" dirty="0"/>
+          </a:p>
+        </p:txBody>
+      </p:sp>
+      <p:pic>
+        <p:nvPicPr>
+          <p:cNvPr id="4" name="Picture 3">
+            <a:extLst>
+              <a:ext uri="{FF2B5EF4-FFF2-40B4-BE49-F238E27FC236}">
+                <a16:creationId xmlns:a16="http://schemas.microsoft.com/office/drawing/2014/main" id="{A24BA305-F1A6-EDE2-4C60-0B774F97C300}"/>
+              </a:ext>
+            </a:extLst>
+          </p:cNvPr>
+          <p:cNvPicPr>
+            <a:picLocks noChangeAspect="1"/>
+          </p:cNvPicPr>
+          <p:nvPr/>
+        </p:nvPicPr>
+        <p:blipFill>
+          <a:blip r:embed="rId2"/>
+          <a:stretch>
+            <a:fillRect/>
+          </a:stretch>
+        </p:blipFill>
+        <p:spPr>
+          <a:xfrm>
+            <a:off x="2315934" y="2413856"/>
+            <a:ext cx="3314700" cy="2235200"/>
+          </a:xfrm>
+          <a:prstGeom prst="rect">
+            <a:avLst/>
+          </a:prstGeom>
+        </p:spPr>
+      </p:pic>
+      <p:pic>
+        <p:nvPicPr>
+          <p:cNvPr id="5" name="Picture 4">
+            <a:extLst>
+              <a:ext uri="{FF2B5EF4-FFF2-40B4-BE49-F238E27FC236}">
+                <a16:creationId xmlns:a16="http://schemas.microsoft.com/office/drawing/2014/main" id="{BF224E1F-F17E-7B6F-6A65-365AD5E442E5}"/>
+              </a:ext>
+            </a:extLst>
+          </p:cNvPr>
+          <p:cNvPicPr>
+            <a:picLocks noChangeAspect="1"/>
+          </p:cNvPicPr>
+          <p:nvPr/>
+        </p:nvPicPr>
+        <p:blipFill>
+          <a:blip r:embed="rId3"/>
+          <a:stretch>
+            <a:fillRect/>
+          </a:stretch>
+        </p:blipFill>
+        <p:spPr>
+          <a:xfrm>
+            <a:off x="6732604" y="2413856"/>
+            <a:ext cx="3314700" cy="1744612"/>
+          </a:xfrm>
+          <a:prstGeom prst="rect">
+            <a:avLst/>
+          </a:prstGeom>
+        </p:spPr>
+      </p:pic>
+    </p:spTree>
+    <p:extLst>
+      <p:ext uri="{BB962C8B-B14F-4D97-AF65-F5344CB8AC3E}">
+        <p14:creationId xmlns:p14="http://schemas.microsoft.com/office/powerpoint/2010/main" val="1367150857"/>
+      </p:ext>
+    </p:extLst>
+  </p:cSld>
+  <p:clrMapOvr>
+    <a:masterClrMapping/>
+  </p:clrMapOvr>
+</p:sld>
+</file>
+
+<file path=ppt/slides/slide12.xml><?xml version="1.0" encoding="utf-8"?>
+<p:sld xmlns:a="http://schemas.openxmlformats.org/drawingml/2006/main" xmlns:r="http://schemas.openxmlformats.org/officeDocument/2006/relationships" xmlns:p="http://schemas.openxmlformats.org/presentationml/2006/main">
+  <p:cSld>
+    <p:spTree>
+      <p:nvGrpSpPr>
+        <p:cNvPr id="1" name=""/>
+        <p:cNvGrpSpPr/>
+        <p:nvPr/>
+      </p:nvGrpSpPr>
+      <p:grpSpPr>
+        <a:xfrm>
+          <a:off x="0" y="0"/>
+          <a:ext cx="0" cy="0"/>
+          <a:chOff x="0" y="0"/>
+          <a:chExt cx="0" cy="0"/>
+        </a:xfrm>
+      </p:grpSpPr>
+      <p:pic>
+        <p:nvPicPr>
           <p:cNvPr id="7" name="Picture 6">
             <a:extLst>
               <a:ext uri="{FF2B5EF4-FFF2-40B4-BE49-F238E27FC236}">
@@ -3795,6 +3981,410 @@
   <p:cSld>
     <p:spTree>
       <p:nvGrpSpPr>
+        <p:cNvPr id="1" name="">
+          <a:extLst>
+            <a:ext uri="{FF2B5EF4-FFF2-40B4-BE49-F238E27FC236}">
+              <a16:creationId xmlns:a16="http://schemas.microsoft.com/office/drawing/2014/main" id="{51F4DD02-04BC-511C-0096-A0C4A1621381}"/>
+            </a:ext>
+          </a:extLst>
+        </p:cNvPr>
+        <p:cNvGrpSpPr/>
+        <p:nvPr/>
+      </p:nvGrpSpPr>
+      <p:grpSpPr>
+        <a:xfrm>
+          <a:off x="0" y="0"/>
+          <a:ext cx="0" cy="0"/>
+          <a:chOff x="0" y="0"/>
+          <a:chExt cx="0" cy="0"/>
+        </a:xfrm>
+      </p:grpSpPr>
+      <p:sp>
+        <p:nvSpPr>
+          <p:cNvPr id="2" name="Title 1">
+            <a:extLst>
+              <a:ext uri="{FF2B5EF4-FFF2-40B4-BE49-F238E27FC236}">
+                <a16:creationId xmlns:a16="http://schemas.microsoft.com/office/drawing/2014/main" id="{79FD2903-CADD-85F9-B166-864ACFDCF310}"/>
+              </a:ext>
+            </a:extLst>
+          </p:cNvPr>
+          <p:cNvSpPr>
+            <a:spLocks noGrp="1"/>
+          </p:cNvSpPr>
+          <p:nvPr>
+            <p:ph type="title"/>
+          </p:nvPr>
+        </p:nvSpPr>
+        <p:spPr>
+          <a:xfrm>
+            <a:off x="547254" y="326141"/>
+            <a:ext cx="10515600" cy="672903"/>
+          </a:xfrm>
+        </p:spPr>
+        <p:txBody>
+          <a:bodyPr>
+            <a:normAutofit fontScale="90000"/>
+          </a:bodyPr>
+          <a:lstStyle/>
+          <a:p>
+            <a:r>
+              <a:rPr lang="en-US" dirty="0"/>
+              <a:t>New Banner</a:t>
+            </a:r>
+          </a:p>
+        </p:txBody>
+      </p:sp>
+      <p:pic>
+        <p:nvPicPr>
+          <p:cNvPr id="1030" name="Picture 6">
+            <a:extLst>
+              <a:ext uri="{FF2B5EF4-FFF2-40B4-BE49-F238E27FC236}">
+                <a16:creationId xmlns:a16="http://schemas.microsoft.com/office/drawing/2014/main" id="{0D2F14E4-51AB-686D-F3BB-B732DE2A9361}"/>
+              </a:ext>
+            </a:extLst>
+          </p:cNvPr>
+          <p:cNvPicPr>
+            <a:picLocks noChangeAspect="1" noChangeArrowheads="1"/>
+          </p:cNvPicPr>
+          <p:nvPr/>
+        </p:nvPicPr>
+        <p:blipFill>
+          <a:blip r:embed="rId2">
+            <a:extLst>
+              <a:ext uri="{28A0092B-C50C-407E-A947-70E740481C1C}">
+                <a14:useLocalDpi xmlns:a14="http://schemas.microsoft.com/office/drawing/2010/main" val="0"/>
+              </a:ext>
+            </a:extLst>
+          </a:blip>
+          <a:srcRect/>
+          <a:stretch>
+            <a:fillRect/>
+          </a:stretch>
+        </p:blipFill>
+        <p:spPr bwMode="auto">
+          <a:xfrm>
+            <a:off x="4104699" y="2946107"/>
+            <a:ext cx="1888851" cy="861788"/>
+          </a:xfrm>
+          <a:prstGeom prst="rect">
+            <a:avLst/>
+          </a:prstGeom>
+          <a:noFill/>
+          <a:extLst>
+            <a:ext uri="{909E8E84-426E-40DD-AFC4-6F175D3DCCD1}">
+              <a14:hiddenFill xmlns:a14="http://schemas.microsoft.com/office/drawing/2010/main">
+                <a:solidFill>
+                  <a:srgbClr val="FFFFFF"/>
+                </a:solidFill>
+              </a14:hiddenFill>
+            </a:ext>
+          </a:extLst>
+        </p:spPr>
+      </p:pic>
+      <p:sp>
+        <p:nvSpPr>
+          <p:cNvPr id="7" name="Cross 6">
+            <a:extLst>
+              <a:ext uri="{FF2B5EF4-FFF2-40B4-BE49-F238E27FC236}">
+                <a16:creationId xmlns:a16="http://schemas.microsoft.com/office/drawing/2014/main" id="{B43DECC6-4D24-597F-7DFD-E0D13821CD7F}"/>
+              </a:ext>
+            </a:extLst>
+          </p:cNvPr>
+          <p:cNvSpPr/>
+          <p:nvPr/>
+        </p:nvSpPr>
+        <p:spPr>
+          <a:xfrm>
+            <a:off x="3174870" y="3136900"/>
+            <a:ext cx="555755" cy="555431"/>
+          </a:xfrm>
+          <a:prstGeom prst="plus">
+            <a:avLst>
+              <a:gd name="adj" fmla="val 39291"/>
+            </a:avLst>
+          </a:prstGeom>
+          <a:solidFill>
+            <a:schemeClr val="tx1"/>
+          </a:solidFill>
+          <a:ln>
+            <a:noFill/>
+          </a:ln>
+        </p:spPr>
+        <p:style>
+          <a:lnRef idx="2">
+            <a:schemeClr val="accent1">
+              <a:shade val="15000"/>
+            </a:schemeClr>
+          </a:lnRef>
+          <a:fillRef idx="1">
+            <a:schemeClr val="accent1"/>
+          </a:fillRef>
+          <a:effectRef idx="0">
+            <a:schemeClr val="accent1"/>
+          </a:effectRef>
+          <a:fontRef idx="minor">
+            <a:schemeClr val="lt1"/>
+          </a:fontRef>
+        </p:style>
+        <p:txBody>
+          <a:bodyPr rtlCol="0" anchor="ctr"/>
+          <a:lstStyle/>
+          <a:p>
+            <a:pPr algn="ctr"/>
+            <a:endParaRPr lang="en-US"/>
+          </a:p>
+        </p:txBody>
+      </p:sp>
+      <p:grpSp>
+        <p:nvGrpSpPr>
+          <p:cNvPr id="4" name="Group 3">
+            <a:extLst>
+              <a:ext uri="{FF2B5EF4-FFF2-40B4-BE49-F238E27FC236}">
+                <a16:creationId xmlns:a16="http://schemas.microsoft.com/office/drawing/2014/main" id="{EA84827F-A703-4758-F675-51863DA5130C}"/>
+              </a:ext>
+            </a:extLst>
+          </p:cNvPr>
+          <p:cNvGrpSpPr/>
+          <p:nvPr/>
+        </p:nvGrpSpPr>
+        <p:grpSpPr>
+          <a:xfrm>
+            <a:off x="6367624" y="3171593"/>
+            <a:ext cx="478535" cy="410815"/>
+            <a:chOff x="7738315" y="2990829"/>
+            <a:chExt cx="659757" cy="540566"/>
+          </a:xfrm>
+        </p:grpSpPr>
+        <p:sp>
+          <p:nvSpPr>
+            <p:cNvPr id="8" name="Rectangle 7">
+              <a:extLst>
+                <a:ext uri="{FF2B5EF4-FFF2-40B4-BE49-F238E27FC236}">
+                  <a16:creationId xmlns:a16="http://schemas.microsoft.com/office/drawing/2014/main" id="{2A4FCBED-88F2-EB62-AEA5-89C61E41140C}"/>
+                </a:ext>
+              </a:extLst>
+            </p:cNvPr>
+            <p:cNvSpPr/>
+            <p:nvPr/>
+          </p:nvSpPr>
+          <p:spPr>
+            <a:xfrm>
+              <a:off x="7738315" y="2990829"/>
+              <a:ext cx="659757" cy="201861"/>
+            </a:xfrm>
+            <a:prstGeom prst="rect">
+              <a:avLst/>
+            </a:prstGeom>
+            <a:solidFill>
+              <a:schemeClr val="tx1"/>
+            </a:solidFill>
+            <a:ln>
+              <a:noFill/>
+            </a:ln>
+          </p:spPr>
+          <p:style>
+            <a:lnRef idx="2">
+              <a:schemeClr val="accent1">
+                <a:shade val="15000"/>
+              </a:schemeClr>
+            </a:lnRef>
+            <a:fillRef idx="1">
+              <a:schemeClr val="accent1"/>
+            </a:fillRef>
+            <a:effectRef idx="0">
+              <a:schemeClr val="accent1"/>
+            </a:effectRef>
+            <a:fontRef idx="minor">
+              <a:schemeClr val="lt1"/>
+            </a:fontRef>
+          </p:style>
+          <p:txBody>
+            <a:bodyPr rtlCol="0" anchor="ctr"/>
+            <a:lstStyle/>
+            <a:p>
+              <a:pPr algn="ctr"/>
+              <a:endParaRPr lang="en-US"/>
+            </a:p>
+          </p:txBody>
+        </p:sp>
+        <p:sp>
+          <p:nvSpPr>
+            <p:cNvPr id="9" name="Rectangle 8">
+              <a:extLst>
+                <a:ext uri="{FF2B5EF4-FFF2-40B4-BE49-F238E27FC236}">
+                  <a16:creationId xmlns:a16="http://schemas.microsoft.com/office/drawing/2014/main" id="{6D4434C5-D762-2407-353A-B1C0D246A9AA}"/>
+                </a:ext>
+              </a:extLst>
+            </p:cNvPr>
+            <p:cNvSpPr/>
+            <p:nvPr/>
+          </p:nvSpPr>
+          <p:spPr>
+            <a:xfrm>
+              <a:off x="7738315" y="3329534"/>
+              <a:ext cx="659757" cy="201861"/>
+            </a:xfrm>
+            <a:prstGeom prst="rect">
+              <a:avLst/>
+            </a:prstGeom>
+            <a:solidFill>
+              <a:schemeClr val="tx1"/>
+            </a:solidFill>
+            <a:ln>
+              <a:noFill/>
+            </a:ln>
+          </p:spPr>
+          <p:style>
+            <a:lnRef idx="2">
+              <a:schemeClr val="accent1">
+                <a:shade val="15000"/>
+              </a:schemeClr>
+            </a:lnRef>
+            <a:fillRef idx="1">
+              <a:schemeClr val="accent1"/>
+            </a:fillRef>
+            <a:effectRef idx="0">
+              <a:schemeClr val="accent1"/>
+            </a:effectRef>
+            <a:fontRef idx="minor">
+              <a:schemeClr val="lt1"/>
+            </a:fontRef>
+          </p:style>
+          <p:txBody>
+            <a:bodyPr rtlCol="0" anchor="ctr"/>
+            <a:lstStyle/>
+            <a:p>
+              <a:pPr algn="ctr"/>
+              <a:endParaRPr lang="en-US"/>
+            </a:p>
+          </p:txBody>
+        </p:sp>
+      </p:grpSp>
+      <p:sp>
+        <p:nvSpPr>
+          <p:cNvPr id="10" name="TextBox 9">
+            <a:extLst>
+              <a:ext uri="{FF2B5EF4-FFF2-40B4-BE49-F238E27FC236}">
+                <a16:creationId xmlns:a16="http://schemas.microsoft.com/office/drawing/2014/main" id="{3A788EAB-D8D6-5E80-CBDB-90DBE35692DF}"/>
+              </a:ext>
+            </a:extLst>
+          </p:cNvPr>
+          <p:cNvSpPr txBox="1"/>
+          <p:nvPr/>
+        </p:nvSpPr>
+        <p:spPr>
+          <a:xfrm>
+            <a:off x="7061297" y="2648132"/>
+            <a:ext cx="4447308" cy="1200329"/>
+          </a:xfrm>
+          <a:prstGeom prst="rect">
+            <a:avLst/>
+          </a:prstGeom>
+          <a:noFill/>
+          <a:ln>
+            <a:noFill/>
+          </a:ln>
+        </p:spPr>
+        <p:txBody>
+          <a:bodyPr wrap="square" rtlCol="0">
+            <a:spAutoFit/>
+          </a:bodyPr>
+          <a:lstStyle/>
+          <a:p>
+            <a:r>
+              <a:rPr lang="en-US" sz="7200" b="1" dirty="0">
+                <a:gradFill flip="none" rotWithShape="1">
+                  <a:gsLst>
+                    <a:gs pos="0">
+                      <a:srgbClr val="FF0000"/>
+                    </a:gs>
+                    <a:gs pos="79000">
+                      <a:srgbClr val="0070C0"/>
+                    </a:gs>
+                    <a:gs pos="61000">
+                      <a:srgbClr val="00B050"/>
+                    </a:gs>
+                    <a:gs pos="40000">
+                      <a:srgbClr val="E7E700"/>
+                    </a:gs>
+                    <a:gs pos="20000">
+                      <a:srgbClr val="FFC000"/>
+                    </a:gs>
+                    <a:gs pos="100000">
+                      <a:srgbClr val="7030A0"/>
+                    </a:gs>
+                  </a:gsLst>
+                  <a:lin ang="0" scaled="1"/>
+                  <a:tileRect/>
+                </a:gradFill>
+                <a:latin typeface="Arial" panose="020B0604020202020204" pitchFamily="34" charset="0"/>
+                <a:cs typeface="Arial" panose="020B0604020202020204" pitchFamily="34" charset="0"/>
+              </a:rPr>
+              <a:t>MicroSim</a:t>
+            </a:r>
+          </a:p>
+        </p:txBody>
+      </p:sp>
+      <p:sp>
+        <p:nvSpPr>
+          <p:cNvPr id="5" name="TextBox 4">
+            <a:extLst>
+              <a:ext uri="{FF2B5EF4-FFF2-40B4-BE49-F238E27FC236}">
+                <a16:creationId xmlns:a16="http://schemas.microsoft.com/office/drawing/2014/main" id="{269AA40E-7F8C-B786-3F42-D8377E0A8C36}"/>
+              </a:ext>
+            </a:extLst>
+          </p:cNvPr>
+          <p:cNvSpPr txBox="1"/>
+          <p:nvPr/>
+        </p:nvSpPr>
+        <p:spPr>
+          <a:xfrm>
+            <a:off x="450988" y="2823003"/>
+            <a:ext cx="2585964" cy="1107996"/>
+          </a:xfrm>
+          <a:prstGeom prst="rect">
+            <a:avLst/>
+          </a:prstGeom>
+          <a:noFill/>
+        </p:spPr>
+        <p:txBody>
+          <a:bodyPr wrap="none" rtlCol="0">
+            <a:spAutoFit/>
+          </a:bodyPr>
+          <a:lstStyle/>
+          <a:p>
+            <a:pPr algn="ctr"/>
+            <a:r>
+              <a:rPr lang="en-US" sz="6600" dirty="0">
+                <a:solidFill>
+                  <a:srgbClr val="00B050"/>
+                </a:solidFill>
+                <a:latin typeface="Arial" panose="020B0604020202020204" pitchFamily="34" charset="0"/>
+                <a:cs typeface="Arial" panose="020B0604020202020204" pitchFamily="34" charset="0"/>
+              </a:rPr>
+              <a:t>GenAI</a:t>
+            </a:r>
+          </a:p>
+        </p:txBody>
+      </p:sp>
+    </p:spTree>
+    <p:extLst>
+      <p:ext uri="{BB962C8B-B14F-4D97-AF65-F5344CB8AC3E}">
+        <p14:creationId xmlns:p14="http://schemas.microsoft.com/office/powerpoint/2010/main" val="1463509887"/>
+      </p:ext>
+    </p:extLst>
+  </p:cSld>
+  <p:clrMapOvr>
+    <a:masterClrMapping/>
+  </p:clrMapOvr>
+</p:sld>
+</file>
+
+<file path=ppt/slides/slide3.xml><?xml version="1.0" encoding="utf-8"?>
+<p:sld xmlns:a="http://schemas.openxmlformats.org/drawingml/2006/main" xmlns:r="http://schemas.openxmlformats.org/officeDocument/2006/relationships" xmlns:p="http://schemas.openxmlformats.org/presentationml/2006/main">
+  <p:cSld>
+    <p:spTree>
+      <p:nvGrpSpPr>
         <p:cNvPr id="1" name=""/>
         <p:cNvGrpSpPr/>
         <p:nvPr/>
@@ -3837,7 +4427,7 @@
           <a:p>
             <a:r>
               <a:rPr lang="en-US" dirty="0"/>
-              <a:t>Banner</a:t>
+              <a:t>Old Banner</a:t>
             </a:r>
           </a:p>
         </p:txBody>
@@ -4223,7 +4813,7 @@
 </p:sld>
 </file>
 
-<file path=ppt/slides/slide3.xml><?xml version="1.0" encoding="utf-8"?>
+<file path=ppt/slides/slide4.xml><?xml version="1.0" encoding="utf-8"?>
 <p:sld xmlns:a="http://schemas.openxmlformats.org/drawingml/2006/main" xmlns:r="http://schemas.openxmlformats.org/officeDocument/2006/relationships" xmlns:p="http://schemas.openxmlformats.org/presentationml/2006/main">
   <p:cSld>
     <p:spTree>
@@ -4406,7 +4996,7 @@
 </p:sld>
 </file>
 
-<file path=ppt/slides/slide4.xml><?xml version="1.0" encoding="utf-8"?>
+<file path=ppt/slides/slide5.xml><?xml version="1.0" encoding="utf-8"?>
 <p:sld xmlns:a="http://schemas.openxmlformats.org/drawingml/2006/main" xmlns:r="http://schemas.openxmlformats.org/officeDocument/2006/relationships" xmlns:p="http://schemas.openxmlformats.org/presentationml/2006/main">
   <p:cSld>
     <p:spTree>
@@ -4572,7 +5162,7 @@
 </p:sld>
 </file>
 
-<file path=ppt/slides/slide5.xml><?xml version="1.0" encoding="utf-8"?>
+<file path=ppt/slides/slide6.xml><?xml version="1.0" encoding="utf-8"?>
 <p:sld xmlns:a="http://schemas.openxmlformats.org/drawingml/2006/main" xmlns:r="http://schemas.openxmlformats.org/officeDocument/2006/relationships" xmlns:p="http://schemas.openxmlformats.org/presentationml/2006/main">
   <p:cSld>
     <p:spTree>
@@ -4882,7 +5472,7 @@
 </p:sld>
 </file>
 
-<file path=ppt/slides/slide6.xml><?xml version="1.0" encoding="utf-8"?>
+<file path=ppt/slides/slide7.xml><?xml version="1.0" encoding="utf-8"?>
 <p:sld xmlns:a="http://schemas.openxmlformats.org/drawingml/2006/main" xmlns:r="http://schemas.openxmlformats.org/officeDocument/2006/relationships" xmlns:p="http://schemas.openxmlformats.org/presentationml/2006/main">
   <p:cSld>
     <p:spTree>
@@ -4997,7 +5587,7 @@
 </p:sld>
 </file>
 
-<file path=ppt/slides/slide7.xml><?xml version="1.0" encoding="utf-8"?>
+<file path=ppt/slides/slide8.xml><?xml version="1.0" encoding="utf-8"?>
 <p:sld xmlns:a="http://schemas.openxmlformats.org/drawingml/2006/main" xmlns:r="http://schemas.openxmlformats.org/officeDocument/2006/relationships" xmlns:p="http://schemas.openxmlformats.org/presentationml/2006/main">
   <p:cSld>
     <p:spTree>
@@ -5437,7 +6027,7 @@
 </p:sld>
 </file>
 
-<file path=ppt/slides/slide8.xml><?xml version="1.0" encoding="utf-8"?>
+<file path=ppt/slides/slide9.xml><?xml version="1.0" encoding="utf-8"?>
 <p:sld xmlns:a="http://schemas.openxmlformats.org/drawingml/2006/main" xmlns:r="http://schemas.openxmlformats.org/officeDocument/2006/relationships" xmlns:p="http://schemas.openxmlformats.org/presentationml/2006/main">
   <p:cSld>
     <p:spTree>
@@ -5868,191 +6458,6 @@
     <p:extLst>
       <p:ext uri="{BB962C8B-B14F-4D97-AF65-F5344CB8AC3E}">
         <p14:creationId xmlns:p14="http://schemas.microsoft.com/office/powerpoint/2010/main" val="3308929149"/>
-      </p:ext>
-    </p:extLst>
-  </p:cSld>
-  <p:clrMapOvr>
-    <a:masterClrMapping/>
-  </p:clrMapOvr>
-</p:sld>
-</file>
-
-<file path=ppt/slides/slide9.xml><?xml version="1.0" encoding="utf-8"?>
-<p:sld xmlns:a="http://schemas.openxmlformats.org/drawingml/2006/main" xmlns:r="http://schemas.openxmlformats.org/officeDocument/2006/relationships" xmlns:p="http://schemas.openxmlformats.org/presentationml/2006/main">
-  <p:cSld>
-    <p:spTree>
-      <p:nvGrpSpPr>
-        <p:cNvPr id="1" name=""/>
-        <p:cNvGrpSpPr/>
-        <p:nvPr/>
-      </p:nvGrpSpPr>
-      <p:grpSpPr>
-        <a:xfrm>
-          <a:off x="0" y="0"/>
-          <a:ext cx="0" cy="0"/>
-          <a:chOff x="0" y="0"/>
-          <a:chExt cx="0" cy="0"/>
-        </a:xfrm>
-      </p:grpSpPr>
-      <p:sp>
-        <p:nvSpPr>
-          <p:cNvPr id="2" name="Title 1">
-            <a:extLst>
-              <a:ext uri="{FF2B5EF4-FFF2-40B4-BE49-F238E27FC236}">
-                <a16:creationId xmlns:a16="http://schemas.microsoft.com/office/drawing/2014/main" id="{6E9EBE89-B871-BACC-8FA4-A51B5C4A7241}"/>
-              </a:ext>
-            </a:extLst>
-          </p:cNvPr>
-          <p:cNvSpPr>
-            <a:spLocks noGrp="1"/>
-          </p:cNvSpPr>
-          <p:nvPr>
-            <p:ph type="title"/>
-          </p:nvPr>
-        </p:nvSpPr>
-        <p:spPr/>
-        <p:txBody>
-          <a:bodyPr/>
-          <a:lstStyle/>
-          <a:p>
-            <a:endParaRPr lang="en-US"/>
-          </a:p>
-        </p:txBody>
-      </p:sp>
-      <p:sp>
-        <p:nvSpPr>
-          <p:cNvPr id="3" name="Content Placeholder 2">
-            <a:extLst>
-              <a:ext uri="{FF2B5EF4-FFF2-40B4-BE49-F238E27FC236}">
-                <a16:creationId xmlns:a16="http://schemas.microsoft.com/office/drawing/2014/main" id="{BB19AA04-9D7B-6DDB-035B-FED4CE446C74}"/>
-              </a:ext>
-            </a:extLst>
-          </p:cNvPr>
-          <p:cNvSpPr>
-            <a:spLocks noGrp="1"/>
-          </p:cNvSpPr>
-          <p:nvPr>
-            <p:ph idx="1"/>
-          </p:nvPr>
-        </p:nvSpPr>
-        <p:spPr>
-          <a:xfrm>
-            <a:off x="838200" y="4317999"/>
-            <a:ext cx="10515600" cy="1858963"/>
-          </a:xfrm>
-        </p:spPr>
-        <p:txBody>
-          <a:bodyPr/>
-          <a:lstStyle/>
-          <a:p>
-            <a:endParaRPr lang="en-US" dirty="0"/>
-          </a:p>
-        </p:txBody>
-      </p:sp>
-      <p:sp>
-        <p:nvSpPr>
-          <p:cNvPr id="4" name="TextBox 3">
-            <a:extLst>
-              <a:ext uri="{FF2B5EF4-FFF2-40B4-BE49-F238E27FC236}">
-                <a16:creationId xmlns:a16="http://schemas.microsoft.com/office/drawing/2014/main" id="{47099D2C-7EAF-BABF-7340-ADD7C26F291F}"/>
-              </a:ext>
-            </a:extLst>
-          </p:cNvPr>
-          <p:cNvSpPr txBox="1"/>
-          <p:nvPr/>
-        </p:nvSpPr>
-        <p:spPr>
-          <a:xfrm>
-            <a:off x="1857828" y="2044005"/>
-            <a:ext cx="3258457" cy="369332"/>
-          </a:xfrm>
-          <a:prstGeom prst="rect">
-            <a:avLst/>
-          </a:prstGeom>
-          <a:noFill/>
-        </p:spPr>
-        <p:txBody>
-          <a:bodyPr wrap="square" rtlCol="0">
-            <a:spAutoFit/>
-          </a:bodyPr>
-          <a:lstStyle/>
-          <a:p>
-            <a:r>
-              <a:rPr lang="en-US" dirty="0"/>
-              <a:t>I am a local image.</a:t>
-            </a:r>
-          </a:p>
-        </p:txBody>
-      </p:sp>
-      <p:sp>
-        <p:nvSpPr>
-          <p:cNvPr id="5" name="TextBox 4">
-            <a:extLst>
-              <a:ext uri="{FF2B5EF4-FFF2-40B4-BE49-F238E27FC236}">
-                <a16:creationId xmlns:a16="http://schemas.microsoft.com/office/drawing/2014/main" id="{D117464D-7ED0-A730-B0EE-F4C7107BF15A}"/>
-              </a:ext>
-            </a:extLst>
-          </p:cNvPr>
-          <p:cNvSpPr txBox="1"/>
-          <p:nvPr/>
-        </p:nvSpPr>
-        <p:spPr>
-          <a:xfrm>
-            <a:off x="3115839" y="2413337"/>
-            <a:ext cx="4823475" cy="1200329"/>
-          </a:xfrm>
-          <a:prstGeom prst="rect">
-            <a:avLst/>
-          </a:prstGeom>
-          <a:noFill/>
-          <a:ln>
-            <a:noFill/>
-          </a:ln>
-        </p:spPr>
-        <p:txBody>
-          <a:bodyPr wrap="square" rtlCol="0">
-            <a:spAutoFit/>
-          </a:bodyPr>
-          <a:lstStyle/>
-          <a:p>
-            <a:r>
-              <a:rPr lang="en-US" sz="7200" b="1" dirty="0">
-                <a:gradFill flip="none" rotWithShape="1">
-                  <a:gsLst>
-                    <a:gs pos="0">
-                      <a:srgbClr val="FF0000"/>
-                    </a:gs>
-                    <a:gs pos="79000">
-                      <a:srgbClr val="0070C0"/>
-                    </a:gs>
-                    <a:gs pos="61000">
-                      <a:srgbClr val="00B050"/>
-                    </a:gs>
-                    <a:gs pos="40000">
-                      <a:srgbClr val="E7E700"/>
-                    </a:gs>
-                    <a:gs pos="20000">
-                      <a:srgbClr val="FFC000"/>
-                    </a:gs>
-                    <a:gs pos="100000">
-                      <a:srgbClr val="7030A0"/>
-                    </a:gs>
-                  </a:gsLst>
-                  <a:lin ang="0" scaled="1"/>
-                  <a:tileRect/>
-                </a:gradFill>
-                <a:latin typeface="Arial Narrow" panose="020B0604020202020204" pitchFamily="34" charset="0"/>
-                <a:cs typeface="Arial Narrow" panose="020B0604020202020204" pitchFamily="34" charset="0"/>
-              </a:rPr>
-              <a:t>Local Image</a:t>
-            </a:r>
-          </a:p>
-        </p:txBody>
-      </p:sp>
-    </p:spTree>
-    <p:extLst>
-      <p:ext uri="{BB962C8B-B14F-4D97-AF65-F5344CB8AC3E}">
-        <p14:creationId xmlns:p14="http://schemas.microsoft.com/office/powerpoint/2010/main" val="2242450243"/>
       </p:ext>
     </p:extLst>
   </p:cSld>

--- a/slides/Figures.pptx
+++ b/slides/Figures.pptx
@@ -6,17 +6,18 @@
   </p:sldMasterIdLst>
   <p:sldIdLst>
     <p:sldId id="256" r:id="rId2"/>
-    <p:sldId id="267" r:id="rId3"/>
-    <p:sldId id="257" r:id="rId4"/>
-    <p:sldId id="258" r:id="rId5"/>
-    <p:sldId id="263" r:id="rId6"/>
-    <p:sldId id="259" r:id="rId7"/>
-    <p:sldId id="260" r:id="rId8"/>
-    <p:sldId id="261" r:id="rId9"/>
-    <p:sldId id="262" r:id="rId10"/>
-    <p:sldId id="264" r:id="rId11"/>
-    <p:sldId id="265" r:id="rId12"/>
-    <p:sldId id="266" r:id="rId13"/>
+    <p:sldId id="268" r:id="rId3"/>
+    <p:sldId id="267" r:id="rId4"/>
+    <p:sldId id="257" r:id="rId5"/>
+    <p:sldId id="258" r:id="rId6"/>
+    <p:sldId id="263" r:id="rId7"/>
+    <p:sldId id="259" r:id="rId8"/>
+    <p:sldId id="260" r:id="rId9"/>
+    <p:sldId id="261" r:id="rId10"/>
+    <p:sldId id="262" r:id="rId11"/>
+    <p:sldId id="264" r:id="rId12"/>
+    <p:sldId id="265" r:id="rId13"/>
+    <p:sldId id="266" r:id="rId14"/>
   </p:sldIdLst>
   <p:sldSz cx="12192000" cy="6858000"/>
   <p:notesSz cx="6858000" cy="9144000"/>
@@ -270,7 +271,7 @@
           <a:p>
             <a:fld id="{80F69AB6-3231-0B4B-92B3-5CB6F8134EAC}" type="datetimeFigureOut">
               <a:rPr lang="en-US" smtClean="0"/>
-              <a:t>2/27/25</a:t>
+              <a:t>10/18/25</a:t>
             </a:fld>
             <a:endParaRPr lang="en-US"/>
           </a:p>
@@ -468,7 +469,7 @@
           <a:p>
             <a:fld id="{80F69AB6-3231-0B4B-92B3-5CB6F8134EAC}" type="datetimeFigureOut">
               <a:rPr lang="en-US" smtClean="0"/>
-              <a:t>2/27/25</a:t>
+              <a:t>10/18/25</a:t>
             </a:fld>
             <a:endParaRPr lang="en-US"/>
           </a:p>
@@ -676,7 +677,7 @@
           <a:p>
             <a:fld id="{80F69AB6-3231-0B4B-92B3-5CB6F8134EAC}" type="datetimeFigureOut">
               <a:rPr lang="en-US" smtClean="0"/>
-              <a:t>2/27/25</a:t>
+              <a:t>10/18/25</a:t>
             </a:fld>
             <a:endParaRPr lang="en-US"/>
           </a:p>
@@ -874,7 +875,7 @@
           <a:p>
             <a:fld id="{80F69AB6-3231-0B4B-92B3-5CB6F8134EAC}" type="datetimeFigureOut">
               <a:rPr lang="en-US" smtClean="0"/>
-              <a:t>2/27/25</a:t>
+              <a:t>10/18/25</a:t>
             </a:fld>
             <a:endParaRPr lang="en-US"/>
           </a:p>
@@ -1149,7 +1150,7 @@
           <a:p>
             <a:fld id="{80F69AB6-3231-0B4B-92B3-5CB6F8134EAC}" type="datetimeFigureOut">
               <a:rPr lang="en-US" smtClean="0"/>
-              <a:t>2/27/25</a:t>
+              <a:t>10/18/25</a:t>
             </a:fld>
             <a:endParaRPr lang="en-US"/>
           </a:p>
@@ -1414,7 +1415,7 @@
           <a:p>
             <a:fld id="{80F69AB6-3231-0B4B-92B3-5CB6F8134EAC}" type="datetimeFigureOut">
               <a:rPr lang="en-US" smtClean="0"/>
-              <a:t>2/27/25</a:t>
+              <a:t>10/18/25</a:t>
             </a:fld>
             <a:endParaRPr lang="en-US"/>
           </a:p>
@@ -1826,7 +1827,7 @@
           <a:p>
             <a:fld id="{80F69AB6-3231-0B4B-92B3-5CB6F8134EAC}" type="datetimeFigureOut">
               <a:rPr lang="en-US" smtClean="0"/>
-              <a:t>2/27/25</a:t>
+              <a:t>10/18/25</a:t>
             </a:fld>
             <a:endParaRPr lang="en-US"/>
           </a:p>
@@ -1967,7 +1968,7 @@
           <a:p>
             <a:fld id="{80F69AB6-3231-0B4B-92B3-5CB6F8134EAC}" type="datetimeFigureOut">
               <a:rPr lang="en-US" smtClean="0"/>
-              <a:t>2/27/25</a:t>
+              <a:t>10/18/25</a:t>
             </a:fld>
             <a:endParaRPr lang="en-US"/>
           </a:p>
@@ -2080,7 +2081,7 @@
           <a:p>
             <a:fld id="{80F69AB6-3231-0B4B-92B3-5CB6F8134EAC}" type="datetimeFigureOut">
               <a:rPr lang="en-US" smtClean="0"/>
-              <a:t>2/27/25</a:t>
+              <a:t>10/18/25</a:t>
             </a:fld>
             <a:endParaRPr lang="en-US"/>
           </a:p>
@@ -2391,7 +2392,7 @@
           <a:p>
             <a:fld id="{80F69AB6-3231-0B4B-92B3-5CB6F8134EAC}" type="datetimeFigureOut">
               <a:rPr lang="en-US" smtClean="0"/>
-              <a:t>2/27/25</a:t>
+              <a:t>10/18/25</a:t>
             </a:fld>
             <a:endParaRPr lang="en-US"/>
           </a:p>
@@ -2679,7 +2680,7 @@
           <a:p>
             <a:fld id="{80F69AB6-3231-0B4B-92B3-5CB6F8134EAC}" type="datetimeFigureOut">
               <a:rPr lang="en-US" smtClean="0"/>
-              <a:t>2/27/25</a:t>
+              <a:t>10/18/25</a:t>
             </a:fld>
             <a:endParaRPr lang="en-US"/>
           </a:p>
@@ -2920,7 +2921,7 @@
           <a:p>
             <a:fld id="{80F69AB6-3231-0B4B-92B3-5CB6F8134EAC}" type="datetimeFigureOut">
               <a:rPr lang="en-US" smtClean="0"/>
-              <a:t>2/27/25</a:t>
+              <a:t>10/18/25</a:t>
             </a:fld>
             <a:endParaRPr lang="en-US"/>
           </a:p>
@@ -3425,6 +3426,446 @@
           <p:cNvPr id="2" name="Title 1">
             <a:extLst>
               <a:ext uri="{FF2B5EF4-FFF2-40B4-BE49-F238E27FC236}">
+                <a16:creationId xmlns:a16="http://schemas.microsoft.com/office/drawing/2014/main" id="{C52839F5-2D92-81F3-16EA-71436404FD1D}"/>
+              </a:ext>
+            </a:extLst>
+          </p:cNvPr>
+          <p:cNvSpPr>
+            <a:spLocks noGrp="1"/>
+          </p:cNvSpPr>
+          <p:nvPr>
+            <p:ph type="title"/>
+          </p:nvPr>
+        </p:nvSpPr>
+        <p:spPr>
+          <a:xfrm>
+            <a:off x="838200" y="365126"/>
+            <a:ext cx="10515600" cy="555432"/>
+          </a:xfrm>
+        </p:spPr>
+        <p:txBody>
+          <a:bodyPr>
+            <a:normAutofit fontScale="90000"/>
+          </a:bodyPr>
+          <a:lstStyle/>
+          <a:p>
+            <a:r>
+              <a:rPr lang="en-US" dirty="0"/>
+              <a:t>Social Media Image</a:t>
+            </a:r>
+          </a:p>
+        </p:txBody>
+      </p:sp>
+      <p:sp>
+        <p:nvSpPr>
+          <p:cNvPr id="3" name="Content Placeholder 2">
+            <a:extLst>
+              <a:ext uri="{FF2B5EF4-FFF2-40B4-BE49-F238E27FC236}">
+                <a16:creationId xmlns:a16="http://schemas.microsoft.com/office/drawing/2014/main" id="{56528B54-55EE-651F-7636-28C2855FC9C7}"/>
+              </a:ext>
+            </a:extLst>
+          </p:cNvPr>
+          <p:cNvSpPr>
+            <a:spLocks noGrp="1"/>
+          </p:cNvSpPr>
+          <p:nvPr>
+            <p:ph idx="1"/>
+          </p:nvPr>
+        </p:nvSpPr>
+        <p:spPr>
+          <a:xfrm>
+            <a:off x="838200" y="5706737"/>
+            <a:ext cx="10515600" cy="470226"/>
+          </a:xfrm>
+        </p:spPr>
+        <p:txBody>
+          <a:bodyPr>
+            <a:normAutofit lnSpcReduction="10000"/>
+          </a:bodyPr>
+          <a:lstStyle/>
+          <a:p>
+            <a:endParaRPr lang="en-US" dirty="0"/>
+          </a:p>
+        </p:txBody>
+      </p:sp>
+      <p:pic>
+        <p:nvPicPr>
+          <p:cNvPr id="4" name="Picture 2">
+            <a:extLst>
+              <a:ext uri="{FF2B5EF4-FFF2-40B4-BE49-F238E27FC236}">
+                <a16:creationId xmlns:a16="http://schemas.microsoft.com/office/drawing/2014/main" id="{0BF59702-0B3E-0654-AD67-F2C225B4B14D}"/>
+              </a:ext>
+            </a:extLst>
+          </p:cNvPr>
+          <p:cNvPicPr>
+            <a:picLocks noChangeAspect="1" noChangeArrowheads="1"/>
+          </p:cNvPicPr>
+          <p:nvPr/>
+        </p:nvPicPr>
+        <p:blipFill rotWithShape="1">
+          <a:blip r:embed="rId2">
+            <a:extLst>
+              <a:ext uri="{28A0092B-C50C-407E-A947-70E740481C1C}">
+                <a14:useLocalDpi xmlns:a14="http://schemas.microsoft.com/office/drawing/2010/main" val="0"/>
+              </a:ext>
+            </a:extLst>
+          </a:blip>
+          <a:srcRect t="59456"/>
+          <a:stretch/>
+        </p:blipFill>
+        <p:spPr bwMode="auto">
+          <a:xfrm>
+            <a:off x="3410911" y="4173132"/>
+            <a:ext cx="2248271" cy="630960"/>
+          </a:xfrm>
+          <a:prstGeom prst="rect">
+            <a:avLst/>
+          </a:prstGeom>
+          <a:noFill/>
+          <a:extLst>
+            <a:ext uri="{909E8E84-426E-40DD-AFC4-6F175D3DCCD1}">
+              <a14:hiddenFill xmlns:a14="http://schemas.microsoft.com/office/drawing/2010/main">
+                <a:solidFill>
+                  <a:srgbClr val="FFFFFF"/>
+                </a:solidFill>
+              </a14:hiddenFill>
+            </a:ext>
+          </a:extLst>
+        </p:spPr>
+      </p:pic>
+      <p:pic>
+        <p:nvPicPr>
+          <p:cNvPr id="5" name="Picture 6">
+            <a:extLst>
+              <a:ext uri="{FF2B5EF4-FFF2-40B4-BE49-F238E27FC236}">
+                <a16:creationId xmlns:a16="http://schemas.microsoft.com/office/drawing/2014/main" id="{DBFB92F0-3441-61B8-D1DA-89469DECB2CF}"/>
+              </a:ext>
+            </a:extLst>
+          </p:cNvPr>
+          <p:cNvPicPr>
+            <a:picLocks noChangeAspect="1" noChangeArrowheads="1"/>
+          </p:cNvPicPr>
+          <p:nvPr/>
+        </p:nvPicPr>
+        <p:blipFill>
+          <a:blip r:embed="rId3">
+            <a:extLst>
+              <a:ext uri="{28A0092B-C50C-407E-A947-70E740481C1C}">
+                <a14:useLocalDpi xmlns:a14="http://schemas.microsoft.com/office/drawing/2010/main" val="0"/>
+              </a:ext>
+            </a:extLst>
+          </a:blip>
+          <a:srcRect/>
+          <a:stretch>
+            <a:fillRect/>
+          </a:stretch>
+        </p:blipFill>
+        <p:spPr bwMode="auto">
+          <a:xfrm>
+            <a:off x="6956321" y="3821549"/>
+            <a:ext cx="1888851" cy="861788"/>
+          </a:xfrm>
+          <a:prstGeom prst="rect">
+            <a:avLst/>
+          </a:prstGeom>
+          <a:noFill/>
+          <a:extLst>
+            <a:ext uri="{909E8E84-426E-40DD-AFC4-6F175D3DCCD1}">
+              <a14:hiddenFill xmlns:a14="http://schemas.microsoft.com/office/drawing/2010/main">
+                <a:solidFill>
+                  <a:srgbClr val="FFFFFF"/>
+                </a:solidFill>
+              </a14:hiddenFill>
+            </a:ext>
+          </a:extLst>
+        </p:spPr>
+      </p:pic>
+      <p:sp>
+        <p:nvSpPr>
+          <p:cNvPr id="6" name="Cross 5">
+            <a:extLst>
+              <a:ext uri="{FF2B5EF4-FFF2-40B4-BE49-F238E27FC236}">
+                <a16:creationId xmlns:a16="http://schemas.microsoft.com/office/drawing/2014/main" id="{1B25BBDF-0704-B48F-8CAB-8BD43264977F}"/>
+              </a:ext>
+            </a:extLst>
+          </p:cNvPr>
+          <p:cNvSpPr/>
+          <p:nvPr/>
+        </p:nvSpPr>
+        <p:spPr>
+          <a:xfrm>
+            <a:off x="6026492" y="4012342"/>
+            <a:ext cx="555755" cy="555431"/>
+          </a:xfrm>
+          <a:prstGeom prst="plus">
+            <a:avLst>
+              <a:gd name="adj" fmla="val 36433"/>
+            </a:avLst>
+          </a:prstGeom>
+          <a:solidFill>
+            <a:schemeClr val="tx1"/>
+          </a:solidFill>
+          <a:ln>
+            <a:noFill/>
+          </a:ln>
+        </p:spPr>
+        <p:style>
+          <a:lnRef idx="2">
+            <a:schemeClr val="accent1">
+              <a:shade val="15000"/>
+            </a:schemeClr>
+          </a:lnRef>
+          <a:fillRef idx="1">
+            <a:schemeClr val="accent1"/>
+          </a:fillRef>
+          <a:effectRef idx="0">
+            <a:schemeClr val="accent1"/>
+          </a:effectRef>
+          <a:fontRef idx="minor">
+            <a:schemeClr val="lt1"/>
+          </a:fontRef>
+        </p:style>
+        <p:txBody>
+          <a:bodyPr rtlCol="0" anchor="ctr"/>
+          <a:lstStyle/>
+          <a:p>
+            <a:pPr algn="ctr"/>
+            <a:endParaRPr lang="en-US"/>
+          </a:p>
+        </p:txBody>
+      </p:sp>
+      <p:sp>
+        <p:nvSpPr>
+          <p:cNvPr id="11" name="TextBox 10">
+            <a:extLst>
+              <a:ext uri="{FF2B5EF4-FFF2-40B4-BE49-F238E27FC236}">
+                <a16:creationId xmlns:a16="http://schemas.microsoft.com/office/drawing/2014/main" id="{A800B20F-E75A-B314-3C98-318E2FA8A6D3}"/>
+              </a:ext>
+            </a:extLst>
+          </p:cNvPr>
+          <p:cNvSpPr txBox="1"/>
+          <p:nvPr/>
+        </p:nvSpPr>
+        <p:spPr>
+          <a:xfrm>
+            <a:off x="2481943" y="1201785"/>
+            <a:ext cx="7438571" cy="2308324"/>
+          </a:xfrm>
+          <a:prstGeom prst="rect">
+            <a:avLst/>
+          </a:prstGeom>
+          <a:noFill/>
+          <a:ln>
+            <a:noFill/>
+          </a:ln>
+        </p:spPr>
+        <p:txBody>
+          <a:bodyPr wrap="square" rtlCol="0">
+            <a:spAutoFit/>
+          </a:bodyPr>
+          <a:lstStyle/>
+          <a:p>
+            <a:pPr algn="ctr"/>
+            <a:r>
+              <a:rPr lang="en-US" sz="7200" b="1" dirty="0">
+                <a:gradFill flip="none" rotWithShape="1">
+                  <a:gsLst>
+                    <a:gs pos="0">
+                      <a:srgbClr val="FF0000"/>
+                    </a:gs>
+                    <a:gs pos="79000">
+                      <a:srgbClr val="0070C0"/>
+                    </a:gs>
+                    <a:gs pos="61000">
+                      <a:srgbClr val="00B050"/>
+                    </a:gs>
+                    <a:gs pos="40000">
+                      <a:srgbClr val="E7E700"/>
+                    </a:gs>
+                    <a:gs pos="20000">
+                      <a:srgbClr val="FFC000"/>
+                    </a:gs>
+                    <a:gs pos="100000">
+                      <a:srgbClr val="7030A0"/>
+                    </a:gs>
+                  </a:gsLst>
+                  <a:lin ang="0" scaled="1"/>
+                  <a:tileRect/>
+                </a:gradFill>
+                <a:latin typeface="Arial" panose="020B0604020202020204" pitchFamily="34" charset="0"/>
+                <a:cs typeface="Arial" panose="020B0604020202020204" pitchFamily="34" charset="0"/>
+              </a:rPr>
+              <a:t>MicroSims for</a:t>
+            </a:r>
+          </a:p>
+          <a:p>
+            <a:pPr algn="ctr"/>
+            <a:r>
+              <a:rPr lang="en-US" sz="7200" b="1" dirty="0">
+                <a:gradFill flip="none" rotWithShape="1">
+                  <a:gsLst>
+                    <a:gs pos="0">
+                      <a:srgbClr val="FF0000"/>
+                    </a:gs>
+                    <a:gs pos="79000">
+                      <a:srgbClr val="0070C0"/>
+                    </a:gs>
+                    <a:gs pos="61000">
+                      <a:srgbClr val="00B050"/>
+                    </a:gs>
+                    <a:gs pos="40000">
+                      <a:srgbClr val="E7E700"/>
+                    </a:gs>
+                    <a:gs pos="20000">
+                      <a:srgbClr val="FFC000"/>
+                    </a:gs>
+                    <a:gs pos="100000">
+                      <a:srgbClr val="7030A0"/>
+                    </a:gs>
+                  </a:gsLst>
+                  <a:lin ang="0" scaled="1"/>
+                  <a:tileRect/>
+                </a:gradFill>
+                <a:latin typeface="Arial" panose="020B0604020202020204" pitchFamily="34" charset="0"/>
+                <a:cs typeface="Arial" panose="020B0604020202020204" pitchFamily="34" charset="0"/>
+              </a:rPr>
+              <a:t>Education</a:t>
+            </a:r>
+          </a:p>
+        </p:txBody>
+      </p:sp>
+      <p:sp>
+        <p:nvSpPr>
+          <p:cNvPr id="8" name="Rectangle 7">
+            <a:extLst>
+              <a:ext uri="{FF2B5EF4-FFF2-40B4-BE49-F238E27FC236}">
+                <a16:creationId xmlns:a16="http://schemas.microsoft.com/office/drawing/2014/main" id="{74594C62-6DD5-E0C0-41C2-0817D8D9535A}"/>
+              </a:ext>
+            </a:extLst>
+          </p:cNvPr>
+          <p:cNvSpPr/>
+          <p:nvPr/>
+        </p:nvSpPr>
+        <p:spPr>
+          <a:xfrm>
+            <a:off x="2481943" y="1201785"/>
+            <a:ext cx="7438571" cy="3849186"/>
+          </a:xfrm>
+          <a:prstGeom prst="rect">
+            <a:avLst/>
+          </a:prstGeom>
+          <a:noFill/>
+          <a:ln>
+            <a:solidFill>
+              <a:schemeClr val="tx1"/>
+            </a:solidFill>
+          </a:ln>
+        </p:spPr>
+        <p:style>
+          <a:lnRef idx="2">
+            <a:schemeClr val="accent1">
+              <a:shade val="15000"/>
+            </a:schemeClr>
+          </a:lnRef>
+          <a:fillRef idx="1">
+            <a:schemeClr val="accent1"/>
+          </a:fillRef>
+          <a:effectRef idx="0">
+            <a:schemeClr val="accent1"/>
+          </a:effectRef>
+          <a:fontRef idx="minor">
+            <a:schemeClr val="lt1"/>
+          </a:fontRef>
+        </p:style>
+        <p:txBody>
+          <a:bodyPr rtlCol="0" anchor="ctr"/>
+          <a:lstStyle/>
+          <a:p>
+            <a:pPr algn="ctr"/>
+            <a:endParaRPr lang="en-US"/>
+          </a:p>
+        </p:txBody>
+      </p:sp>
+      <p:pic>
+        <p:nvPicPr>
+          <p:cNvPr id="9" name="Picture 2">
+            <a:extLst>
+              <a:ext uri="{FF2B5EF4-FFF2-40B4-BE49-F238E27FC236}">
+                <a16:creationId xmlns:a16="http://schemas.microsoft.com/office/drawing/2014/main" id="{3DD5D0A0-A3C9-777E-A9F9-0135A3892531}"/>
+              </a:ext>
+            </a:extLst>
+          </p:cNvPr>
+          <p:cNvPicPr>
+            <a:picLocks noChangeAspect="1" noChangeArrowheads="1"/>
+          </p:cNvPicPr>
+          <p:nvPr/>
+        </p:nvPicPr>
+        <p:blipFill rotWithShape="1">
+          <a:blip r:embed="rId2">
+            <a:extLst>
+              <a:ext uri="{28A0092B-C50C-407E-A947-70E740481C1C}">
+                <a14:useLocalDpi xmlns:a14="http://schemas.microsoft.com/office/drawing/2010/main" val="0"/>
+              </a:ext>
+            </a:extLst>
+          </a:blip>
+          <a:srcRect b="46805"/>
+          <a:stretch/>
+        </p:blipFill>
+        <p:spPr bwMode="auto">
+          <a:xfrm>
+            <a:off x="3410911" y="3480814"/>
+            <a:ext cx="2248271" cy="827848"/>
+          </a:xfrm>
+          <a:prstGeom prst="rect">
+            <a:avLst/>
+          </a:prstGeom>
+          <a:noFill/>
+          <a:extLst>
+            <a:ext uri="{909E8E84-426E-40DD-AFC4-6F175D3DCCD1}">
+              <a14:hiddenFill xmlns:a14="http://schemas.microsoft.com/office/drawing/2010/main">
+                <a:solidFill>
+                  <a:srgbClr val="FFFFFF"/>
+                </a:solidFill>
+              </a14:hiddenFill>
+            </a:ext>
+          </a:extLst>
+        </p:spPr>
+      </p:pic>
+    </p:spTree>
+    <p:extLst>
+      <p:ext uri="{BB962C8B-B14F-4D97-AF65-F5344CB8AC3E}">
+        <p14:creationId xmlns:p14="http://schemas.microsoft.com/office/powerpoint/2010/main" val="3308929149"/>
+      </p:ext>
+    </p:extLst>
+  </p:cSld>
+  <p:clrMapOvr>
+    <a:masterClrMapping/>
+  </p:clrMapOvr>
+</p:sld>
+</file>
+
+<file path=ppt/slides/slide11.xml><?xml version="1.0" encoding="utf-8"?>
+<p:sld xmlns:a="http://schemas.openxmlformats.org/drawingml/2006/main" xmlns:r="http://schemas.openxmlformats.org/officeDocument/2006/relationships" xmlns:p="http://schemas.openxmlformats.org/presentationml/2006/main">
+  <p:cSld>
+    <p:spTree>
+      <p:nvGrpSpPr>
+        <p:cNvPr id="1" name=""/>
+        <p:cNvGrpSpPr/>
+        <p:nvPr/>
+      </p:nvGrpSpPr>
+      <p:grpSpPr>
+        <a:xfrm>
+          <a:off x="0" y="0"/>
+          <a:ext cx="0" cy="0"/>
+          <a:chOff x="0" y="0"/>
+          <a:chExt cx="0" cy="0"/>
+        </a:xfrm>
+      </p:grpSpPr>
+      <p:sp>
+        <p:nvSpPr>
+          <p:cNvPr id="2" name="Title 1">
+            <a:extLst>
+              <a:ext uri="{FF2B5EF4-FFF2-40B4-BE49-F238E27FC236}">
                 <a16:creationId xmlns:a16="http://schemas.microsoft.com/office/drawing/2014/main" id="{6E9EBE89-B871-BACC-8FA4-A51B5C4A7241}"/>
               </a:ext>
             </a:extLst>
@@ -3588,7 +4029,7 @@
 </p:sld>
 </file>
 
-<file path=ppt/slides/slide11.xml><?xml version="1.0" encoding="utf-8"?>
+<file path=ppt/slides/slide12.xml><?xml version="1.0" encoding="utf-8"?>
 <p:sld xmlns:a="http://schemas.openxmlformats.org/drawingml/2006/main" xmlns:r="http://schemas.openxmlformats.org/officeDocument/2006/relationships" xmlns:p="http://schemas.openxmlformats.org/presentationml/2006/main">
   <p:cSld>
     <p:spTree>
@@ -3763,7 +4204,7 @@
 </p:sld>
 </file>
 
-<file path=ppt/slides/slide12.xml><?xml version="1.0" encoding="utf-8"?>
+<file path=ppt/slides/slide13.xml><?xml version="1.0" encoding="utf-8"?>
 <p:sld xmlns:a="http://schemas.openxmlformats.org/drawingml/2006/main" xmlns:r="http://schemas.openxmlformats.org/officeDocument/2006/relationships" xmlns:p="http://schemas.openxmlformats.org/presentationml/2006/main">
   <p:cSld>
     <p:spTree>
@@ -3977,6 +4418,77 @@
 </file>
 
 <file path=ppt/slides/slide2.xml><?xml version="1.0" encoding="utf-8"?>
+<p:sld xmlns:a="http://schemas.openxmlformats.org/drawingml/2006/main" xmlns:r="http://schemas.openxmlformats.org/officeDocument/2006/relationships" xmlns:p="http://schemas.openxmlformats.org/presentationml/2006/main">
+  <p:cSld>
+    <p:spTree>
+      <p:nvGrpSpPr>
+        <p:cNvPr id="1" name=""/>
+        <p:cNvGrpSpPr/>
+        <p:nvPr/>
+      </p:nvGrpSpPr>
+      <p:grpSpPr>
+        <a:xfrm>
+          <a:off x="0" y="0"/>
+          <a:ext cx="0" cy="0"/>
+          <a:chOff x="0" y="0"/>
+          <a:chExt cx="0" cy="0"/>
+        </a:xfrm>
+      </p:grpSpPr>
+      <p:sp>
+        <p:nvSpPr>
+          <p:cNvPr id="2" name="Title 1">
+            <a:extLst>
+              <a:ext uri="{FF2B5EF4-FFF2-40B4-BE49-F238E27FC236}">
+                <a16:creationId xmlns:a16="http://schemas.microsoft.com/office/drawing/2014/main" id="{8CD270C4-EF9C-070F-48E2-01CB2E7AF274}"/>
+              </a:ext>
+            </a:extLst>
+          </p:cNvPr>
+          <p:cNvSpPr>
+            <a:spLocks noGrp="1"/>
+          </p:cNvSpPr>
+          <p:nvPr>
+            <p:ph type="title"/>
+          </p:nvPr>
+        </p:nvSpPr>
+        <p:spPr>
+          <a:xfrm>
+            <a:off x="303811" y="210746"/>
+            <a:ext cx="10515600" cy="822407"/>
+          </a:xfrm>
+        </p:spPr>
+        <p:txBody>
+          <a:bodyPr/>
+          <a:lstStyle/>
+          <a:p>
+            <a:r>
+              <a:rPr lang="en-US" dirty="0"/>
+              <a:t>Sample </a:t>
+            </a:r>
+            <a:r>
+              <a:rPr lang="en-US" dirty="0" err="1"/>
+              <a:t>MicroSim</a:t>
+            </a:r>
+            <a:r>
+              <a:rPr lang="en-US" dirty="0"/>
+              <a:t> with Annotations</a:t>
+            </a:r>
+          </a:p>
+        </p:txBody>
+      </p:sp>
+    </p:spTree>
+    <p:extLst>
+      <p:ext uri="{BB962C8B-B14F-4D97-AF65-F5344CB8AC3E}">
+        <p14:creationId xmlns:p14="http://schemas.microsoft.com/office/powerpoint/2010/main" val="1494581181"/>
+      </p:ext>
+    </p:extLst>
+  </p:cSld>
+  <p:clrMapOvr>
+    <a:masterClrMapping/>
+  </p:clrMapOvr>
+</p:sld>
+</file>
+
+<file path=ppt/slides/slide3.xml><?xml version="1.0" encoding="utf-8"?>
 <p:sld xmlns:a="http://schemas.openxmlformats.org/drawingml/2006/main" xmlns:r="http://schemas.openxmlformats.org/officeDocument/2006/relationships" xmlns:p="http://schemas.openxmlformats.org/presentationml/2006/main">
   <p:cSld>
     <p:spTree>
@@ -4380,7 +4892,7 @@
 </p:sld>
 </file>
 
-<file path=ppt/slides/slide3.xml><?xml version="1.0" encoding="utf-8"?>
+<file path=ppt/slides/slide4.xml><?xml version="1.0" encoding="utf-8"?>
 <p:sld xmlns:a="http://schemas.openxmlformats.org/drawingml/2006/main" xmlns:r="http://schemas.openxmlformats.org/officeDocument/2006/relationships" xmlns:p="http://schemas.openxmlformats.org/presentationml/2006/main">
   <p:cSld>
     <p:spTree>
@@ -4813,7 +5325,7 @@
 </p:sld>
 </file>
 
-<file path=ppt/slides/slide4.xml><?xml version="1.0" encoding="utf-8"?>
+<file path=ppt/slides/slide5.xml><?xml version="1.0" encoding="utf-8"?>
 <p:sld xmlns:a="http://schemas.openxmlformats.org/drawingml/2006/main" xmlns:r="http://schemas.openxmlformats.org/officeDocument/2006/relationships" xmlns:p="http://schemas.openxmlformats.org/presentationml/2006/main">
   <p:cSld>
     <p:spTree>
@@ -4996,7 +5508,7 @@
 </p:sld>
 </file>
 
-<file path=ppt/slides/slide5.xml><?xml version="1.0" encoding="utf-8"?>
+<file path=ppt/slides/slide6.xml><?xml version="1.0" encoding="utf-8"?>
 <p:sld xmlns:a="http://schemas.openxmlformats.org/drawingml/2006/main" xmlns:r="http://schemas.openxmlformats.org/officeDocument/2006/relationships" xmlns:p="http://schemas.openxmlformats.org/presentationml/2006/main">
   <p:cSld>
     <p:spTree>
@@ -5162,7 +5674,7 @@
 </p:sld>
 </file>
 
-<file path=ppt/slides/slide6.xml><?xml version="1.0" encoding="utf-8"?>
+<file path=ppt/slides/slide7.xml><?xml version="1.0" encoding="utf-8"?>
 <p:sld xmlns:a="http://schemas.openxmlformats.org/drawingml/2006/main" xmlns:r="http://schemas.openxmlformats.org/officeDocument/2006/relationships" xmlns:p="http://schemas.openxmlformats.org/presentationml/2006/main">
   <p:cSld>
     <p:spTree>
@@ -5472,7 +5984,7 @@
 </p:sld>
 </file>
 
-<file path=ppt/slides/slide7.xml><?xml version="1.0" encoding="utf-8"?>
+<file path=ppt/slides/slide8.xml><?xml version="1.0" encoding="utf-8"?>
 <p:sld xmlns:a="http://schemas.openxmlformats.org/drawingml/2006/main" xmlns:r="http://schemas.openxmlformats.org/officeDocument/2006/relationships" xmlns:p="http://schemas.openxmlformats.org/presentationml/2006/main">
   <p:cSld>
     <p:spTree>
@@ -5587,7 +6099,7 @@
 </p:sld>
 </file>
 
-<file path=ppt/slides/slide8.xml><?xml version="1.0" encoding="utf-8"?>
+<file path=ppt/slides/slide9.xml><?xml version="1.0" encoding="utf-8"?>
 <p:sld xmlns:a="http://schemas.openxmlformats.org/drawingml/2006/main" xmlns:r="http://schemas.openxmlformats.org/officeDocument/2006/relationships" xmlns:p="http://schemas.openxmlformats.org/presentationml/2006/main">
   <p:cSld>
     <p:spTree>
@@ -6018,446 +6530,6 @@
     <p:extLst>
       <p:ext uri="{BB962C8B-B14F-4D97-AF65-F5344CB8AC3E}">
         <p14:creationId xmlns:p14="http://schemas.microsoft.com/office/powerpoint/2010/main" val="380098271"/>
-      </p:ext>
-    </p:extLst>
-  </p:cSld>
-  <p:clrMapOvr>
-    <a:masterClrMapping/>
-  </p:clrMapOvr>
-</p:sld>
-</file>
-
-<file path=ppt/slides/slide9.xml><?xml version="1.0" encoding="utf-8"?>
-<p:sld xmlns:a="http://schemas.openxmlformats.org/drawingml/2006/main" xmlns:r="http://schemas.openxmlformats.org/officeDocument/2006/relationships" xmlns:p="http://schemas.openxmlformats.org/presentationml/2006/main">
-  <p:cSld>
-    <p:spTree>
-      <p:nvGrpSpPr>
-        <p:cNvPr id="1" name=""/>
-        <p:cNvGrpSpPr/>
-        <p:nvPr/>
-      </p:nvGrpSpPr>
-      <p:grpSpPr>
-        <a:xfrm>
-          <a:off x="0" y="0"/>
-          <a:ext cx="0" cy="0"/>
-          <a:chOff x="0" y="0"/>
-          <a:chExt cx="0" cy="0"/>
-        </a:xfrm>
-      </p:grpSpPr>
-      <p:sp>
-        <p:nvSpPr>
-          <p:cNvPr id="2" name="Title 1">
-            <a:extLst>
-              <a:ext uri="{FF2B5EF4-FFF2-40B4-BE49-F238E27FC236}">
-                <a16:creationId xmlns:a16="http://schemas.microsoft.com/office/drawing/2014/main" id="{C52839F5-2D92-81F3-16EA-71436404FD1D}"/>
-              </a:ext>
-            </a:extLst>
-          </p:cNvPr>
-          <p:cNvSpPr>
-            <a:spLocks noGrp="1"/>
-          </p:cNvSpPr>
-          <p:nvPr>
-            <p:ph type="title"/>
-          </p:nvPr>
-        </p:nvSpPr>
-        <p:spPr>
-          <a:xfrm>
-            <a:off x="838200" y="365126"/>
-            <a:ext cx="10515600" cy="555432"/>
-          </a:xfrm>
-        </p:spPr>
-        <p:txBody>
-          <a:bodyPr>
-            <a:normAutofit fontScale="90000"/>
-          </a:bodyPr>
-          <a:lstStyle/>
-          <a:p>
-            <a:r>
-              <a:rPr lang="en-US" dirty="0"/>
-              <a:t>Social Media Image</a:t>
-            </a:r>
-          </a:p>
-        </p:txBody>
-      </p:sp>
-      <p:sp>
-        <p:nvSpPr>
-          <p:cNvPr id="3" name="Content Placeholder 2">
-            <a:extLst>
-              <a:ext uri="{FF2B5EF4-FFF2-40B4-BE49-F238E27FC236}">
-                <a16:creationId xmlns:a16="http://schemas.microsoft.com/office/drawing/2014/main" id="{56528B54-55EE-651F-7636-28C2855FC9C7}"/>
-              </a:ext>
-            </a:extLst>
-          </p:cNvPr>
-          <p:cNvSpPr>
-            <a:spLocks noGrp="1"/>
-          </p:cNvSpPr>
-          <p:nvPr>
-            <p:ph idx="1"/>
-          </p:nvPr>
-        </p:nvSpPr>
-        <p:spPr>
-          <a:xfrm>
-            <a:off x="838200" y="5706737"/>
-            <a:ext cx="10515600" cy="470226"/>
-          </a:xfrm>
-        </p:spPr>
-        <p:txBody>
-          <a:bodyPr>
-            <a:normAutofit lnSpcReduction="10000"/>
-          </a:bodyPr>
-          <a:lstStyle/>
-          <a:p>
-            <a:endParaRPr lang="en-US" dirty="0"/>
-          </a:p>
-        </p:txBody>
-      </p:sp>
-      <p:pic>
-        <p:nvPicPr>
-          <p:cNvPr id="4" name="Picture 2">
-            <a:extLst>
-              <a:ext uri="{FF2B5EF4-FFF2-40B4-BE49-F238E27FC236}">
-                <a16:creationId xmlns:a16="http://schemas.microsoft.com/office/drawing/2014/main" id="{0BF59702-0B3E-0654-AD67-F2C225B4B14D}"/>
-              </a:ext>
-            </a:extLst>
-          </p:cNvPr>
-          <p:cNvPicPr>
-            <a:picLocks noChangeAspect="1" noChangeArrowheads="1"/>
-          </p:cNvPicPr>
-          <p:nvPr/>
-        </p:nvPicPr>
-        <p:blipFill rotWithShape="1">
-          <a:blip r:embed="rId2">
-            <a:extLst>
-              <a:ext uri="{28A0092B-C50C-407E-A947-70E740481C1C}">
-                <a14:useLocalDpi xmlns:a14="http://schemas.microsoft.com/office/drawing/2010/main" val="0"/>
-              </a:ext>
-            </a:extLst>
-          </a:blip>
-          <a:srcRect t="59456"/>
-          <a:stretch/>
-        </p:blipFill>
-        <p:spPr bwMode="auto">
-          <a:xfrm>
-            <a:off x="3410911" y="4173132"/>
-            <a:ext cx="2248271" cy="630960"/>
-          </a:xfrm>
-          <a:prstGeom prst="rect">
-            <a:avLst/>
-          </a:prstGeom>
-          <a:noFill/>
-          <a:extLst>
-            <a:ext uri="{909E8E84-426E-40DD-AFC4-6F175D3DCCD1}">
-              <a14:hiddenFill xmlns:a14="http://schemas.microsoft.com/office/drawing/2010/main">
-                <a:solidFill>
-                  <a:srgbClr val="FFFFFF"/>
-                </a:solidFill>
-              </a14:hiddenFill>
-            </a:ext>
-          </a:extLst>
-        </p:spPr>
-      </p:pic>
-      <p:pic>
-        <p:nvPicPr>
-          <p:cNvPr id="5" name="Picture 6">
-            <a:extLst>
-              <a:ext uri="{FF2B5EF4-FFF2-40B4-BE49-F238E27FC236}">
-                <a16:creationId xmlns:a16="http://schemas.microsoft.com/office/drawing/2014/main" id="{DBFB92F0-3441-61B8-D1DA-89469DECB2CF}"/>
-              </a:ext>
-            </a:extLst>
-          </p:cNvPr>
-          <p:cNvPicPr>
-            <a:picLocks noChangeAspect="1" noChangeArrowheads="1"/>
-          </p:cNvPicPr>
-          <p:nvPr/>
-        </p:nvPicPr>
-        <p:blipFill>
-          <a:blip r:embed="rId3">
-            <a:extLst>
-              <a:ext uri="{28A0092B-C50C-407E-A947-70E740481C1C}">
-                <a14:useLocalDpi xmlns:a14="http://schemas.microsoft.com/office/drawing/2010/main" val="0"/>
-              </a:ext>
-            </a:extLst>
-          </a:blip>
-          <a:srcRect/>
-          <a:stretch>
-            <a:fillRect/>
-          </a:stretch>
-        </p:blipFill>
-        <p:spPr bwMode="auto">
-          <a:xfrm>
-            <a:off x="6956321" y="3821549"/>
-            <a:ext cx="1888851" cy="861788"/>
-          </a:xfrm>
-          <a:prstGeom prst="rect">
-            <a:avLst/>
-          </a:prstGeom>
-          <a:noFill/>
-          <a:extLst>
-            <a:ext uri="{909E8E84-426E-40DD-AFC4-6F175D3DCCD1}">
-              <a14:hiddenFill xmlns:a14="http://schemas.microsoft.com/office/drawing/2010/main">
-                <a:solidFill>
-                  <a:srgbClr val="FFFFFF"/>
-                </a:solidFill>
-              </a14:hiddenFill>
-            </a:ext>
-          </a:extLst>
-        </p:spPr>
-      </p:pic>
-      <p:sp>
-        <p:nvSpPr>
-          <p:cNvPr id="6" name="Cross 5">
-            <a:extLst>
-              <a:ext uri="{FF2B5EF4-FFF2-40B4-BE49-F238E27FC236}">
-                <a16:creationId xmlns:a16="http://schemas.microsoft.com/office/drawing/2014/main" id="{1B25BBDF-0704-B48F-8CAB-8BD43264977F}"/>
-              </a:ext>
-            </a:extLst>
-          </p:cNvPr>
-          <p:cNvSpPr/>
-          <p:nvPr/>
-        </p:nvSpPr>
-        <p:spPr>
-          <a:xfrm>
-            <a:off x="6026492" y="4012342"/>
-            <a:ext cx="555755" cy="555431"/>
-          </a:xfrm>
-          <a:prstGeom prst="plus">
-            <a:avLst>
-              <a:gd name="adj" fmla="val 36433"/>
-            </a:avLst>
-          </a:prstGeom>
-          <a:solidFill>
-            <a:schemeClr val="tx1"/>
-          </a:solidFill>
-          <a:ln>
-            <a:noFill/>
-          </a:ln>
-        </p:spPr>
-        <p:style>
-          <a:lnRef idx="2">
-            <a:schemeClr val="accent1">
-              <a:shade val="15000"/>
-            </a:schemeClr>
-          </a:lnRef>
-          <a:fillRef idx="1">
-            <a:schemeClr val="accent1"/>
-          </a:fillRef>
-          <a:effectRef idx="0">
-            <a:schemeClr val="accent1"/>
-          </a:effectRef>
-          <a:fontRef idx="minor">
-            <a:schemeClr val="lt1"/>
-          </a:fontRef>
-        </p:style>
-        <p:txBody>
-          <a:bodyPr rtlCol="0" anchor="ctr"/>
-          <a:lstStyle/>
-          <a:p>
-            <a:pPr algn="ctr"/>
-            <a:endParaRPr lang="en-US"/>
-          </a:p>
-        </p:txBody>
-      </p:sp>
-      <p:sp>
-        <p:nvSpPr>
-          <p:cNvPr id="11" name="TextBox 10">
-            <a:extLst>
-              <a:ext uri="{FF2B5EF4-FFF2-40B4-BE49-F238E27FC236}">
-                <a16:creationId xmlns:a16="http://schemas.microsoft.com/office/drawing/2014/main" id="{A800B20F-E75A-B314-3C98-318E2FA8A6D3}"/>
-              </a:ext>
-            </a:extLst>
-          </p:cNvPr>
-          <p:cNvSpPr txBox="1"/>
-          <p:nvPr/>
-        </p:nvSpPr>
-        <p:spPr>
-          <a:xfrm>
-            <a:off x="2481943" y="1201785"/>
-            <a:ext cx="7438571" cy="2308324"/>
-          </a:xfrm>
-          <a:prstGeom prst="rect">
-            <a:avLst/>
-          </a:prstGeom>
-          <a:noFill/>
-          <a:ln>
-            <a:noFill/>
-          </a:ln>
-        </p:spPr>
-        <p:txBody>
-          <a:bodyPr wrap="square" rtlCol="0">
-            <a:spAutoFit/>
-          </a:bodyPr>
-          <a:lstStyle/>
-          <a:p>
-            <a:pPr algn="ctr"/>
-            <a:r>
-              <a:rPr lang="en-US" sz="7200" b="1" dirty="0">
-                <a:gradFill flip="none" rotWithShape="1">
-                  <a:gsLst>
-                    <a:gs pos="0">
-                      <a:srgbClr val="FF0000"/>
-                    </a:gs>
-                    <a:gs pos="79000">
-                      <a:srgbClr val="0070C0"/>
-                    </a:gs>
-                    <a:gs pos="61000">
-                      <a:srgbClr val="00B050"/>
-                    </a:gs>
-                    <a:gs pos="40000">
-                      <a:srgbClr val="E7E700"/>
-                    </a:gs>
-                    <a:gs pos="20000">
-                      <a:srgbClr val="FFC000"/>
-                    </a:gs>
-                    <a:gs pos="100000">
-                      <a:srgbClr val="7030A0"/>
-                    </a:gs>
-                  </a:gsLst>
-                  <a:lin ang="0" scaled="1"/>
-                  <a:tileRect/>
-                </a:gradFill>
-                <a:latin typeface="Arial" panose="020B0604020202020204" pitchFamily="34" charset="0"/>
-                <a:cs typeface="Arial" panose="020B0604020202020204" pitchFamily="34" charset="0"/>
-              </a:rPr>
-              <a:t>MicroSims for</a:t>
-            </a:r>
-          </a:p>
-          <a:p>
-            <a:pPr algn="ctr"/>
-            <a:r>
-              <a:rPr lang="en-US" sz="7200" b="1" dirty="0">
-                <a:gradFill flip="none" rotWithShape="1">
-                  <a:gsLst>
-                    <a:gs pos="0">
-                      <a:srgbClr val="FF0000"/>
-                    </a:gs>
-                    <a:gs pos="79000">
-                      <a:srgbClr val="0070C0"/>
-                    </a:gs>
-                    <a:gs pos="61000">
-                      <a:srgbClr val="00B050"/>
-                    </a:gs>
-                    <a:gs pos="40000">
-                      <a:srgbClr val="E7E700"/>
-                    </a:gs>
-                    <a:gs pos="20000">
-                      <a:srgbClr val="FFC000"/>
-                    </a:gs>
-                    <a:gs pos="100000">
-                      <a:srgbClr val="7030A0"/>
-                    </a:gs>
-                  </a:gsLst>
-                  <a:lin ang="0" scaled="1"/>
-                  <a:tileRect/>
-                </a:gradFill>
-                <a:latin typeface="Arial" panose="020B0604020202020204" pitchFamily="34" charset="0"/>
-                <a:cs typeface="Arial" panose="020B0604020202020204" pitchFamily="34" charset="0"/>
-              </a:rPr>
-              <a:t>Education</a:t>
-            </a:r>
-          </a:p>
-        </p:txBody>
-      </p:sp>
-      <p:sp>
-        <p:nvSpPr>
-          <p:cNvPr id="8" name="Rectangle 7">
-            <a:extLst>
-              <a:ext uri="{FF2B5EF4-FFF2-40B4-BE49-F238E27FC236}">
-                <a16:creationId xmlns:a16="http://schemas.microsoft.com/office/drawing/2014/main" id="{74594C62-6DD5-E0C0-41C2-0817D8D9535A}"/>
-              </a:ext>
-            </a:extLst>
-          </p:cNvPr>
-          <p:cNvSpPr/>
-          <p:nvPr/>
-        </p:nvSpPr>
-        <p:spPr>
-          <a:xfrm>
-            <a:off x="2481943" y="1201785"/>
-            <a:ext cx="7438571" cy="3849186"/>
-          </a:xfrm>
-          <a:prstGeom prst="rect">
-            <a:avLst/>
-          </a:prstGeom>
-          <a:noFill/>
-          <a:ln>
-            <a:solidFill>
-              <a:schemeClr val="tx1"/>
-            </a:solidFill>
-          </a:ln>
-        </p:spPr>
-        <p:style>
-          <a:lnRef idx="2">
-            <a:schemeClr val="accent1">
-              <a:shade val="15000"/>
-            </a:schemeClr>
-          </a:lnRef>
-          <a:fillRef idx="1">
-            <a:schemeClr val="accent1"/>
-          </a:fillRef>
-          <a:effectRef idx="0">
-            <a:schemeClr val="accent1"/>
-          </a:effectRef>
-          <a:fontRef idx="minor">
-            <a:schemeClr val="lt1"/>
-          </a:fontRef>
-        </p:style>
-        <p:txBody>
-          <a:bodyPr rtlCol="0" anchor="ctr"/>
-          <a:lstStyle/>
-          <a:p>
-            <a:pPr algn="ctr"/>
-            <a:endParaRPr lang="en-US"/>
-          </a:p>
-        </p:txBody>
-      </p:sp>
-      <p:pic>
-        <p:nvPicPr>
-          <p:cNvPr id="9" name="Picture 2">
-            <a:extLst>
-              <a:ext uri="{FF2B5EF4-FFF2-40B4-BE49-F238E27FC236}">
-                <a16:creationId xmlns:a16="http://schemas.microsoft.com/office/drawing/2014/main" id="{3DD5D0A0-A3C9-777E-A9F9-0135A3892531}"/>
-              </a:ext>
-            </a:extLst>
-          </p:cNvPr>
-          <p:cNvPicPr>
-            <a:picLocks noChangeAspect="1" noChangeArrowheads="1"/>
-          </p:cNvPicPr>
-          <p:nvPr/>
-        </p:nvPicPr>
-        <p:blipFill rotWithShape="1">
-          <a:blip r:embed="rId2">
-            <a:extLst>
-              <a:ext uri="{28A0092B-C50C-407E-A947-70E740481C1C}">
-                <a14:useLocalDpi xmlns:a14="http://schemas.microsoft.com/office/drawing/2010/main" val="0"/>
-              </a:ext>
-            </a:extLst>
-          </a:blip>
-          <a:srcRect b="46805"/>
-          <a:stretch/>
-        </p:blipFill>
-        <p:spPr bwMode="auto">
-          <a:xfrm>
-            <a:off x="3410911" y="3480814"/>
-            <a:ext cx="2248271" cy="827848"/>
-          </a:xfrm>
-          <a:prstGeom prst="rect">
-            <a:avLst/>
-          </a:prstGeom>
-          <a:noFill/>
-          <a:extLst>
-            <a:ext uri="{909E8E84-426E-40DD-AFC4-6F175D3DCCD1}">
-              <a14:hiddenFill xmlns:a14="http://schemas.microsoft.com/office/drawing/2010/main">
-                <a:solidFill>
-                  <a:srgbClr val="FFFFFF"/>
-                </a:solidFill>
-              </a14:hiddenFill>
-            </a:ext>
-          </a:extLst>
-        </p:spPr>
-      </p:pic>
-    </p:spTree>
-    <p:extLst>
-      <p:ext uri="{BB962C8B-B14F-4D97-AF65-F5344CB8AC3E}">
-        <p14:creationId xmlns:p14="http://schemas.microsoft.com/office/powerpoint/2010/main" val="3308929149"/>
       </p:ext>
     </p:extLst>
   </p:cSld>

--- a/slides/Figures.pptx
+++ b/slides/Figures.pptx
@@ -7,17 +7,18 @@
   <p:sldIdLst>
     <p:sldId id="256" r:id="rId2"/>
     <p:sldId id="268" r:id="rId3"/>
-    <p:sldId id="267" r:id="rId4"/>
-    <p:sldId id="257" r:id="rId5"/>
-    <p:sldId id="258" r:id="rId6"/>
-    <p:sldId id="263" r:id="rId7"/>
-    <p:sldId id="259" r:id="rId8"/>
-    <p:sldId id="260" r:id="rId9"/>
-    <p:sldId id="261" r:id="rId10"/>
-    <p:sldId id="262" r:id="rId11"/>
-    <p:sldId id="264" r:id="rId12"/>
-    <p:sldId id="265" r:id="rId13"/>
-    <p:sldId id="266" r:id="rId14"/>
+    <p:sldId id="269" r:id="rId4"/>
+    <p:sldId id="267" r:id="rId5"/>
+    <p:sldId id="257" r:id="rId6"/>
+    <p:sldId id="258" r:id="rId7"/>
+    <p:sldId id="263" r:id="rId8"/>
+    <p:sldId id="259" r:id="rId9"/>
+    <p:sldId id="260" r:id="rId10"/>
+    <p:sldId id="261" r:id="rId11"/>
+    <p:sldId id="262" r:id="rId12"/>
+    <p:sldId id="264" r:id="rId13"/>
+    <p:sldId id="265" r:id="rId14"/>
+    <p:sldId id="266" r:id="rId15"/>
   </p:sldIdLst>
   <p:sldSz cx="12192000" cy="6858000"/>
   <p:notesSz cx="6858000" cy="9144000"/>
@@ -271,7 +272,7 @@
           <a:p>
             <a:fld id="{80F69AB6-3231-0B4B-92B3-5CB6F8134EAC}" type="datetimeFigureOut">
               <a:rPr lang="en-US" smtClean="0"/>
-              <a:t>10/18/25</a:t>
+              <a:t>10/22/25</a:t>
             </a:fld>
             <a:endParaRPr lang="en-US"/>
           </a:p>
@@ -469,7 +470,7 @@
           <a:p>
             <a:fld id="{80F69AB6-3231-0B4B-92B3-5CB6F8134EAC}" type="datetimeFigureOut">
               <a:rPr lang="en-US" smtClean="0"/>
-              <a:t>10/18/25</a:t>
+              <a:t>10/22/25</a:t>
             </a:fld>
             <a:endParaRPr lang="en-US"/>
           </a:p>
@@ -677,7 +678,7 @@
           <a:p>
             <a:fld id="{80F69AB6-3231-0B4B-92B3-5CB6F8134EAC}" type="datetimeFigureOut">
               <a:rPr lang="en-US" smtClean="0"/>
-              <a:t>10/18/25</a:t>
+              <a:t>10/22/25</a:t>
             </a:fld>
             <a:endParaRPr lang="en-US"/>
           </a:p>
@@ -875,7 +876,7 @@
           <a:p>
             <a:fld id="{80F69AB6-3231-0B4B-92B3-5CB6F8134EAC}" type="datetimeFigureOut">
               <a:rPr lang="en-US" smtClean="0"/>
-              <a:t>10/18/25</a:t>
+              <a:t>10/22/25</a:t>
             </a:fld>
             <a:endParaRPr lang="en-US"/>
           </a:p>
@@ -1150,7 +1151,7 @@
           <a:p>
             <a:fld id="{80F69AB6-3231-0B4B-92B3-5CB6F8134EAC}" type="datetimeFigureOut">
               <a:rPr lang="en-US" smtClean="0"/>
-              <a:t>10/18/25</a:t>
+              <a:t>10/22/25</a:t>
             </a:fld>
             <a:endParaRPr lang="en-US"/>
           </a:p>
@@ -1415,7 +1416,7 @@
           <a:p>
             <a:fld id="{80F69AB6-3231-0B4B-92B3-5CB6F8134EAC}" type="datetimeFigureOut">
               <a:rPr lang="en-US" smtClean="0"/>
-              <a:t>10/18/25</a:t>
+              <a:t>10/22/25</a:t>
             </a:fld>
             <a:endParaRPr lang="en-US"/>
           </a:p>
@@ -1827,7 +1828,7 @@
           <a:p>
             <a:fld id="{80F69AB6-3231-0B4B-92B3-5CB6F8134EAC}" type="datetimeFigureOut">
               <a:rPr lang="en-US" smtClean="0"/>
-              <a:t>10/18/25</a:t>
+              <a:t>10/22/25</a:t>
             </a:fld>
             <a:endParaRPr lang="en-US"/>
           </a:p>
@@ -1968,7 +1969,7 @@
           <a:p>
             <a:fld id="{80F69AB6-3231-0B4B-92B3-5CB6F8134EAC}" type="datetimeFigureOut">
               <a:rPr lang="en-US" smtClean="0"/>
-              <a:t>10/18/25</a:t>
+              <a:t>10/22/25</a:t>
             </a:fld>
             <a:endParaRPr lang="en-US"/>
           </a:p>
@@ -2081,7 +2082,7 @@
           <a:p>
             <a:fld id="{80F69AB6-3231-0B4B-92B3-5CB6F8134EAC}" type="datetimeFigureOut">
               <a:rPr lang="en-US" smtClean="0"/>
-              <a:t>10/18/25</a:t>
+              <a:t>10/22/25</a:t>
             </a:fld>
             <a:endParaRPr lang="en-US"/>
           </a:p>
@@ -2392,7 +2393,7 @@
           <a:p>
             <a:fld id="{80F69AB6-3231-0B4B-92B3-5CB6F8134EAC}" type="datetimeFigureOut">
               <a:rPr lang="en-US" smtClean="0"/>
-              <a:t>10/18/25</a:t>
+              <a:t>10/22/25</a:t>
             </a:fld>
             <a:endParaRPr lang="en-US"/>
           </a:p>
@@ -2680,7 +2681,7 @@
           <a:p>
             <a:fld id="{80F69AB6-3231-0B4B-92B3-5CB6F8134EAC}" type="datetimeFigureOut">
               <a:rPr lang="en-US" smtClean="0"/>
-              <a:t>10/18/25</a:t>
+              <a:t>10/22/25</a:t>
             </a:fld>
             <a:endParaRPr lang="en-US"/>
           </a:p>
@@ -2921,7 +2922,7 @@
           <a:p>
             <a:fld id="{80F69AB6-3231-0B4B-92B3-5CB6F8134EAC}" type="datetimeFigureOut">
               <a:rPr lang="en-US" smtClean="0"/>
-              <a:t>10/18/25</a:t>
+              <a:t>10/22/25</a:t>
             </a:fld>
             <a:endParaRPr lang="en-US"/>
           </a:p>
@@ -3834,6 +3835,446 @@
     </p:spTree>
     <p:extLst>
       <p:ext uri="{BB962C8B-B14F-4D97-AF65-F5344CB8AC3E}">
+        <p14:creationId xmlns:p14="http://schemas.microsoft.com/office/powerpoint/2010/main" val="380098271"/>
+      </p:ext>
+    </p:extLst>
+  </p:cSld>
+  <p:clrMapOvr>
+    <a:masterClrMapping/>
+  </p:clrMapOvr>
+</p:sld>
+</file>
+
+<file path=ppt/slides/slide11.xml><?xml version="1.0" encoding="utf-8"?>
+<p:sld xmlns:a="http://schemas.openxmlformats.org/drawingml/2006/main" xmlns:r="http://schemas.openxmlformats.org/officeDocument/2006/relationships" xmlns:p="http://schemas.openxmlformats.org/presentationml/2006/main">
+  <p:cSld>
+    <p:spTree>
+      <p:nvGrpSpPr>
+        <p:cNvPr id="1" name=""/>
+        <p:cNvGrpSpPr/>
+        <p:nvPr/>
+      </p:nvGrpSpPr>
+      <p:grpSpPr>
+        <a:xfrm>
+          <a:off x="0" y="0"/>
+          <a:ext cx="0" cy="0"/>
+          <a:chOff x="0" y="0"/>
+          <a:chExt cx="0" cy="0"/>
+        </a:xfrm>
+      </p:grpSpPr>
+      <p:sp>
+        <p:nvSpPr>
+          <p:cNvPr id="2" name="Title 1">
+            <a:extLst>
+              <a:ext uri="{FF2B5EF4-FFF2-40B4-BE49-F238E27FC236}">
+                <a16:creationId xmlns:a16="http://schemas.microsoft.com/office/drawing/2014/main" id="{C52839F5-2D92-81F3-16EA-71436404FD1D}"/>
+              </a:ext>
+            </a:extLst>
+          </p:cNvPr>
+          <p:cNvSpPr>
+            <a:spLocks noGrp="1"/>
+          </p:cNvSpPr>
+          <p:nvPr>
+            <p:ph type="title"/>
+          </p:nvPr>
+        </p:nvSpPr>
+        <p:spPr>
+          <a:xfrm>
+            <a:off x="838200" y="365126"/>
+            <a:ext cx="10515600" cy="555432"/>
+          </a:xfrm>
+        </p:spPr>
+        <p:txBody>
+          <a:bodyPr>
+            <a:normAutofit fontScale="90000"/>
+          </a:bodyPr>
+          <a:lstStyle/>
+          <a:p>
+            <a:r>
+              <a:rPr lang="en-US" dirty="0"/>
+              <a:t>Social Media Image</a:t>
+            </a:r>
+          </a:p>
+        </p:txBody>
+      </p:sp>
+      <p:sp>
+        <p:nvSpPr>
+          <p:cNvPr id="3" name="Content Placeholder 2">
+            <a:extLst>
+              <a:ext uri="{FF2B5EF4-FFF2-40B4-BE49-F238E27FC236}">
+                <a16:creationId xmlns:a16="http://schemas.microsoft.com/office/drawing/2014/main" id="{56528B54-55EE-651F-7636-28C2855FC9C7}"/>
+              </a:ext>
+            </a:extLst>
+          </p:cNvPr>
+          <p:cNvSpPr>
+            <a:spLocks noGrp="1"/>
+          </p:cNvSpPr>
+          <p:nvPr>
+            <p:ph idx="1"/>
+          </p:nvPr>
+        </p:nvSpPr>
+        <p:spPr>
+          <a:xfrm>
+            <a:off x="838200" y="5706737"/>
+            <a:ext cx="10515600" cy="470226"/>
+          </a:xfrm>
+        </p:spPr>
+        <p:txBody>
+          <a:bodyPr>
+            <a:normAutofit lnSpcReduction="10000"/>
+          </a:bodyPr>
+          <a:lstStyle/>
+          <a:p>
+            <a:endParaRPr lang="en-US" dirty="0"/>
+          </a:p>
+        </p:txBody>
+      </p:sp>
+      <p:pic>
+        <p:nvPicPr>
+          <p:cNvPr id="4" name="Picture 2">
+            <a:extLst>
+              <a:ext uri="{FF2B5EF4-FFF2-40B4-BE49-F238E27FC236}">
+                <a16:creationId xmlns:a16="http://schemas.microsoft.com/office/drawing/2014/main" id="{0BF59702-0B3E-0654-AD67-F2C225B4B14D}"/>
+              </a:ext>
+            </a:extLst>
+          </p:cNvPr>
+          <p:cNvPicPr>
+            <a:picLocks noChangeAspect="1" noChangeArrowheads="1"/>
+          </p:cNvPicPr>
+          <p:nvPr/>
+        </p:nvPicPr>
+        <p:blipFill rotWithShape="1">
+          <a:blip r:embed="rId2">
+            <a:extLst>
+              <a:ext uri="{28A0092B-C50C-407E-A947-70E740481C1C}">
+                <a14:useLocalDpi xmlns:a14="http://schemas.microsoft.com/office/drawing/2010/main" val="0"/>
+              </a:ext>
+            </a:extLst>
+          </a:blip>
+          <a:srcRect t="59456"/>
+          <a:stretch/>
+        </p:blipFill>
+        <p:spPr bwMode="auto">
+          <a:xfrm>
+            <a:off x="3410911" y="4173132"/>
+            <a:ext cx="2248271" cy="630960"/>
+          </a:xfrm>
+          <a:prstGeom prst="rect">
+            <a:avLst/>
+          </a:prstGeom>
+          <a:noFill/>
+          <a:extLst>
+            <a:ext uri="{909E8E84-426E-40DD-AFC4-6F175D3DCCD1}">
+              <a14:hiddenFill xmlns:a14="http://schemas.microsoft.com/office/drawing/2010/main">
+                <a:solidFill>
+                  <a:srgbClr val="FFFFFF"/>
+                </a:solidFill>
+              </a14:hiddenFill>
+            </a:ext>
+          </a:extLst>
+        </p:spPr>
+      </p:pic>
+      <p:pic>
+        <p:nvPicPr>
+          <p:cNvPr id="5" name="Picture 6">
+            <a:extLst>
+              <a:ext uri="{FF2B5EF4-FFF2-40B4-BE49-F238E27FC236}">
+                <a16:creationId xmlns:a16="http://schemas.microsoft.com/office/drawing/2014/main" id="{DBFB92F0-3441-61B8-D1DA-89469DECB2CF}"/>
+              </a:ext>
+            </a:extLst>
+          </p:cNvPr>
+          <p:cNvPicPr>
+            <a:picLocks noChangeAspect="1" noChangeArrowheads="1"/>
+          </p:cNvPicPr>
+          <p:nvPr/>
+        </p:nvPicPr>
+        <p:blipFill>
+          <a:blip r:embed="rId3">
+            <a:extLst>
+              <a:ext uri="{28A0092B-C50C-407E-A947-70E740481C1C}">
+                <a14:useLocalDpi xmlns:a14="http://schemas.microsoft.com/office/drawing/2010/main" val="0"/>
+              </a:ext>
+            </a:extLst>
+          </a:blip>
+          <a:srcRect/>
+          <a:stretch>
+            <a:fillRect/>
+          </a:stretch>
+        </p:blipFill>
+        <p:spPr bwMode="auto">
+          <a:xfrm>
+            <a:off x="6956321" y="3821549"/>
+            <a:ext cx="1888851" cy="861788"/>
+          </a:xfrm>
+          <a:prstGeom prst="rect">
+            <a:avLst/>
+          </a:prstGeom>
+          <a:noFill/>
+          <a:extLst>
+            <a:ext uri="{909E8E84-426E-40DD-AFC4-6F175D3DCCD1}">
+              <a14:hiddenFill xmlns:a14="http://schemas.microsoft.com/office/drawing/2010/main">
+                <a:solidFill>
+                  <a:srgbClr val="FFFFFF"/>
+                </a:solidFill>
+              </a14:hiddenFill>
+            </a:ext>
+          </a:extLst>
+        </p:spPr>
+      </p:pic>
+      <p:sp>
+        <p:nvSpPr>
+          <p:cNvPr id="6" name="Cross 5">
+            <a:extLst>
+              <a:ext uri="{FF2B5EF4-FFF2-40B4-BE49-F238E27FC236}">
+                <a16:creationId xmlns:a16="http://schemas.microsoft.com/office/drawing/2014/main" id="{1B25BBDF-0704-B48F-8CAB-8BD43264977F}"/>
+              </a:ext>
+            </a:extLst>
+          </p:cNvPr>
+          <p:cNvSpPr/>
+          <p:nvPr/>
+        </p:nvSpPr>
+        <p:spPr>
+          <a:xfrm>
+            <a:off x="6026492" y="4012342"/>
+            <a:ext cx="555755" cy="555431"/>
+          </a:xfrm>
+          <a:prstGeom prst="plus">
+            <a:avLst>
+              <a:gd name="adj" fmla="val 36433"/>
+            </a:avLst>
+          </a:prstGeom>
+          <a:solidFill>
+            <a:schemeClr val="tx1"/>
+          </a:solidFill>
+          <a:ln>
+            <a:noFill/>
+          </a:ln>
+        </p:spPr>
+        <p:style>
+          <a:lnRef idx="2">
+            <a:schemeClr val="accent1">
+              <a:shade val="15000"/>
+            </a:schemeClr>
+          </a:lnRef>
+          <a:fillRef idx="1">
+            <a:schemeClr val="accent1"/>
+          </a:fillRef>
+          <a:effectRef idx="0">
+            <a:schemeClr val="accent1"/>
+          </a:effectRef>
+          <a:fontRef idx="minor">
+            <a:schemeClr val="lt1"/>
+          </a:fontRef>
+        </p:style>
+        <p:txBody>
+          <a:bodyPr rtlCol="0" anchor="ctr"/>
+          <a:lstStyle/>
+          <a:p>
+            <a:pPr algn="ctr"/>
+            <a:endParaRPr lang="en-US"/>
+          </a:p>
+        </p:txBody>
+      </p:sp>
+      <p:sp>
+        <p:nvSpPr>
+          <p:cNvPr id="11" name="TextBox 10">
+            <a:extLst>
+              <a:ext uri="{FF2B5EF4-FFF2-40B4-BE49-F238E27FC236}">
+                <a16:creationId xmlns:a16="http://schemas.microsoft.com/office/drawing/2014/main" id="{A800B20F-E75A-B314-3C98-318E2FA8A6D3}"/>
+              </a:ext>
+            </a:extLst>
+          </p:cNvPr>
+          <p:cNvSpPr txBox="1"/>
+          <p:nvPr/>
+        </p:nvSpPr>
+        <p:spPr>
+          <a:xfrm>
+            <a:off x="2481943" y="1201785"/>
+            <a:ext cx="7438571" cy="2308324"/>
+          </a:xfrm>
+          <a:prstGeom prst="rect">
+            <a:avLst/>
+          </a:prstGeom>
+          <a:noFill/>
+          <a:ln>
+            <a:noFill/>
+          </a:ln>
+        </p:spPr>
+        <p:txBody>
+          <a:bodyPr wrap="square" rtlCol="0">
+            <a:spAutoFit/>
+          </a:bodyPr>
+          <a:lstStyle/>
+          <a:p>
+            <a:pPr algn="ctr"/>
+            <a:r>
+              <a:rPr lang="en-US" sz="7200" b="1" dirty="0">
+                <a:gradFill flip="none" rotWithShape="1">
+                  <a:gsLst>
+                    <a:gs pos="0">
+                      <a:srgbClr val="FF0000"/>
+                    </a:gs>
+                    <a:gs pos="79000">
+                      <a:srgbClr val="0070C0"/>
+                    </a:gs>
+                    <a:gs pos="61000">
+                      <a:srgbClr val="00B050"/>
+                    </a:gs>
+                    <a:gs pos="40000">
+                      <a:srgbClr val="E7E700"/>
+                    </a:gs>
+                    <a:gs pos="20000">
+                      <a:srgbClr val="FFC000"/>
+                    </a:gs>
+                    <a:gs pos="100000">
+                      <a:srgbClr val="7030A0"/>
+                    </a:gs>
+                  </a:gsLst>
+                  <a:lin ang="0" scaled="1"/>
+                  <a:tileRect/>
+                </a:gradFill>
+                <a:latin typeface="Arial" panose="020B0604020202020204" pitchFamily="34" charset="0"/>
+                <a:cs typeface="Arial" panose="020B0604020202020204" pitchFamily="34" charset="0"/>
+              </a:rPr>
+              <a:t>MicroSims for</a:t>
+            </a:r>
+          </a:p>
+          <a:p>
+            <a:pPr algn="ctr"/>
+            <a:r>
+              <a:rPr lang="en-US" sz="7200" b="1" dirty="0">
+                <a:gradFill flip="none" rotWithShape="1">
+                  <a:gsLst>
+                    <a:gs pos="0">
+                      <a:srgbClr val="FF0000"/>
+                    </a:gs>
+                    <a:gs pos="79000">
+                      <a:srgbClr val="0070C0"/>
+                    </a:gs>
+                    <a:gs pos="61000">
+                      <a:srgbClr val="00B050"/>
+                    </a:gs>
+                    <a:gs pos="40000">
+                      <a:srgbClr val="E7E700"/>
+                    </a:gs>
+                    <a:gs pos="20000">
+                      <a:srgbClr val="FFC000"/>
+                    </a:gs>
+                    <a:gs pos="100000">
+                      <a:srgbClr val="7030A0"/>
+                    </a:gs>
+                  </a:gsLst>
+                  <a:lin ang="0" scaled="1"/>
+                  <a:tileRect/>
+                </a:gradFill>
+                <a:latin typeface="Arial" panose="020B0604020202020204" pitchFamily="34" charset="0"/>
+                <a:cs typeface="Arial" panose="020B0604020202020204" pitchFamily="34" charset="0"/>
+              </a:rPr>
+              <a:t>Education</a:t>
+            </a:r>
+          </a:p>
+        </p:txBody>
+      </p:sp>
+      <p:sp>
+        <p:nvSpPr>
+          <p:cNvPr id="8" name="Rectangle 7">
+            <a:extLst>
+              <a:ext uri="{FF2B5EF4-FFF2-40B4-BE49-F238E27FC236}">
+                <a16:creationId xmlns:a16="http://schemas.microsoft.com/office/drawing/2014/main" id="{74594C62-6DD5-E0C0-41C2-0817D8D9535A}"/>
+              </a:ext>
+            </a:extLst>
+          </p:cNvPr>
+          <p:cNvSpPr/>
+          <p:nvPr/>
+        </p:nvSpPr>
+        <p:spPr>
+          <a:xfrm>
+            <a:off x="2481943" y="1201785"/>
+            <a:ext cx="7438571" cy="3849186"/>
+          </a:xfrm>
+          <a:prstGeom prst="rect">
+            <a:avLst/>
+          </a:prstGeom>
+          <a:noFill/>
+          <a:ln>
+            <a:solidFill>
+              <a:schemeClr val="tx1"/>
+            </a:solidFill>
+          </a:ln>
+        </p:spPr>
+        <p:style>
+          <a:lnRef idx="2">
+            <a:schemeClr val="accent1">
+              <a:shade val="15000"/>
+            </a:schemeClr>
+          </a:lnRef>
+          <a:fillRef idx="1">
+            <a:schemeClr val="accent1"/>
+          </a:fillRef>
+          <a:effectRef idx="0">
+            <a:schemeClr val="accent1"/>
+          </a:effectRef>
+          <a:fontRef idx="minor">
+            <a:schemeClr val="lt1"/>
+          </a:fontRef>
+        </p:style>
+        <p:txBody>
+          <a:bodyPr rtlCol="0" anchor="ctr"/>
+          <a:lstStyle/>
+          <a:p>
+            <a:pPr algn="ctr"/>
+            <a:endParaRPr lang="en-US"/>
+          </a:p>
+        </p:txBody>
+      </p:sp>
+      <p:pic>
+        <p:nvPicPr>
+          <p:cNvPr id="9" name="Picture 2">
+            <a:extLst>
+              <a:ext uri="{FF2B5EF4-FFF2-40B4-BE49-F238E27FC236}">
+                <a16:creationId xmlns:a16="http://schemas.microsoft.com/office/drawing/2014/main" id="{3DD5D0A0-A3C9-777E-A9F9-0135A3892531}"/>
+              </a:ext>
+            </a:extLst>
+          </p:cNvPr>
+          <p:cNvPicPr>
+            <a:picLocks noChangeAspect="1" noChangeArrowheads="1"/>
+          </p:cNvPicPr>
+          <p:nvPr/>
+        </p:nvPicPr>
+        <p:blipFill rotWithShape="1">
+          <a:blip r:embed="rId2">
+            <a:extLst>
+              <a:ext uri="{28A0092B-C50C-407E-A947-70E740481C1C}">
+                <a14:useLocalDpi xmlns:a14="http://schemas.microsoft.com/office/drawing/2010/main" val="0"/>
+              </a:ext>
+            </a:extLst>
+          </a:blip>
+          <a:srcRect b="46805"/>
+          <a:stretch/>
+        </p:blipFill>
+        <p:spPr bwMode="auto">
+          <a:xfrm>
+            <a:off x="3410911" y="3480814"/>
+            <a:ext cx="2248271" cy="827848"/>
+          </a:xfrm>
+          <a:prstGeom prst="rect">
+            <a:avLst/>
+          </a:prstGeom>
+          <a:noFill/>
+          <a:extLst>
+            <a:ext uri="{909E8E84-426E-40DD-AFC4-6F175D3DCCD1}">
+              <a14:hiddenFill xmlns:a14="http://schemas.microsoft.com/office/drawing/2010/main">
+                <a:solidFill>
+                  <a:srgbClr val="FFFFFF"/>
+                </a:solidFill>
+              </a14:hiddenFill>
+            </a:ext>
+          </a:extLst>
+        </p:spPr>
+      </p:pic>
+    </p:spTree>
+    <p:extLst>
+      <p:ext uri="{BB962C8B-B14F-4D97-AF65-F5344CB8AC3E}">
         <p14:creationId xmlns:p14="http://schemas.microsoft.com/office/powerpoint/2010/main" val="3308929149"/>
       </p:ext>
     </p:extLst>
@@ -3844,7 +4285,7 @@
 </p:sld>
 </file>
 
-<file path=ppt/slides/slide11.xml><?xml version="1.0" encoding="utf-8"?>
+<file path=ppt/slides/slide12.xml><?xml version="1.0" encoding="utf-8"?>
 <p:sld xmlns:a="http://schemas.openxmlformats.org/drawingml/2006/main" xmlns:r="http://schemas.openxmlformats.org/officeDocument/2006/relationships" xmlns:p="http://schemas.openxmlformats.org/presentationml/2006/main">
   <p:cSld>
     <p:spTree>
@@ -4029,7 +4470,7 @@
 </p:sld>
 </file>
 
-<file path=ppt/slides/slide12.xml><?xml version="1.0" encoding="utf-8"?>
+<file path=ppt/slides/slide13.xml><?xml version="1.0" encoding="utf-8"?>
 <p:sld xmlns:a="http://schemas.openxmlformats.org/drawingml/2006/main" xmlns:r="http://schemas.openxmlformats.org/officeDocument/2006/relationships" xmlns:p="http://schemas.openxmlformats.org/presentationml/2006/main">
   <p:cSld>
     <p:spTree>
@@ -4204,7 +4645,7 @@
 </p:sld>
 </file>
 
-<file path=ppt/slides/slide13.xml><?xml version="1.0" encoding="utf-8"?>
+<file path=ppt/slides/slide14.xml><?xml version="1.0" encoding="utf-8"?>
 <p:sld xmlns:a="http://schemas.openxmlformats.org/drawingml/2006/main" xmlns:r="http://schemas.openxmlformats.org/officeDocument/2006/relationships" xmlns:p="http://schemas.openxmlformats.org/presentationml/2006/main">
   <p:cSld>
     <p:spTree>
@@ -4452,29 +4893,778 @@
         </p:nvSpPr>
         <p:spPr>
           <a:xfrm>
-            <a:off x="303811" y="210746"/>
-            <a:ext cx="10515600" cy="822407"/>
-          </a:xfrm>
-        </p:spPr>
-        <p:txBody>
-          <a:bodyPr/>
-          <a:lstStyle/>
-          <a:p>
-            <a:r>
-              <a:rPr lang="en-US" dirty="0"/>
-              <a:t>Sample </a:t>
-            </a:r>
-            <a:r>
-              <a:rPr lang="en-US" dirty="0" err="1"/>
-              <a:t>MicroSim</a:t>
-            </a:r>
-            <a:r>
-              <a:rPr lang="en-US" dirty="0"/>
-              <a:t> with Annotations</a:t>
-            </a:r>
-          </a:p>
-        </p:txBody>
-      </p:sp>
+            <a:off x="169057" y="85619"/>
+            <a:ext cx="10515600" cy="443772"/>
+          </a:xfrm>
+        </p:spPr>
+        <p:txBody>
+          <a:bodyPr>
+            <a:noAutofit/>
+          </a:bodyPr>
+          <a:lstStyle/>
+          <a:p>
+            <a:r>
+              <a:rPr lang="en-US" sz="2800" dirty="0"/>
+              <a:t>Sample MicroSim with Annotations (figure 2 in paper)</a:t>
+            </a:r>
+          </a:p>
+        </p:txBody>
+      </p:sp>
+      <p:pic>
+        <p:nvPicPr>
+          <p:cNvPr id="4" name="Picture 3" descr="A graph of a function&#10;&#10;AI-generated content may be incorrect.">
+            <a:extLst>
+              <a:ext uri="{FF2B5EF4-FFF2-40B4-BE49-F238E27FC236}">
+                <a16:creationId xmlns:a16="http://schemas.microsoft.com/office/drawing/2014/main" id="{1B48645C-116A-E741-1781-9FA49CCC1F6A}"/>
+              </a:ext>
+            </a:extLst>
+          </p:cNvPr>
+          <p:cNvPicPr>
+            <a:picLocks noChangeAspect="1"/>
+          </p:cNvPicPr>
+          <p:nvPr/>
+        </p:nvPicPr>
+        <p:blipFill>
+          <a:blip r:embed="rId2"/>
+          <a:stretch>
+            <a:fillRect/>
+          </a:stretch>
+        </p:blipFill>
+        <p:spPr>
+          <a:xfrm>
+            <a:off x="970280" y="1131569"/>
+            <a:ext cx="6398601" cy="4608213"/>
+          </a:xfrm>
+          <a:prstGeom prst="rect">
+            <a:avLst/>
+          </a:prstGeom>
+        </p:spPr>
+      </p:pic>
+      <p:sp>
+        <p:nvSpPr>
+          <p:cNvPr id="6" name="Rounded Rectangle 5">
+            <a:extLst>
+              <a:ext uri="{FF2B5EF4-FFF2-40B4-BE49-F238E27FC236}">
+                <a16:creationId xmlns:a16="http://schemas.microsoft.com/office/drawing/2014/main" id="{4315C5B3-F808-0593-FB64-619D8CFD664C}"/>
+              </a:ext>
+            </a:extLst>
+          </p:cNvPr>
+          <p:cNvSpPr/>
+          <p:nvPr/>
+        </p:nvSpPr>
+        <p:spPr>
+          <a:xfrm>
+            <a:off x="7690585" y="798897"/>
+            <a:ext cx="2348564" cy="577515"/>
+          </a:xfrm>
+          <a:prstGeom prst="roundRect">
+            <a:avLst/>
+          </a:prstGeom>
+          <a:solidFill>
+            <a:schemeClr val="accent4">
+              <a:lumMod val="20000"/>
+              <a:lumOff val="80000"/>
+            </a:schemeClr>
+          </a:solidFill>
+        </p:spPr>
+        <p:style>
+          <a:lnRef idx="2">
+            <a:schemeClr val="accent1">
+              <a:shade val="15000"/>
+            </a:schemeClr>
+          </a:lnRef>
+          <a:fillRef idx="1">
+            <a:schemeClr val="accent1"/>
+          </a:fillRef>
+          <a:effectRef idx="0">
+            <a:schemeClr val="accent1"/>
+          </a:effectRef>
+          <a:fontRef idx="minor">
+            <a:schemeClr val="lt1"/>
+          </a:fontRef>
+        </p:style>
+        <p:txBody>
+          <a:bodyPr rtlCol="0" anchor="ctr"/>
+          <a:lstStyle/>
+          <a:p>
+            <a:r>
+              <a:rPr lang="en-US" sz="1200" dirty="0">
+                <a:solidFill>
+                  <a:schemeClr val="tx1"/>
+                </a:solidFill>
+              </a:rPr>
+              <a:t>Blue border and light blue background indicate an interactive graphic</a:t>
+            </a:r>
+          </a:p>
+        </p:txBody>
+      </p:sp>
+      <p:cxnSp>
+        <p:nvCxnSpPr>
+          <p:cNvPr id="8" name="Straight Arrow Connector 7">
+            <a:extLst>
+              <a:ext uri="{FF2B5EF4-FFF2-40B4-BE49-F238E27FC236}">
+                <a16:creationId xmlns:a16="http://schemas.microsoft.com/office/drawing/2014/main" id="{D28F6800-6A02-8413-668B-00E161D30EE4}"/>
+              </a:ext>
+            </a:extLst>
+          </p:cNvPr>
+          <p:cNvCxnSpPr>
+            <a:cxnSpLocks/>
+            <a:stCxn id="6" idx="1"/>
+          </p:cNvCxnSpPr>
+          <p:nvPr/>
+        </p:nvCxnSpPr>
+        <p:spPr>
+          <a:xfrm flipH="1">
+            <a:off x="6939815" y="1087655"/>
+            <a:ext cx="750770" cy="202130"/>
+          </a:xfrm>
+          <a:prstGeom prst="straightConnector1">
+            <a:avLst/>
+          </a:prstGeom>
+          <a:ln w="38100">
+            <a:solidFill>
+              <a:schemeClr val="tx1"/>
+            </a:solidFill>
+            <a:tailEnd type="triangle"/>
+          </a:ln>
+        </p:spPr>
+        <p:style>
+          <a:lnRef idx="1">
+            <a:schemeClr val="accent1"/>
+          </a:lnRef>
+          <a:fillRef idx="0">
+            <a:schemeClr val="accent1"/>
+          </a:fillRef>
+          <a:effectRef idx="0">
+            <a:schemeClr val="accent1"/>
+          </a:effectRef>
+          <a:fontRef idx="minor">
+            <a:schemeClr val="tx1"/>
+          </a:fontRef>
+        </p:style>
+      </p:cxnSp>
+      <p:sp>
+        <p:nvSpPr>
+          <p:cNvPr id="9" name="Rounded Rectangle 8">
+            <a:extLst>
+              <a:ext uri="{FF2B5EF4-FFF2-40B4-BE49-F238E27FC236}">
+                <a16:creationId xmlns:a16="http://schemas.microsoft.com/office/drawing/2014/main" id="{AEF65AF9-27EB-822F-76EA-9053C46F540B}"/>
+              </a:ext>
+            </a:extLst>
+          </p:cNvPr>
+          <p:cNvSpPr/>
+          <p:nvPr/>
+        </p:nvSpPr>
+        <p:spPr>
+          <a:xfrm>
+            <a:off x="7996989" y="2895601"/>
+            <a:ext cx="2128788" cy="471638"/>
+          </a:xfrm>
+          <a:prstGeom prst="roundRect">
+            <a:avLst/>
+          </a:prstGeom>
+          <a:solidFill>
+            <a:schemeClr val="accent4">
+              <a:lumMod val="20000"/>
+              <a:lumOff val="80000"/>
+            </a:schemeClr>
+          </a:solidFill>
+        </p:spPr>
+        <p:style>
+          <a:lnRef idx="2">
+            <a:schemeClr val="accent1">
+              <a:shade val="15000"/>
+            </a:schemeClr>
+          </a:lnRef>
+          <a:fillRef idx="1">
+            <a:schemeClr val="accent1"/>
+          </a:fillRef>
+          <a:effectRef idx="0">
+            <a:schemeClr val="accent1"/>
+          </a:effectRef>
+          <a:fontRef idx="minor">
+            <a:schemeClr val="lt1"/>
+          </a:fontRef>
+        </p:style>
+        <p:txBody>
+          <a:bodyPr rtlCol="0" anchor="ctr"/>
+          <a:lstStyle/>
+          <a:p>
+            <a:r>
+              <a:rPr lang="en-US" sz="1200" dirty="0">
+                <a:solidFill>
+                  <a:schemeClr val="tx1"/>
+                </a:solidFill>
+              </a:rPr>
+              <a:t>Top drawing region does not contain interactive controls</a:t>
+            </a:r>
+          </a:p>
+        </p:txBody>
+      </p:sp>
+      <p:sp>
+        <p:nvSpPr>
+          <p:cNvPr id="10" name="Right Brace 9">
+            <a:extLst>
+              <a:ext uri="{FF2B5EF4-FFF2-40B4-BE49-F238E27FC236}">
+                <a16:creationId xmlns:a16="http://schemas.microsoft.com/office/drawing/2014/main" id="{BC02CE90-6CAF-24E6-B9DB-58A95F8F9212}"/>
+              </a:ext>
+            </a:extLst>
+          </p:cNvPr>
+          <p:cNvSpPr/>
+          <p:nvPr/>
+        </p:nvSpPr>
+        <p:spPr>
+          <a:xfrm>
+            <a:off x="7334451" y="1289785"/>
+            <a:ext cx="596766" cy="3667226"/>
+          </a:xfrm>
+          <a:prstGeom prst="rightBrace">
+            <a:avLst/>
+          </a:prstGeom>
+          <a:ln w="28575">
+            <a:solidFill>
+              <a:schemeClr val="tx1"/>
+            </a:solidFill>
+          </a:ln>
+        </p:spPr>
+        <p:style>
+          <a:lnRef idx="1">
+            <a:schemeClr val="accent1"/>
+          </a:lnRef>
+          <a:fillRef idx="0">
+            <a:schemeClr val="accent1"/>
+          </a:fillRef>
+          <a:effectRef idx="0">
+            <a:schemeClr val="accent1"/>
+          </a:effectRef>
+          <a:fontRef idx="minor">
+            <a:schemeClr val="tx1"/>
+          </a:fontRef>
+        </p:style>
+        <p:txBody>
+          <a:bodyPr rtlCol="0" anchor="ctr"/>
+          <a:lstStyle/>
+          <a:p>
+            <a:pPr algn="ctr"/>
+            <a:endParaRPr lang="en-US"/>
+          </a:p>
+        </p:txBody>
+      </p:sp>
+      <p:sp>
+        <p:nvSpPr>
+          <p:cNvPr id="11" name="Right Brace 10">
+            <a:extLst>
+              <a:ext uri="{FF2B5EF4-FFF2-40B4-BE49-F238E27FC236}">
+                <a16:creationId xmlns:a16="http://schemas.microsoft.com/office/drawing/2014/main" id="{B1A3DC36-15AB-EDA9-4143-0C9EB868F95F}"/>
+              </a:ext>
+            </a:extLst>
+          </p:cNvPr>
+          <p:cNvSpPr/>
+          <p:nvPr/>
+        </p:nvSpPr>
+        <p:spPr>
+          <a:xfrm>
+            <a:off x="7342472" y="4957011"/>
+            <a:ext cx="540619" cy="672164"/>
+          </a:xfrm>
+          <a:prstGeom prst="rightBrace">
+            <a:avLst/>
+          </a:prstGeom>
+          <a:ln w="28575">
+            <a:solidFill>
+              <a:schemeClr val="tx1"/>
+            </a:solidFill>
+          </a:ln>
+        </p:spPr>
+        <p:style>
+          <a:lnRef idx="1">
+            <a:schemeClr val="accent1"/>
+          </a:lnRef>
+          <a:fillRef idx="0">
+            <a:schemeClr val="accent1"/>
+          </a:fillRef>
+          <a:effectRef idx="0">
+            <a:schemeClr val="accent1"/>
+          </a:effectRef>
+          <a:fontRef idx="minor">
+            <a:schemeClr val="tx1"/>
+          </a:fontRef>
+        </p:style>
+        <p:txBody>
+          <a:bodyPr rtlCol="0" anchor="ctr"/>
+          <a:lstStyle/>
+          <a:p>
+            <a:pPr algn="ctr"/>
+            <a:endParaRPr lang="en-US"/>
+          </a:p>
+        </p:txBody>
+      </p:sp>
+      <p:sp>
+        <p:nvSpPr>
+          <p:cNvPr id="13" name="Rounded Rectangle 12">
+            <a:extLst>
+              <a:ext uri="{FF2B5EF4-FFF2-40B4-BE49-F238E27FC236}">
+                <a16:creationId xmlns:a16="http://schemas.microsoft.com/office/drawing/2014/main" id="{A6117697-6695-6403-E11E-D03C9F2AC682}"/>
+              </a:ext>
+            </a:extLst>
+          </p:cNvPr>
+          <p:cNvSpPr/>
+          <p:nvPr/>
+        </p:nvSpPr>
+        <p:spPr>
+          <a:xfrm>
+            <a:off x="7947259" y="5021180"/>
+            <a:ext cx="2159267" cy="471638"/>
+          </a:xfrm>
+          <a:prstGeom prst="roundRect">
+            <a:avLst/>
+          </a:prstGeom>
+          <a:solidFill>
+            <a:schemeClr val="accent4">
+              <a:lumMod val="20000"/>
+              <a:lumOff val="80000"/>
+            </a:schemeClr>
+          </a:solidFill>
+        </p:spPr>
+        <p:style>
+          <a:lnRef idx="2">
+            <a:schemeClr val="accent1">
+              <a:shade val="15000"/>
+            </a:schemeClr>
+          </a:lnRef>
+          <a:fillRef idx="1">
+            <a:schemeClr val="accent1"/>
+          </a:fillRef>
+          <a:effectRef idx="0">
+            <a:schemeClr val="accent1"/>
+          </a:effectRef>
+          <a:fontRef idx="minor">
+            <a:schemeClr val="lt1"/>
+          </a:fontRef>
+        </p:style>
+        <p:txBody>
+          <a:bodyPr rtlCol="0" anchor="ctr"/>
+          <a:lstStyle/>
+          <a:p>
+            <a:r>
+              <a:rPr lang="en-US" sz="1200" dirty="0">
+                <a:solidFill>
+                  <a:schemeClr val="tx1"/>
+                </a:solidFill>
+              </a:rPr>
+              <a:t>Lower control region contains interactive simulation controls</a:t>
+            </a:r>
+          </a:p>
+        </p:txBody>
+      </p:sp>
+      <p:sp>
+        <p:nvSpPr>
+          <p:cNvPr id="15" name="Rounded Rectangle 14">
+            <a:extLst>
+              <a:ext uri="{FF2B5EF4-FFF2-40B4-BE49-F238E27FC236}">
+                <a16:creationId xmlns:a16="http://schemas.microsoft.com/office/drawing/2014/main" id="{6064FC39-6252-EA2B-C8E6-AD8ED7FD1F0B}"/>
+              </a:ext>
+            </a:extLst>
+          </p:cNvPr>
+          <p:cNvSpPr/>
+          <p:nvPr/>
+        </p:nvSpPr>
+        <p:spPr>
+          <a:xfrm>
+            <a:off x="7217342" y="5908308"/>
+            <a:ext cx="2743200" cy="471638"/>
+          </a:xfrm>
+          <a:prstGeom prst="roundRect">
+            <a:avLst/>
+          </a:prstGeom>
+          <a:solidFill>
+            <a:schemeClr val="accent4">
+              <a:lumMod val="20000"/>
+              <a:lumOff val="80000"/>
+            </a:schemeClr>
+          </a:solidFill>
+        </p:spPr>
+        <p:style>
+          <a:lnRef idx="2">
+            <a:schemeClr val="accent1">
+              <a:shade val="15000"/>
+            </a:schemeClr>
+          </a:lnRef>
+          <a:fillRef idx="1">
+            <a:schemeClr val="accent1"/>
+          </a:fillRef>
+          <a:effectRef idx="0">
+            <a:schemeClr val="accent1"/>
+          </a:effectRef>
+          <a:fontRef idx="minor">
+            <a:schemeClr val="lt1"/>
+          </a:fontRef>
+        </p:style>
+        <p:txBody>
+          <a:bodyPr rtlCol="0" anchor="ctr"/>
+          <a:lstStyle/>
+          <a:p>
+            <a:r>
+              <a:rPr lang="en-US" sz="1200" dirty="0">
+                <a:solidFill>
+                  <a:schemeClr val="tx1"/>
+                </a:solidFill>
+              </a:rPr>
+              <a:t>Horizontal sliders resize when container changes</a:t>
+            </a:r>
+          </a:p>
+        </p:txBody>
+      </p:sp>
+      <p:cxnSp>
+        <p:nvCxnSpPr>
+          <p:cNvPr id="16" name="Straight Arrow Connector 15">
+            <a:extLst>
+              <a:ext uri="{FF2B5EF4-FFF2-40B4-BE49-F238E27FC236}">
+                <a16:creationId xmlns:a16="http://schemas.microsoft.com/office/drawing/2014/main" id="{226838EE-0A5A-1CB0-3D19-E8A8E0A30FB9}"/>
+              </a:ext>
+            </a:extLst>
+          </p:cNvPr>
+          <p:cNvCxnSpPr>
+            <a:cxnSpLocks/>
+            <a:stCxn id="15" idx="1"/>
+          </p:cNvCxnSpPr>
+          <p:nvPr/>
+        </p:nvCxnSpPr>
+        <p:spPr>
+          <a:xfrm flipH="1" flipV="1">
+            <a:off x="6237171" y="5534526"/>
+            <a:ext cx="980171" cy="609601"/>
+          </a:xfrm>
+          <a:prstGeom prst="straightConnector1">
+            <a:avLst/>
+          </a:prstGeom>
+          <a:ln w="38100">
+            <a:solidFill>
+              <a:schemeClr val="tx1"/>
+            </a:solidFill>
+            <a:tailEnd type="triangle"/>
+          </a:ln>
+        </p:spPr>
+        <p:style>
+          <a:lnRef idx="1">
+            <a:schemeClr val="accent1"/>
+          </a:lnRef>
+          <a:fillRef idx="0">
+            <a:schemeClr val="accent1"/>
+          </a:fillRef>
+          <a:effectRef idx="0">
+            <a:schemeClr val="accent1"/>
+          </a:effectRef>
+          <a:fontRef idx="minor">
+            <a:schemeClr val="tx1"/>
+          </a:fontRef>
+        </p:style>
+      </p:cxnSp>
+      <p:cxnSp>
+        <p:nvCxnSpPr>
+          <p:cNvPr id="19" name="Straight Arrow Connector 18">
+            <a:extLst>
+              <a:ext uri="{FF2B5EF4-FFF2-40B4-BE49-F238E27FC236}">
+                <a16:creationId xmlns:a16="http://schemas.microsoft.com/office/drawing/2014/main" id="{DB816389-A8BF-7761-31EB-18D617DA31D8}"/>
+              </a:ext>
+            </a:extLst>
+          </p:cNvPr>
+          <p:cNvCxnSpPr>
+            <a:cxnSpLocks/>
+          </p:cNvCxnSpPr>
+          <p:nvPr/>
+        </p:nvCxnSpPr>
+        <p:spPr>
+          <a:xfrm flipV="1">
+            <a:off x="516556" y="1276951"/>
+            <a:ext cx="0" cy="1543252"/>
+          </a:xfrm>
+          <a:prstGeom prst="straightConnector1">
+            <a:avLst/>
+          </a:prstGeom>
+          <a:ln w="38100">
+            <a:solidFill>
+              <a:schemeClr val="tx1"/>
+            </a:solidFill>
+            <a:tailEnd type="triangle"/>
+          </a:ln>
+        </p:spPr>
+        <p:style>
+          <a:lnRef idx="1">
+            <a:schemeClr val="accent1"/>
+          </a:lnRef>
+          <a:fillRef idx="0">
+            <a:schemeClr val="accent1"/>
+          </a:fillRef>
+          <a:effectRef idx="0">
+            <a:schemeClr val="accent1"/>
+          </a:effectRef>
+          <a:fontRef idx="minor">
+            <a:schemeClr val="tx1"/>
+          </a:fontRef>
+        </p:style>
+      </p:cxnSp>
+      <p:sp>
+        <p:nvSpPr>
+          <p:cNvPr id="21" name="Rounded Rectangle 20">
+            <a:extLst>
+              <a:ext uri="{FF2B5EF4-FFF2-40B4-BE49-F238E27FC236}">
+                <a16:creationId xmlns:a16="http://schemas.microsoft.com/office/drawing/2014/main" id="{5E81CB99-757E-9FA7-306B-567C1ADD9E16}"/>
+              </a:ext>
+            </a:extLst>
+          </p:cNvPr>
+          <p:cNvSpPr/>
+          <p:nvPr/>
+        </p:nvSpPr>
+        <p:spPr>
+          <a:xfrm>
+            <a:off x="218174" y="2961374"/>
+            <a:ext cx="648100" cy="417094"/>
+          </a:xfrm>
+          <a:prstGeom prst="roundRect">
+            <a:avLst/>
+          </a:prstGeom>
+          <a:solidFill>
+            <a:schemeClr val="accent4">
+              <a:lumMod val="20000"/>
+              <a:lumOff val="80000"/>
+            </a:schemeClr>
+          </a:solidFill>
+        </p:spPr>
+        <p:style>
+          <a:lnRef idx="2">
+            <a:schemeClr val="accent1">
+              <a:shade val="15000"/>
+            </a:schemeClr>
+          </a:lnRef>
+          <a:fillRef idx="1">
+            <a:schemeClr val="accent1"/>
+          </a:fillRef>
+          <a:effectRef idx="0">
+            <a:schemeClr val="accent1"/>
+          </a:effectRef>
+          <a:fontRef idx="minor">
+            <a:schemeClr val="lt1"/>
+          </a:fontRef>
+        </p:style>
+        <p:txBody>
+          <a:bodyPr rtlCol="0" anchor="ctr"/>
+          <a:lstStyle/>
+          <a:p>
+            <a:pPr algn="ctr"/>
+            <a:r>
+              <a:rPr lang="en-US" sz="1200" dirty="0">
+                <a:solidFill>
+                  <a:schemeClr val="tx1"/>
+                </a:solidFill>
+              </a:rPr>
+              <a:t>Fixed Height</a:t>
+            </a:r>
+          </a:p>
+        </p:txBody>
+      </p:sp>
+      <p:cxnSp>
+        <p:nvCxnSpPr>
+          <p:cNvPr id="22" name="Straight Arrow Connector 21">
+            <a:extLst>
+              <a:ext uri="{FF2B5EF4-FFF2-40B4-BE49-F238E27FC236}">
+                <a16:creationId xmlns:a16="http://schemas.microsoft.com/office/drawing/2014/main" id="{55C9589A-A3BA-6091-1C62-F071D8210898}"/>
+              </a:ext>
+            </a:extLst>
+          </p:cNvPr>
+          <p:cNvCxnSpPr>
+            <a:cxnSpLocks/>
+          </p:cNvCxnSpPr>
+          <p:nvPr/>
+        </p:nvCxnSpPr>
+        <p:spPr>
+          <a:xfrm>
+            <a:off x="505327" y="3540494"/>
+            <a:ext cx="0" cy="2109535"/>
+          </a:xfrm>
+          <a:prstGeom prst="straightConnector1">
+            <a:avLst/>
+          </a:prstGeom>
+          <a:ln w="38100">
+            <a:solidFill>
+              <a:schemeClr val="tx1"/>
+            </a:solidFill>
+            <a:tailEnd type="triangle"/>
+          </a:ln>
+        </p:spPr>
+        <p:style>
+          <a:lnRef idx="1">
+            <a:schemeClr val="accent1"/>
+          </a:lnRef>
+          <a:fillRef idx="0">
+            <a:schemeClr val="accent1"/>
+          </a:fillRef>
+          <a:effectRef idx="0">
+            <a:schemeClr val="accent1"/>
+          </a:effectRef>
+          <a:fontRef idx="minor">
+            <a:schemeClr val="tx1"/>
+          </a:fontRef>
+        </p:style>
+      </p:cxnSp>
+      <p:sp>
+        <p:nvSpPr>
+          <p:cNvPr id="25" name="Rounded Rectangle 24">
+            <a:extLst>
+              <a:ext uri="{FF2B5EF4-FFF2-40B4-BE49-F238E27FC236}">
+                <a16:creationId xmlns:a16="http://schemas.microsoft.com/office/drawing/2014/main" id="{C6961FA6-84D5-2B62-F3C9-E6FBA03A9AA5}"/>
+              </a:ext>
+            </a:extLst>
+          </p:cNvPr>
+          <p:cNvSpPr/>
+          <p:nvPr/>
+        </p:nvSpPr>
+        <p:spPr>
+          <a:xfrm>
+            <a:off x="2892392" y="5866600"/>
+            <a:ext cx="1082841" cy="417094"/>
+          </a:xfrm>
+          <a:prstGeom prst="roundRect">
+            <a:avLst/>
+          </a:prstGeom>
+          <a:solidFill>
+            <a:schemeClr val="accent4">
+              <a:lumMod val="20000"/>
+              <a:lumOff val="80000"/>
+            </a:schemeClr>
+          </a:solidFill>
+        </p:spPr>
+        <p:style>
+          <a:lnRef idx="2">
+            <a:schemeClr val="accent1">
+              <a:shade val="15000"/>
+            </a:schemeClr>
+          </a:lnRef>
+          <a:fillRef idx="1">
+            <a:schemeClr val="accent1"/>
+          </a:fillRef>
+          <a:effectRef idx="0">
+            <a:schemeClr val="accent1"/>
+          </a:effectRef>
+          <a:fontRef idx="minor">
+            <a:schemeClr val="lt1"/>
+          </a:fontRef>
+        </p:style>
+        <p:txBody>
+          <a:bodyPr rtlCol="0" anchor="ctr"/>
+          <a:lstStyle/>
+          <a:p>
+            <a:pPr algn="ctr"/>
+            <a:r>
+              <a:rPr lang="en-US" sz="1200" dirty="0">
+                <a:solidFill>
+                  <a:schemeClr val="tx1"/>
+                </a:solidFill>
+              </a:rPr>
+              <a:t>Responsive</a:t>
+            </a:r>
+          </a:p>
+          <a:p>
+            <a:pPr algn="ctr"/>
+            <a:r>
+              <a:rPr lang="en-US" sz="1200" dirty="0">
+                <a:solidFill>
+                  <a:schemeClr val="tx1"/>
+                </a:solidFill>
+              </a:rPr>
+              <a:t>Width</a:t>
+            </a:r>
+          </a:p>
+        </p:txBody>
+      </p:sp>
+      <p:cxnSp>
+        <p:nvCxnSpPr>
+          <p:cNvPr id="26" name="Straight Arrow Connector 25">
+            <a:extLst>
+              <a:ext uri="{FF2B5EF4-FFF2-40B4-BE49-F238E27FC236}">
+                <a16:creationId xmlns:a16="http://schemas.microsoft.com/office/drawing/2014/main" id="{C552FF2B-5E17-D035-D471-123F008327B8}"/>
+              </a:ext>
+            </a:extLst>
+          </p:cNvPr>
+          <p:cNvCxnSpPr>
+            <a:cxnSpLocks/>
+          </p:cNvCxnSpPr>
+          <p:nvPr/>
+        </p:nvCxnSpPr>
+        <p:spPr>
+          <a:xfrm flipH="1">
+            <a:off x="1068404" y="6092792"/>
+            <a:ext cx="1722923" cy="0"/>
+          </a:xfrm>
+          <a:prstGeom prst="straightConnector1">
+            <a:avLst/>
+          </a:prstGeom>
+          <a:ln w="38100">
+            <a:solidFill>
+              <a:schemeClr val="tx1"/>
+            </a:solidFill>
+            <a:tailEnd type="triangle"/>
+          </a:ln>
+        </p:spPr>
+        <p:style>
+          <a:lnRef idx="1">
+            <a:schemeClr val="accent1"/>
+          </a:lnRef>
+          <a:fillRef idx="0">
+            <a:schemeClr val="accent1"/>
+          </a:fillRef>
+          <a:effectRef idx="0">
+            <a:schemeClr val="accent1"/>
+          </a:effectRef>
+          <a:fontRef idx="minor">
+            <a:schemeClr val="tx1"/>
+          </a:fontRef>
+        </p:style>
+      </p:cxnSp>
+      <p:cxnSp>
+        <p:nvCxnSpPr>
+          <p:cNvPr id="29" name="Straight Arrow Connector 28">
+            <a:extLst>
+              <a:ext uri="{FF2B5EF4-FFF2-40B4-BE49-F238E27FC236}">
+                <a16:creationId xmlns:a16="http://schemas.microsoft.com/office/drawing/2014/main" id="{E15459A8-F01E-EE6A-0197-E6873B5EF9E7}"/>
+              </a:ext>
+            </a:extLst>
+          </p:cNvPr>
+          <p:cNvCxnSpPr>
+            <a:cxnSpLocks/>
+          </p:cNvCxnSpPr>
+          <p:nvPr/>
+        </p:nvCxnSpPr>
+        <p:spPr>
+          <a:xfrm>
+            <a:off x="4127634" y="6091188"/>
+            <a:ext cx="2494547" cy="0"/>
+          </a:xfrm>
+          <a:prstGeom prst="straightConnector1">
+            <a:avLst/>
+          </a:prstGeom>
+          <a:ln w="38100">
+            <a:solidFill>
+              <a:schemeClr val="tx1"/>
+            </a:solidFill>
+            <a:tailEnd type="triangle"/>
+          </a:ln>
+        </p:spPr>
+        <p:style>
+          <a:lnRef idx="1">
+            <a:schemeClr val="accent1"/>
+          </a:lnRef>
+          <a:fillRef idx="0">
+            <a:schemeClr val="accent1"/>
+          </a:fillRef>
+          <a:effectRef idx="0">
+            <a:schemeClr val="accent1"/>
+          </a:effectRef>
+          <a:fontRef idx="minor">
+            <a:schemeClr val="tx1"/>
+          </a:fontRef>
+        </p:style>
+      </p:cxnSp>
     </p:spTree>
     <p:extLst>
       <p:ext uri="{BB962C8B-B14F-4D97-AF65-F5344CB8AC3E}">
@@ -4489,6 +5679,520 @@
 </file>
 
 <file path=ppt/slides/slide3.xml><?xml version="1.0" encoding="utf-8"?>
+<p:sld xmlns:a="http://schemas.openxmlformats.org/drawingml/2006/main" xmlns:r="http://schemas.openxmlformats.org/officeDocument/2006/relationships" xmlns:p="http://schemas.openxmlformats.org/presentationml/2006/main">
+  <p:cSld>
+    <p:spTree>
+      <p:nvGrpSpPr>
+        <p:cNvPr id="1" name=""/>
+        <p:cNvGrpSpPr/>
+        <p:nvPr/>
+      </p:nvGrpSpPr>
+      <p:grpSpPr>
+        <a:xfrm>
+          <a:off x="0" y="0"/>
+          <a:ext cx="0" cy="0"/>
+          <a:chOff x="0" y="0"/>
+          <a:chExt cx="0" cy="0"/>
+        </a:xfrm>
+      </p:grpSpPr>
+      <p:sp>
+        <p:nvSpPr>
+          <p:cNvPr id="2" name="Title 1">
+            <a:extLst>
+              <a:ext uri="{FF2B5EF4-FFF2-40B4-BE49-F238E27FC236}">
+                <a16:creationId xmlns:a16="http://schemas.microsoft.com/office/drawing/2014/main" id="{4EC8D172-433D-1187-B997-3E1952991489}"/>
+              </a:ext>
+            </a:extLst>
+          </p:cNvPr>
+          <p:cNvSpPr>
+            <a:spLocks noGrp="1"/>
+          </p:cNvSpPr>
+          <p:nvPr>
+            <p:ph type="title"/>
+          </p:nvPr>
+        </p:nvSpPr>
+        <p:spPr>
+          <a:xfrm>
+            <a:off x="358140" y="239395"/>
+            <a:ext cx="10515600" cy="503555"/>
+          </a:xfrm>
+        </p:spPr>
+        <p:txBody>
+          <a:bodyPr>
+            <a:normAutofit fontScale="90000"/>
+          </a:bodyPr>
+          <a:lstStyle/>
+          <a:p>
+            <a:r>
+              <a:rPr lang="en-US" dirty="0"/>
+              <a:t>MicroSim Architecture</a:t>
+            </a:r>
+          </a:p>
+        </p:txBody>
+      </p:sp>
+      <p:sp>
+        <p:nvSpPr>
+          <p:cNvPr id="4" name="Rectangle 3">
+            <a:extLst>
+              <a:ext uri="{FF2B5EF4-FFF2-40B4-BE49-F238E27FC236}">
+                <a16:creationId xmlns:a16="http://schemas.microsoft.com/office/drawing/2014/main" id="{8900B420-B029-7422-9B7A-02D0C7B1BE12}"/>
+              </a:ext>
+            </a:extLst>
+          </p:cNvPr>
+          <p:cNvSpPr/>
+          <p:nvPr/>
+        </p:nvSpPr>
+        <p:spPr>
+          <a:xfrm>
+            <a:off x="2354580" y="3992879"/>
+            <a:ext cx="3768692" cy="656323"/>
+          </a:xfrm>
+          <a:prstGeom prst="rect">
+            <a:avLst/>
+          </a:prstGeom>
+        </p:spPr>
+        <p:style>
+          <a:lnRef idx="2">
+            <a:schemeClr val="accent1">
+              <a:shade val="15000"/>
+            </a:schemeClr>
+          </a:lnRef>
+          <a:fillRef idx="1">
+            <a:schemeClr val="accent1"/>
+          </a:fillRef>
+          <a:effectRef idx="0">
+            <a:schemeClr val="accent1"/>
+          </a:effectRef>
+          <a:fontRef idx="minor">
+            <a:schemeClr val="lt1"/>
+          </a:fontRef>
+        </p:style>
+        <p:txBody>
+          <a:bodyPr rtlCol="0" anchor="ctr"/>
+          <a:lstStyle/>
+          <a:p>
+            <a:pPr algn="ctr"/>
+            <a:r>
+              <a:rPr lang="en-US" dirty="0"/>
+              <a:t>Web Browser (Chrome, FireFox)</a:t>
+            </a:r>
+          </a:p>
+        </p:txBody>
+      </p:sp>
+      <p:sp>
+        <p:nvSpPr>
+          <p:cNvPr id="5" name="Rectangle 4">
+            <a:extLst>
+              <a:ext uri="{FF2B5EF4-FFF2-40B4-BE49-F238E27FC236}">
+                <a16:creationId xmlns:a16="http://schemas.microsoft.com/office/drawing/2014/main" id="{88A5001C-C40A-87A8-45E7-F3714D928B89}"/>
+              </a:ext>
+            </a:extLst>
+          </p:cNvPr>
+          <p:cNvSpPr/>
+          <p:nvPr/>
+        </p:nvSpPr>
+        <p:spPr>
+          <a:xfrm>
+            <a:off x="2362601" y="3144253"/>
+            <a:ext cx="3768692" cy="656323"/>
+          </a:xfrm>
+          <a:prstGeom prst="rect">
+            <a:avLst/>
+          </a:prstGeom>
+        </p:spPr>
+        <p:style>
+          <a:lnRef idx="2">
+            <a:schemeClr val="accent1">
+              <a:shade val="15000"/>
+            </a:schemeClr>
+          </a:lnRef>
+          <a:fillRef idx="1">
+            <a:schemeClr val="accent1"/>
+          </a:fillRef>
+          <a:effectRef idx="0">
+            <a:schemeClr val="accent1"/>
+          </a:effectRef>
+          <a:fontRef idx="minor">
+            <a:schemeClr val="lt1"/>
+          </a:fontRef>
+        </p:style>
+        <p:txBody>
+          <a:bodyPr rtlCol="0" anchor="ctr"/>
+          <a:lstStyle/>
+          <a:p>
+            <a:pPr algn="ctr"/>
+            <a:r>
+              <a:rPr lang="en-US" dirty="0"/>
+              <a:t>HTML 5/ECMAScript/Canvas</a:t>
+            </a:r>
+          </a:p>
+        </p:txBody>
+      </p:sp>
+      <p:sp>
+        <p:nvSpPr>
+          <p:cNvPr id="8" name="Rectangle 7">
+            <a:extLst>
+              <a:ext uri="{FF2B5EF4-FFF2-40B4-BE49-F238E27FC236}">
+                <a16:creationId xmlns:a16="http://schemas.microsoft.com/office/drawing/2014/main" id="{29D2D3DC-1FC0-3FB7-B641-588BB50B94AC}"/>
+              </a:ext>
+            </a:extLst>
+          </p:cNvPr>
+          <p:cNvSpPr/>
+          <p:nvPr/>
+        </p:nvSpPr>
+        <p:spPr>
+          <a:xfrm>
+            <a:off x="2370622" y="2305250"/>
+            <a:ext cx="3768692" cy="656323"/>
+          </a:xfrm>
+          <a:prstGeom prst="rect">
+            <a:avLst/>
+          </a:prstGeom>
+        </p:spPr>
+        <p:style>
+          <a:lnRef idx="2">
+            <a:schemeClr val="accent1">
+              <a:shade val="15000"/>
+            </a:schemeClr>
+          </a:lnRef>
+          <a:fillRef idx="1">
+            <a:schemeClr val="accent1"/>
+          </a:fillRef>
+          <a:effectRef idx="0">
+            <a:schemeClr val="accent1"/>
+          </a:effectRef>
+          <a:fontRef idx="minor">
+            <a:schemeClr val="lt1"/>
+          </a:fontRef>
+        </p:style>
+        <p:txBody>
+          <a:bodyPr rtlCol="0" anchor="ctr"/>
+          <a:lstStyle/>
+          <a:p>
+            <a:pPr algn="ctr"/>
+            <a:r>
+              <a:rPr lang="en-US" dirty="0"/>
+              <a:t>JavaScript Libraries (p5.js, vis.js etc.)</a:t>
+            </a:r>
+          </a:p>
+        </p:txBody>
+      </p:sp>
+      <p:sp>
+        <p:nvSpPr>
+          <p:cNvPr id="9" name="Rectangle 8">
+            <a:extLst>
+              <a:ext uri="{FF2B5EF4-FFF2-40B4-BE49-F238E27FC236}">
+                <a16:creationId xmlns:a16="http://schemas.microsoft.com/office/drawing/2014/main" id="{94C2837A-D36B-A69C-CD73-61D40B928C95}"/>
+              </a:ext>
+            </a:extLst>
+          </p:cNvPr>
+          <p:cNvSpPr/>
+          <p:nvPr/>
+        </p:nvSpPr>
+        <p:spPr>
+          <a:xfrm>
+            <a:off x="2388268" y="1466248"/>
+            <a:ext cx="3768692" cy="656323"/>
+          </a:xfrm>
+          <a:prstGeom prst="rect">
+            <a:avLst/>
+          </a:prstGeom>
+        </p:spPr>
+        <p:style>
+          <a:lnRef idx="2">
+            <a:schemeClr val="accent1">
+              <a:shade val="15000"/>
+            </a:schemeClr>
+          </a:lnRef>
+          <a:fillRef idx="1">
+            <a:schemeClr val="accent1"/>
+          </a:fillRef>
+          <a:effectRef idx="0">
+            <a:schemeClr val="accent1"/>
+          </a:effectRef>
+          <a:fontRef idx="minor">
+            <a:schemeClr val="lt1"/>
+          </a:fontRef>
+        </p:style>
+        <p:txBody>
+          <a:bodyPr rtlCol="0" anchor="ctr"/>
+          <a:lstStyle/>
+          <a:p>
+            <a:pPr algn="ctr"/>
+            <a:r>
+              <a:rPr lang="en-US" dirty="0"/>
+              <a:t>MicroSim</a:t>
+            </a:r>
+          </a:p>
+        </p:txBody>
+      </p:sp>
+      <p:sp>
+        <p:nvSpPr>
+          <p:cNvPr id="10" name="Rectangle 9">
+            <a:extLst>
+              <a:ext uri="{FF2B5EF4-FFF2-40B4-BE49-F238E27FC236}">
+                <a16:creationId xmlns:a16="http://schemas.microsoft.com/office/drawing/2014/main" id="{06B85D99-2808-8CE9-E91A-5871777F7965}"/>
+              </a:ext>
+            </a:extLst>
+          </p:cNvPr>
+          <p:cNvSpPr/>
+          <p:nvPr/>
+        </p:nvSpPr>
+        <p:spPr>
+          <a:xfrm>
+            <a:off x="2352976" y="4876799"/>
+            <a:ext cx="3768692" cy="656323"/>
+          </a:xfrm>
+          <a:prstGeom prst="rect">
+            <a:avLst/>
+          </a:prstGeom>
+        </p:spPr>
+        <p:style>
+          <a:lnRef idx="2">
+            <a:schemeClr val="accent1">
+              <a:shade val="15000"/>
+            </a:schemeClr>
+          </a:lnRef>
+          <a:fillRef idx="1">
+            <a:schemeClr val="accent1"/>
+          </a:fillRef>
+          <a:effectRef idx="0">
+            <a:schemeClr val="accent1"/>
+          </a:effectRef>
+          <a:fontRef idx="minor">
+            <a:schemeClr val="lt1"/>
+          </a:fontRef>
+        </p:style>
+        <p:txBody>
+          <a:bodyPr rtlCol="0" anchor="ctr"/>
+          <a:lstStyle/>
+          <a:p>
+            <a:pPr algn="ctr"/>
+            <a:r>
+              <a:rPr lang="en-US" dirty="0"/>
+              <a:t>Drawing Libraries (WebGL, WebGPU)</a:t>
+            </a:r>
+          </a:p>
+        </p:txBody>
+      </p:sp>
+      <p:sp>
+        <p:nvSpPr>
+          <p:cNvPr id="11" name="Rectangle 10">
+            <a:extLst>
+              <a:ext uri="{FF2B5EF4-FFF2-40B4-BE49-F238E27FC236}">
+                <a16:creationId xmlns:a16="http://schemas.microsoft.com/office/drawing/2014/main" id="{0D7E486D-567E-7AC8-BFCF-EA545A3A8AA1}"/>
+              </a:ext>
+            </a:extLst>
+          </p:cNvPr>
+          <p:cNvSpPr/>
+          <p:nvPr/>
+        </p:nvSpPr>
+        <p:spPr>
+          <a:xfrm>
+            <a:off x="6602529" y="1411505"/>
+            <a:ext cx="895551" cy="765810"/>
+          </a:xfrm>
+          <a:prstGeom prst="rect">
+            <a:avLst/>
+          </a:prstGeom>
+        </p:spPr>
+        <p:style>
+          <a:lnRef idx="2">
+            <a:schemeClr val="accent1">
+              <a:shade val="15000"/>
+            </a:schemeClr>
+          </a:lnRef>
+          <a:fillRef idx="1">
+            <a:schemeClr val="accent1"/>
+          </a:fillRef>
+          <a:effectRef idx="0">
+            <a:schemeClr val="accent1"/>
+          </a:effectRef>
+          <a:fontRef idx="minor">
+            <a:schemeClr val="lt1"/>
+          </a:fontRef>
+        </p:style>
+        <p:txBody>
+          <a:bodyPr rtlCol="0" anchor="ctr"/>
+          <a:lstStyle/>
+          <a:p>
+            <a:pPr algn="ctr"/>
+            <a:r>
+              <a:rPr lang="en-US" dirty="0"/>
+              <a:t>xAPI</a:t>
+            </a:r>
+          </a:p>
+        </p:txBody>
+      </p:sp>
+      <p:cxnSp>
+        <p:nvCxnSpPr>
+          <p:cNvPr id="14" name="Straight Arrow Connector 13">
+            <a:extLst>
+              <a:ext uri="{FF2B5EF4-FFF2-40B4-BE49-F238E27FC236}">
+                <a16:creationId xmlns:a16="http://schemas.microsoft.com/office/drawing/2014/main" id="{80D0D5ED-3F29-AE54-6E3B-BEAEDA4228B5}"/>
+              </a:ext>
+            </a:extLst>
+          </p:cNvPr>
+          <p:cNvCxnSpPr>
+            <a:cxnSpLocks/>
+            <a:stCxn id="9" idx="3"/>
+            <a:endCxn id="11" idx="1"/>
+          </p:cNvCxnSpPr>
+          <p:nvPr/>
+        </p:nvCxnSpPr>
+        <p:spPr>
+          <a:xfrm>
+            <a:off x="6156960" y="1794410"/>
+            <a:ext cx="445569" cy="0"/>
+          </a:xfrm>
+          <a:prstGeom prst="straightConnector1">
+            <a:avLst/>
+          </a:prstGeom>
+          <a:ln w="38100">
+            <a:solidFill>
+              <a:schemeClr val="tx1"/>
+            </a:solidFill>
+            <a:headEnd type="none" w="med" len="med"/>
+            <a:tailEnd type="triangle" w="med" len="med"/>
+          </a:ln>
+        </p:spPr>
+        <p:style>
+          <a:lnRef idx="1">
+            <a:schemeClr val="accent1"/>
+          </a:lnRef>
+          <a:fillRef idx="0">
+            <a:schemeClr val="accent1"/>
+          </a:fillRef>
+          <a:effectRef idx="0">
+            <a:schemeClr val="accent1"/>
+          </a:effectRef>
+          <a:fontRef idx="minor">
+            <a:schemeClr val="tx1"/>
+          </a:fontRef>
+        </p:style>
+      </p:cxnSp>
+      <p:cxnSp>
+        <p:nvCxnSpPr>
+          <p:cNvPr id="16" name="Straight Arrow Connector 15">
+            <a:extLst>
+              <a:ext uri="{FF2B5EF4-FFF2-40B4-BE49-F238E27FC236}">
+                <a16:creationId xmlns:a16="http://schemas.microsoft.com/office/drawing/2014/main" id="{AEFB5B09-8672-8660-BBF2-EADF158B7A60}"/>
+              </a:ext>
+            </a:extLst>
+          </p:cNvPr>
+          <p:cNvCxnSpPr/>
+          <p:nvPr/>
+        </p:nvCxnSpPr>
+        <p:spPr>
+          <a:xfrm flipV="1">
+            <a:off x="7502893" y="1754305"/>
+            <a:ext cx="435944" cy="1604"/>
+          </a:xfrm>
+          <a:prstGeom prst="straightConnector1">
+            <a:avLst/>
+          </a:prstGeom>
+          <a:ln w="38100">
+            <a:solidFill>
+              <a:schemeClr val="tx1"/>
+            </a:solidFill>
+            <a:headEnd type="none" w="med" len="med"/>
+            <a:tailEnd type="triangle" w="med" len="med"/>
+          </a:ln>
+        </p:spPr>
+        <p:style>
+          <a:lnRef idx="1">
+            <a:schemeClr val="accent1"/>
+          </a:lnRef>
+          <a:fillRef idx="0">
+            <a:schemeClr val="accent1"/>
+          </a:fillRef>
+          <a:effectRef idx="0">
+            <a:schemeClr val="accent1"/>
+          </a:effectRef>
+          <a:fontRef idx="minor">
+            <a:schemeClr val="tx1"/>
+          </a:fontRef>
+        </p:style>
+      </p:cxnSp>
+      <p:sp>
+        <p:nvSpPr>
+          <p:cNvPr id="17" name="Can 16">
+            <a:extLst>
+              <a:ext uri="{FF2B5EF4-FFF2-40B4-BE49-F238E27FC236}">
+                <a16:creationId xmlns:a16="http://schemas.microsoft.com/office/drawing/2014/main" id="{61C4F2D7-885B-262E-C20A-A65D13708A77}"/>
+              </a:ext>
+            </a:extLst>
+          </p:cNvPr>
+          <p:cNvSpPr/>
+          <p:nvPr/>
+        </p:nvSpPr>
+        <p:spPr>
+          <a:xfrm>
+            <a:off x="7940841" y="1309035"/>
+            <a:ext cx="1222409" cy="1078030"/>
+          </a:xfrm>
+          <a:prstGeom prst="can">
+            <a:avLst>
+              <a:gd name="adj" fmla="val 15179"/>
+            </a:avLst>
+          </a:prstGeom>
+        </p:spPr>
+        <p:style>
+          <a:lnRef idx="2">
+            <a:schemeClr val="accent1">
+              <a:shade val="15000"/>
+            </a:schemeClr>
+          </a:lnRef>
+          <a:fillRef idx="1">
+            <a:schemeClr val="accent1"/>
+          </a:fillRef>
+          <a:effectRef idx="0">
+            <a:schemeClr val="accent1"/>
+          </a:effectRef>
+          <a:fontRef idx="minor">
+            <a:schemeClr val="lt1"/>
+          </a:fontRef>
+        </p:style>
+        <p:txBody>
+          <a:bodyPr rtlCol="0" anchor="ctr"/>
+          <a:lstStyle/>
+          <a:p>
+            <a:pPr algn="ctr"/>
+            <a:r>
+              <a:rPr lang="en-US" dirty="0"/>
+              <a:t>Learner</a:t>
+            </a:r>
+          </a:p>
+          <a:p>
+            <a:pPr algn="ctr"/>
+            <a:r>
+              <a:rPr lang="en-US" dirty="0"/>
+              <a:t>Record</a:t>
+            </a:r>
+          </a:p>
+          <a:p>
+            <a:pPr algn="ctr"/>
+            <a:r>
+              <a:rPr lang="en-US" dirty="0"/>
+              <a:t>Store</a:t>
+            </a:r>
+          </a:p>
+        </p:txBody>
+      </p:sp>
+    </p:spTree>
+    <p:extLst>
+      <p:ext uri="{BB962C8B-B14F-4D97-AF65-F5344CB8AC3E}">
+        <p14:creationId xmlns:p14="http://schemas.microsoft.com/office/powerpoint/2010/main" val="2583925113"/>
+      </p:ext>
+    </p:extLst>
+  </p:cSld>
+  <p:clrMapOvr>
+    <a:masterClrMapping/>
+  </p:clrMapOvr>
+</p:sld>
+</file>
+
+<file path=ppt/slides/slide4.xml><?xml version="1.0" encoding="utf-8"?>
 <p:sld xmlns:a="http://schemas.openxmlformats.org/drawingml/2006/main" xmlns:r="http://schemas.openxmlformats.org/officeDocument/2006/relationships" xmlns:p="http://schemas.openxmlformats.org/presentationml/2006/main">
   <p:cSld>
     <p:spTree>
@@ -4892,7 +6596,7 @@
 </p:sld>
 </file>
 
-<file path=ppt/slides/slide4.xml><?xml version="1.0" encoding="utf-8"?>
+<file path=ppt/slides/slide5.xml><?xml version="1.0" encoding="utf-8"?>
 <p:sld xmlns:a="http://schemas.openxmlformats.org/drawingml/2006/main" xmlns:r="http://schemas.openxmlformats.org/officeDocument/2006/relationships" xmlns:p="http://schemas.openxmlformats.org/presentationml/2006/main">
   <p:cSld>
     <p:spTree>
@@ -5325,7 +7029,7 @@
 </p:sld>
 </file>
 
-<file path=ppt/slides/slide5.xml><?xml version="1.0" encoding="utf-8"?>
+<file path=ppt/slides/slide6.xml><?xml version="1.0" encoding="utf-8"?>
 <p:sld xmlns:a="http://schemas.openxmlformats.org/drawingml/2006/main" xmlns:r="http://schemas.openxmlformats.org/officeDocument/2006/relationships" xmlns:p="http://schemas.openxmlformats.org/presentationml/2006/main">
   <p:cSld>
     <p:spTree>
@@ -5508,7 +7212,7 @@
 </p:sld>
 </file>
 
-<file path=ppt/slides/slide6.xml><?xml version="1.0" encoding="utf-8"?>
+<file path=ppt/slides/slide7.xml><?xml version="1.0" encoding="utf-8"?>
 <p:sld xmlns:a="http://schemas.openxmlformats.org/drawingml/2006/main" xmlns:r="http://schemas.openxmlformats.org/officeDocument/2006/relationships" xmlns:p="http://schemas.openxmlformats.org/presentationml/2006/main">
   <p:cSld>
     <p:spTree>
@@ -5674,7 +7378,7 @@
 </p:sld>
 </file>
 
-<file path=ppt/slides/slide7.xml><?xml version="1.0" encoding="utf-8"?>
+<file path=ppt/slides/slide8.xml><?xml version="1.0" encoding="utf-8"?>
 <p:sld xmlns:a="http://schemas.openxmlformats.org/drawingml/2006/main" xmlns:r="http://schemas.openxmlformats.org/officeDocument/2006/relationships" xmlns:p="http://schemas.openxmlformats.org/presentationml/2006/main">
   <p:cSld>
     <p:spTree>
@@ -5984,121 +7688,6 @@
 </p:sld>
 </file>
 
-<file path=ppt/slides/slide8.xml><?xml version="1.0" encoding="utf-8"?>
-<p:sld xmlns:a="http://schemas.openxmlformats.org/drawingml/2006/main" xmlns:r="http://schemas.openxmlformats.org/officeDocument/2006/relationships" xmlns:p="http://schemas.openxmlformats.org/presentationml/2006/main">
-  <p:cSld>
-    <p:spTree>
-      <p:nvGrpSpPr>
-        <p:cNvPr id="1" name=""/>
-        <p:cNvGrpSpPr/>
-        <p:nvPr/>
-      </p:nvGrpSpPr>
-      <p:grpSpPr>
-        <a:xfrm>
-          <a:off x="0" y="0"/>
-          <a:ext cx="0" cy="0"/>
-          <a:chOff x="0" y="0"/>
-          <a:chExt cx="0" cy="0"/>
-        </a:xfrm>
-      </p:grpSpPr>
-      <p:sp>
-        <p:nvSpPr>
-          <p:cNvPr id="2" name="Title 1">
-            <a:extLst>
-              <a:ext uri="{FF2B5EF4-FFF2-40B4-BE49-F238E27FC236}">
-                <a16:creationId xmlns:a16="http://schemas.microsoft.com/office/drawing/2014/main" id="{6A943D57-38CD-5E88-8034-6E70F63E07DC}"/>
-              </a:ext>
-            </a:extLst>
-          </p:cNvPr>
-          <p:cNvSpPr>
-            <a:spLocks noGrp="1"/>
-          </p:cNvSpPr>
-          <p:nvPr>
-            <p:ph type="title"/>
-          </p:nvPr>
-        </p:nvSpPr>
-        <p:spPr/>
-        <p:txBody>
-          <a:bodyPr/>
-          <a:lstStyle/>
-          <a:p>
-            <a:endParaRPr lang="en-US"/>
-          </a:p>
-        </p:txBody>
-      </p:sp>
-      <p:sp>
-        <p:nvSpPr>
-          <p:cNvPr id="3" name="Content Placeholder 2">
-            <a:extLst>
-              <a:ext uri="{FF2B5EF4-FFF2-40B4-BE49-F238E27FC236}">
-                <a16:creationId xmlns:a16="http://schemas.microsoft.com/office/drawing/2014/main" id="{D6E1A68C-8E24-4ABB-681B-7B8BEAFFCAB4}"/>
-              </a:ext>
-            </a:extLst>
-          </p:cNvPr>
-          <p:cNvSpPr>
-            <a:spLocks noGrp="1"/>
-          </p:cNvSpPr>
-          <p:nvPr>
-            <p:ph idx="1"/>
-          </p:nvPr>
-        </p:nvSpPr>
-        <p:spPr>
-          <a:xfrm>
-            <a:off x="838200" y="4673599"/>
-            <a:ext cx="10515600" cy="1503363"/>
-          </a:xfrm>
-        </p:spPr>
-        <p:txBody>
-          <a:bodyPr/>
-          <a:lstStyle/>
-          <a:p>
-            <a:endParaRPr lang="en-US" dirty="0"/>
-          </a:p>
-        </p:txBody>
-      </p:sp>
-      <p:pic>
-        <p:nvPicPr>
-          <p:cNvPr id="4" name="Picture 3">
-            <a:extLst>
-              <a:ext uri="{FF2B5EF4-FFF2-40B4-BE49-F238E27FC236}">
-                <a16:creationId xmlns:a16="http://schemas.microsoft.com/office/drawing/2014/main" id="{DF6BEAAA-7C9A-84DE-6265-34BC4239CA7A}"/>
-              </a:ext>
-            </a:extLst>
-          </p:cNvPr>
-          <p:cNvPicPr>
-            <a:picLocks noChangeAspect="1"/>
-          </p:cNvPicPr>
-          <p:nvPr/>
-        </p:nvPicPr>
-        <p:blipFill>
-          <a:blip r:embed="rId2"/>
-          <a:stretch>
-            <a:fillRect/>
-          </a:stretch>
-        </p:blipFill>
-        <p:spPr>
-          <a:xfrm>
-            <a:off x="4152900" y="2103437"/>
-            <a:ext cx="3276600" cy="1701800"/>
-          </a:xfrm>
-          <a:prstGeom prst="rect">
-            <a:avLst/>
-          </a:prstGeom>
-        </p:spPr>
-      </p:pic>
-    </p:spTree>
-    <p:extLst>
-      <p:ext uri="{BB962C8B-B14F-4D97-AF65-F5344CB8AC3E}">
-        <p14:creationId xmlns:p14="http://schemas.microsoft.com/office/powerpoint/2010/main" val="3831524169"/>
-      </p:ext>
-    </p:extLst>
-  </p:cSld>
-  <p:clrMapOvr>
-    <a:masterClrMapping/>
-  </p:clrMapOvr>
-</p:sld>
-</file>
-
 <file path=ppt/slides/slide9.xml><?xml version="1.0" encoding="utf-8"?>
 <p:sld xmlns:a="http://schemas.openxmlformats.org/drawingml/2006/main" xmlns:r="http://schemas.openxmlformats.org/officeDocument/2006/relationships" xmlns:p="http://schemas.openxmlformats.org/presentationml/2006/main">
   <p:cSld>
@@ -6121,7 +7710,7 @@
           <p:cNvPr id="2" name="Title 1">
             <a:extLst>
               <a:ext uri="{FF2B5EF4-FFF2-40B4-BE49-F238E27FC236}">
-                <a16:creationId xmlns:a16="http://schemas.microsoft.com/office/drawing/2014/main" id="{C52839F5-2D92-81F3-16EA-71436404FD1D}"/>
+                <a16:creationId xmlns:a16="http://schemas.microsoft.com/office/drawing/2014/main" id="{6A943D57-38CD-5E88-8034-6E70F63E07DC}"/>
               </a:ext>
             </a:extLst>
           </p:cNvPr>
@@ -6132,22 +7721,12 @@
             <p:ph type="title"/>
           </p:nvPr>
         </p:nvSpPr>
-        <p:spPr>
-          <a:xfrm>
-            <a:off x="838200" y="365126"/>
-            <a:ext cx="10515600" cy="555432"/>
-          </a:xfrm>
-        </p:spPr>
-        <p:txBody>
-          <a:bodyPr>
-            <a:normAutofit fontScale="90000"/>
-          </a:bodyPr>
-          <a:lstStyle/>
-          <a:p>
-            <a:r>
-              <a:rPr lang="en-US" dirty="0"/>
-              <a:t>Social Media Image</a:t>
-            </a:r>
+        <p:spPr/>
+        <p:txBody>
+          <a:bodyPr/>
+          <a:lstStyle/>
+          <a:p>
+            <a:endParaRPr lang="en-US"/>
           </a:p>
         </p:txBody>
       </p:sp>
@@ -6156,7 +7735,7 @@
           <p:cNvPr id="3" name="Content Placeholder 2">
             <a:extLst>
               <a:ext uri="{FF2B5EF4-FFF2-40B4-BE49-F238E27FC236}">
-                <a16:creationId xmlns:a16="http://schemas.microsoft.com/office/drawing/2014/main" id="{56528B54-55EE-651F-7636-28C2855FC9C7}"/>
+                <a16:creationId xmlns:a16="http://schemas.microsoft.com/office/drawing/2014/main" id="{D6E1A68C-8E24-4ABB-681B-7B8BEAFFCAB4}"/>
               </a:ext>
             </a:extLst>
           </p:cNvPr>
@@ -6169,14 +7748,12 @@
         </p:nvSpPr>
         <p:spPr>
           <a:xfrm>
-            <a:off x="838200" y="5706737"/>
-            <a:ext cx="10515600" cy="470226"/>
-          </a:xfrm>
-        </p:spPr>
-        <p:txBody>
-          <a:bodyPr>
-            <a:normAutofit lnSpcReduction="10000"/>
-          </a:bodyPr>
+            <a:off x="838200" y="4673599"/>
+            <a:ext cx="10515600" cy="1503363"/>
+          </a:xfrm>
+        </p:spPr>
+        <p:txBody>
+          <a:bodyPr/>
           <a:lstStyle/>
           <a:p>
             <a:endParaRPr lang="en-US" dirty="0"/>
@@ -6185,351 +7762,38 @@
       </p:sp>
       <p:pic>
         <p:nvPicPr>
-          <p:cNvPr id="4" name="Picture 2">
-            <a:extLst>
-              <a:ext uri="{FF2B5EF4-FFF2-40B4-BE49-F238E27FC236}">
-                <a16:creationId xmlns:a16="http://schemas.microsoft.com/office/drawing/2014/main" id="{0BF59702-0B3E-0654-AD67-F2C225B4B14D}"/>
+          <p:cNvPr id="4" name="Picture 3">
+            <a:extLst>
+              <a:ext uri="{FF2B5EF4-FFF2-40B4-BE49-F238E27FC236}">
+                <a16:creationId xmlns:a16="http://schemas.microsoft.com/office/drawing/2014/main" id="{DF6BEAAA-7C9A-84DE-6265-34BC4239CA7A}"/>
               </a:ext>
             </a:extLst>
           </p:cNvPr>
           <p:cNvPicPr>
-            <a:picLocks noChangeAspect="1" noChangeArrowheads="1"/>
-          </p:cNvPicPr>
-          <p:nvPr/>
-        </p:nvPicPr>
-        <p:blipFill rotWithShape="1">
-          <a:blip r:embed="rId2">
-            <a:extLst>
-              <a:ext uri="{28A0092B-C50C-407E-A947-70E740481C1C}">
-                <a14:useLocalDpi xmlns:a14="http://schemas.microsoft.com/office/drawing/2010/main" val="0"/>
-              </a:ext>
-            </a:extLst>
-          </a:blip>
-          <a:srcRect t="59456"/>
-          <a:stretch/>
-        </p:blipFill>
-        <p:spPr bwMode="auto">
-          <a:xfrm>
-            <a:off x="3410911" y="4173132"/>
-            <a:ext cx="2248271" cy="630960"/>
-          </a:xfrm>
-          <a:prstGeom prst="rect">
-            <a:avLst/>
-          </a:prstGeom>
-          <a:noFill/>
-          <a:extLst>
-            <a:ext uri="{909E8E84-426E-40DD-AFC4-6F175D3DCCD1}">
-              <a14:hiddenFill xmlns:a14="http://schemas.microsoft.com/office/drawing/2010/main">
-                <a:solidFill>
-                  <a:srgbClr val="FFFFFF"/>
-                </a:solidFill>
-              </a14:hiddenFill>
-            </a:ext>
-          </a:extLst>
-        </p:spPr>
-      </p:pic>
-      <p:pic>
-        <p:nvPicPr>
-          <p:cNvPr id="5" name="Picture 6">
-            <a:extLst>
-              <a:ext uri="{FF2B5EF4-FFF2-40B4-BE49-F238E27FC236}">
-                <a16:creationId xmlns:a16="http://schemas.microsoft.com/office/drawing/2014/main" id="{DBFB92F0-3441-61B8-D1DA-89469DECB2CF}"/>
-              </a:ext>
-            </a:extLst>
-          </p:cNvPr>
-          <p:cNvPicPr>
-            <a:picLocks noChangeAspect="1" noChangeArrowheads="1"/>
+            <a:picLocks noChangeAspect="1"/>
           </p:cNvPicPr>
           <p:nvPr/>
         </p:nvPicPr>
         <p:blipFill>
-          <a:blip r:embed="rId3">
-            <a:extLst>
-              <a:ext uri="{28A0092B-C50C-407E-A947-70E740481C1C}">
-                <a14:useLocalDpi xmlns:a14="http://schemas.microsoft.com/office/drawing/2010/main" val="0"/>
-              </a:ext>
-            </a:extLst>
-          </a:blip>
-          <a:srcRect/>
+          <a:blip r:embed="rId2"/>
           <a:stretch>
             <a:fillRect/>
           </a:stretch>
         </p:blipFill>
-        <p:spPr bwMode="auto">
-          <a:xfrm>
-            <a:off x="6956321" y="3821549"/>
-            <a:ext cx="1888851" cy="861788"/>
+        <p:spPr>
+          <a:xfrm>
+            <a:off x="4152900" y="2103437"/>
+            <a:ext cx="3276600" cy="1701800"/>
           </a:xfrm>
           <a:prstGeom prst="rect">
             <a:avLst/>
           </a:prstGeom>
-          <a:noFill/>
-          <a:extLst>
-            <a:ext uri="{909E8E84-426E-40DD-AFC4-6F175D3DCCD1}">
-              <a14:hiddenFill xmlns:a14="http://schemas.microsoft.com/office/drawing/2010/main">
-                <a:solidFill>
-                  <a:srgbClr val="FFFFFF"/>
-                </a:solidFill>
-              </a14:hiddenFill>
-            </a:ext>
-          </a:extLst>
-        </p:spPr>
-      </p:pic>
-      <p:sp>
-        <p:nvSpPr>
-          <p:cNvPr id="6" name="Cross 5">
-            <a:extLst>
-              <a:ext uri="{FF2B5EF4-FFF2-40B4-BE49-F238E27FC236}">
-                <a16:creationId xmlns:a16="http://schemas.microsoft.com/office/drawing/2014/main" id="{1B25BBDF-0704-B48F-8CAB-8BD43264977F}"/>
-              </a:ext>
-            </a:extLst>
-          </p:cNvPr>
-          <p:cNvSpPr/>
-          <p:nvPr/>
-        </p:nvSpPr>
-        <p:spPr>
-          <a:xfrm>
-            <a:off x="6026492" y="4012342"/>
-            <a:ext cx="555755" cy="555431"/>
-          </a:xfrm>
-          <a:prstGeom prst="plus">
-            <a:avLst>
-              <a:gd name="adj" fmla="val 36433"/>
-            </a:avLst>
-          </a:prstGeom>
-          <a:solidFill>
-            <a:schemeClr val="tx1"/>
-          </a:solidFill>
-          <a:ln>
-            <a:noFill/>
-          </a:ln>
-        </p:spPr>
-        <p:style>
-          <a:lnRef idx="2">
-            <a:schemeClr val="accent1">
-              <a:shade val="15000"/>
-            </a:schemeClr>
-          </a:lnRef>
-          <a:fillRef idx="1">
-            <a:schemeClr val="accent1"/>
-          </a:fillRef>
-          <a:effectRef idx="0">
-            <a:schemeClr val="accent1"/>
-          </a:effectRef>
-          <a:fontRef idx="minor">
-            <a:schemeClr val="lt1"/>
-          </a:fontRef>
-        </p:style>
-        <p:txBody>
-          <a:bodyPr rtlCol="0" anchor="ctr"/>
-          <a:lstStyle/>
-          <a:p>
-            <a:pPr algn="ctr"/>
-            <a:endParaRPr lang="en-US"/>
-          </a:p>
-        </p:txBody>
-      </p:sp>
-      <p:sp>
-        <p:nvSpPr>
-          <p:cNvPr id="11" name="TextBox 10">
-            <a:extLst>
-              <a:ext uri="{FF2B5EF4-FFF2-40B4-BE49-F238E27FC236}">
-                <a16:creationId xmlns:a16="http://schemas.microsoft.com/office/drawing/2014/main" id="{A800B20F-E75A-B314-3C98-318E2FA8A6D3}"/>
-              </a:ext>
-            </a:extLst>
-          </p:cNvPr>
-          <p:cNvSpPr txBox="1"/>
-          <p:nvPr/>
-        </p:nvSpPr>
-        <p:spPr>
-          <a:xfrm>
-            <a:off x="2481943" y="1201785"/>
-            <a:ext cx="7438571" cy="2308324"/>
-          </a:xfrm>
-          <a:prstGeom prst="rect">
-            <a:avLst/>
-          </a:prstGeom>
-          <a:noFill/>
-          <a:ln>
-            <a:noFill/>
-          </a:ln>
-        </p:spPr>
-        <p:txBody>
-          <a:bodyPr wrap="square" rtlCol="0">
-            <a:spAutoFit/>
-          </a:bodyPr>
-          <a:lstStyle/>
-          <a:p>
-            <a:pPr algn="ctr"/>
-            <a:r>
-              <a:rPr lang="en-US" sz="7200" b="1" dirty="0">
-                <a:gradFill flip="none" rotWithShape="1">
-                  <a:gsLst>
-                    <a:gs pos="0">
-                      <a:srgbClr val="FF0000"/>
-                    </a:gs>
-                    <a:gs pos="79000">
-                      <a:srgbClr val="0070C0"/>
-                    </a:gs>
-                    <a:gs pos="61000">
-                      <a:srgbClr val="00B050"/>
-                    </a:gs>
-                    <a:gs pos="40000">
-                      <a:srgbClr val="E7E700"/>
-                    </a:gs>
-                    <a:gs pos="20000">
-                      <a:srgbClr val="FFC000"/>
-                    </a:gs>
-                    <a:gs pos="100000">
-                      <a:srgbClr val="7030A0"/>
-                    </a:gs>
-                  </a:gsLst>
-                  <a:lin ang="0" scaled="1"/>
-                  <a:tileRect/>
-                </a:gradFill>
-                <a:latin typeface="Arial" panose="020B0604020202020204" pitchFamily="34" charset="0"/>
-                <a:cs typeface="Arial" panose="020B0604020202020204" pitchFamily="34" charset="0"/>
-              </a:rPr>
-              <a:t>MicroSims for</a:t>
-            </a:r>
-          </a:p>
-          <a:p>
-            <a:pPr algn="ctr"/>
-            <a:r>
-              <a:rPr lang="en-US" sz="7200" b="1" dirty="0">
-                <a:gradFill flip="none" rotWithShape="1">
-                  <a:gsLst>
-                    <a:gs pos="0">
-                      <a:srgbClr val="FF0000"/>
-                    </a:gs>
-                    <a:gs pos="79000">
-                      <a:srgbClr val="0070C0"/>
-                    </a:gs>
-                    <a:gs pos="61000">
-                      <a:srgbClr val="00B050"/>
-                    </a:gs>
-                    <a:gs pos="40000">
-                      <a:srgbClr val="E7E700"/>
-                    </a:gs>
-                    <a:gs pos="20000">
-                      <a:srgbClr val="FFC000"/>
-                    </a:gs>
-                    <a:gs pos="100000">
-                      <a:srgbClr val="7030A0"/>
-                    </a:gs>
-                  </a:gsLst>
-                  <a:lin ang="0" scaled="1"/>
-                  <a:tileRect/>
-                </a:gradFill>
-                <a:latin typeface="Arial" panose="020B0604020202020204" pitchFamily="34" charset="0"/>
-                <a:cs typeface="Arial" panose="020B0604020202020204" pitchFamily="34" charset="0"/>
-              </a:rPr>
-              <a:t>Education</a:t>
-            </a:r>
-          </a:p>
-        </p:txBody>
-      </p:sp>
-      <p:sp>
-        <p:nvSpPr>
-          <p:cNvPr id="8" name="Rectangle 7">
-            <a:extLst>
-              <a:ext uri="{FF2B5EF4-FFF2-40B4-BE49-F238E27FC236}">
-                <a16:creationId xmlns:a16="http://schemas.microsoft.com/office/drawing/2014/main" id="{74594C62-6DD5-E0C0-41C2-0817D8D9535A}"/>
-              </a:ext>
-            </a:extLst>
-          </p:cNvPr>
-          <p:cNvSpPr/>
-          <p:nvPr/>
-        </p:nvSpPr>
-        <p:spPr>
-          <a:xfrm>
-            <a:off x="2481943" y="1201785"/>
-            <a:ext cx="7438571" cy="3849186"/>
-          </a:xfrm>
-          <a:prstGeom prst="rect">
-            <a:avLst/>
-          </a:prstGeom>
-          <a:noFill/>
-          <a:ln>
-            <a:solidFill>
-              <a:schemeClr val="tx1"/>
-            </a:solidFill>
-          </a:ln>
-        </p:spPr>
-        <p:style>
-          <a:lnRef idx="2">
-            <a:schemeClr val="accent1">
-              <a:shade val="15000"/>
-            </a:schemeClr>
-          </a:lnRef>
-          <a:fillRef idx="1">
-            <a:schemeClr val="accent1"/>
-          </a:fillRef>
-          <a:effectRef idx="0">
-            <a:schemeClr val="accent1"/>
-          </a:effectRef>
-          <a:fontRef idx="minor">
-            <a:schemeClr val="lt1"/>
-          </a:fontRef>
-        </p:style>
-        <p:txBody>
-          <a:bodyPr rtlCol="0" anchor="ctr"/>
-          <a:lstStyle/>
-          <a:p>
-            <a:pPr algn="ctr"/>
-            <a:endParaRPr lang="en-US"/>
-          </a:p>
-        </p:txBody>
-      </p:sp>
-      <p:pic>
-        <p:nvPicPr>
-          <p:cNvPr id="9" name="Picture 2">
-            <a:extLst>
-              <a:ext uri="{FF2B5EF4-FFF2-40B4-BE49-F238E27FC236}">
-                <a16:creationId xmlns:a16="http://schemas.microsoft.com/office/drawing/2014/main" id="{3DD5D0A0-A3C9-777E-A9F9-0135A3892531}"/>
-              </a:ext>
-            </a:extLst>
-          </p:cNvPr>
-          <p:cNvPicPr>
-            <a:picLocks noChangeAspect="1" noChangeArrowheads="1"/>
-          </p:cNvPicPr>
-          <p:nvPr/>
-        </p:nvPicPr>
-        <p:blipFill rotWithShape="1">
-          <a:blip r:embed="rId2">
-            <a:extLst>
-              <a:ext uri="{28A0092B-C50C-407E-A947-70E740481C1C}">
-                <a14:useLocalDpi xmlns:a14="http://schemas.microsoft.com/office/drawing/2010/main" val="0"/>
-              </a:ext>
-            </a:extLst>
-          </a:blip>
-          <a:srcRect b="46805"/>
-          <a:stretch/>
-        </p:blipFill>
-        <p:spPr bwMode="auto">
-          <a:xfrm>
-            <a:off x="3410911" y="3480814"/>
-            <a:ext cx="2248271" cy="827848"/>
-          </a:xfrm>
-          <a:prstGeom prst="rect">
-            <a:avLst/>
-          </a:prstGeom>
-          <a:noFill/>
-          <a:extLst>
-            <a:ext uri="{909E8E84-426E-40DD-AFC4-6F175D3DCCD1}">
-              <a14:hiddenFill xmlns:a14="http://schemas.microsoft.com/office/drawing/2010/main">
-                <a:solidFill>
-                  <a:srgbClr val="FFFFFF"/>
-                </a:solidFill>
-              </a14:hiddenFill>
-            </a:ext>
-          </a:extLst>
         </p:spPr>
       </p:pic>
     </p:spTree>
     <p:extLst>
       <p:ext uri="{BB962C8B-B14F-4D97-AF65-F5344CB8AC3E}">
-        <p14:creationId xmlns:p14="http://schemas.microsoft.com/office/powerpoint/2010/main" val="380098271"/>
+        <p14:creationId xmlns:p14="http://schemas.microsoft.com/office/powerpoint/2010/main" val="3831524169"/>
       </p:ext>
     </p:extLst>
   </p:cSld>
